--- a/slide.pptx
+++ b/slide.pptx
@@ -272,7 +272,7 @@
           <a:p>
             <a:fld id="{BFD47F2B-A897-4435-A402-FB9A6D288735}" type="datetimeFigureOut">
               <a:rPr kumimoji="1" lang="ja-JP" altLang="en-US" smtClean="0"/>
-              <a:t>2025/5/17</a:t>
+              <a:t>2025/6/17</a:t>
             </a:fld>
             <a:endParaRPr kumimoji="1" lang="ja-JP" altLang="en-US"/>
           </a:p>
@@ -449,7 +449,7 @@
           <a:p>
             <a:fld id="{F7E3E663-73DB-412D-8B7B-E37340387767}" type="datetimeFigureOut">
               <a:rPr lang="en-GB" smtClean="0"/>
-              <a:t>17/05/2025</a:t>
+              <a:t>17/06/2025</a:t>
             </a:fld>
             <a:endParaRPr lang="en-GB"/>
           </a:p>
@@ -744,109 +744,49 @@
       </p:grpSpPr>
       <p:pic>
         <p:nvPicPr>
-          <p:cNvPr id="13" name="Picture 12">
+          <p:cNvPr id="10" name="Picture 2">
             <a:extLst>
               <a:ext uri="{FF2B5EF4-FFF2-40B4-BE49-F238E27FC236}">
-                <a16:creationId xmlns:a16="http://schemas.microsoft.com/office/drawing/2014/main" id="{6E801D9F-1989-CBF8-00F5-60A641933739}"/>
+                <a16:creationId xmlns:a16="http://schemas.microsoft.com/office/drawing/2014/main" id="{09FBF3B0-71B3-C740-DA2B-0405EADACB18}"/>
               </a:ext>
             </a:extLst>
           </p:cNvPr>
           <p:cNvPicPr>
-            <a:picLocks noChangeAspect="1"/>
+            <a:picLocks noChangeAspect="1" noChangeArrowheads="1"/>
           </p:cNvPicPr>
           <p:nvPr userDrawn="1"/>
         </p:nvPicPr>
         <p:blipFill>
-          <a:blip r:embed="rId2" cstate="email">
+          <a:blip r:embed="rId2">
             <a:extLst>
               <a:ext uri="{28A0092B-C50C-407E-A947-70E740481C1C}">
-                <a14:useLocalDpi xmlns:a14="http://schemas.microsoft.com/office/drawing/2010/main"/>
+                <a14:useLocalDpi xmlns:a14="http://schemas.microsoft.com/office/drawing/2010/main" val="0"/>
               </a:ext>
             </a:extLst>
           </a:blip>
+          <a:srcRect/>
           <a:stretch>
             <a:fillRect/>
           </a:stretch>
         </p:blipFill>
-        <p:spPr>
+        <p:spPr bwMode="auto">
           <a:xfrm>
-            <a:off x="1804" y="0"/>
-            <a:ext cx="12190195" cy="6859016"/>
+            <a:off x="0" y="0"/>
+            <a:ext cx="12192000" cy="6858000"/>
           </a:xfrm>
           <a:prstGeom prst="rect">
             <a:avLst/>
           </a:prstGeom>
-        </p:spPr>
-      </p:pic>
-      <p:pic>
-        <p:nvPicPr>
-          <p:cNvPr id="14" name="図 8">
-            <a:extLst>
-              <a:ext uri="{FF2B5EF4-FFF2-40B4-BE49-F238E27FC236}">
-                <a16:creationId xmlns:a16="http://schemas.microsoft.com/office/drawing/2014/main" id="{D43DCF31-D098-F061-7844-E97AE0F8F33B}"/>
-              </a:ext>
-            </a:extLst>
-          </p:cNvPr>
-          <p:cNvPicPr>
-            <a:picLocks noChangeAspect="1"/>
-          </p:cNvPicPr>
-          <p:nvPr userDrawn="1"/>
-        </p:nvPicPr>
-        <p:blipFill>
-          <a:blip r:embed="rId3" cstate="email">
-            <a:extLst>
-              <a:ext uri="{28A0092B-C50C-407E-A947-70E740481C1C}">
-                <a14:useLocalDpi xmlns:a14="http://schemas.microsoft.com/office/drawing/2010/main"/>
-              </a:ext>
-            </a:extLst>
-          </a:blip>
-          <a:srcRect/>
-          <a:stretch/>
-        </p:blipFill>
-        <p:spPr>
-          <a:xfrm>
-            <a:off x="-16000" y="-9000"/>
-            <a:ext cx="12224000" cy="6876000"/>
-          </a:xfrm>
-          <a:prstGeom prst="rect">
-            <a:avLst/>
-          </a:prstGeom>
-        </p:spPr>
-      </p:pic>
-      <p:pic>
-        <p:nvPicPr>
-          <p:cNvPr id="7" name="図 4">
-            <a:extLst>
-              <a:ext uri="{FF2B5EF4-FFF2-40B4-BE49-F238E27FC236}">
-                <a16:creationId xmlns:a16="http://schemas.microsoft.com/office/drawing/2014/main" id="{D7DA57EE-13A1-4806-7142-E905D24387FF}"/>
-              </a:ext>
-            </a:extLst>
-          </p:cNvPr>
-          <p:cNvPicPr>
-            <a:picLocks noChangeAspect="1"/>
-          </p:cNvPicPr>
-          <p:nvPr userDrawn="1"/>
-        </p:nvPicPr>
-        <p:blipFill>
-          <a:blip r:embed="rId4" cstate="email">
-            <a:extLst>
-              <a:ext uri="{28A0092B-C50C-407E-A947-70E740481C1C}">
-                <a14:useLocalDpi xmlns:a14="http://schemas.microsoft.com/office/drawing/2010/main"/>
-              </a:ext>
-            </a:extLst>
-          </a:blip>
-          <a:stretch>
-            <a:fillRect/>
-          </a:stretch>
-        </p:blipFill>
-        <p:spPr>
-          <a:xfrm>
-            <a:off x="9933728" y="5805055"/>
-            <a:ext cx="1850285" cy="539666"/>
-          </a:xfrm>
-          <a:prstGeom prst="rect">
-            <a:avLst/>
-          </a:prstGeom>
+          <a:noFill/>
+          <a:extLst>
+            <a:ext uri="{909E8E84-426E-40DD-AFC4-6F175D3DCCD1}">
+              <a14:hiddenFill xmlns:a14="http://schemas.microsoft.com/office/drawing/2010/main">
+                <a:solidFill>
+                  <a:srgbClr val="FFFFFF"/>
+                </a:solidFill>
+              </a14:hiddenFill>
+            </a:ext>
+          </a:extLst>
         </p:spPr>
       </p:pic>
       <p:sp>
@@ -991,37 +931,49 @@
       </p:grpSpPr>
       <p:pic>
         <p:nvPicPr>
-          <p:cNvPr id="3" name="図 6">
+          <p:cNvPr id="6" name="Picture 2">
             <a:extLst>
               <a:ext uri="{FF2B5EF4-FFF2-40B4-BE49-F238E27FC236}">
-                <a16:creationId xmlns:a16="http://schemas.microsoft.com/office/drawing/2014/main" id="{38963493-2B62-55E7-EBB1-D139A1815D85}"/>
+                <a16:creationId xmlns:a16="http://schemas.microsoft.com/office/drawing/2014/main" id="{64F929AE-1DF6-4265-09FD-B65B71B27ECB}"/>
               </a:ext>
             </a:extLst>
           </p:cNvPr>
           <p:cNvPicPr>
-            <a:picLocks noChangeAspect="1"/>
+            <a:picLocks noChangeAspect="1" noChangeArrowheads="1"/>
           </p:cNvPicPr>
           <p:nvPr userDrawn="1"/>
         </p:nvPicPr>
         <p:blipFill>
-          <a:blip r:embed="rId2" cstate="email">
+          <a:blip r:embed="rId2">
             <a:extLst>
               <a:ext uri="{28A0092B-C50C-407E-A947-70E740481C1C}">
-                <a14:useLocalDpi xmlns:a14="http://schemas.microsoft.com/office/drawing/2010/main"/>
+                <a14:useLocalDpi xmlns:a14="http://schemas.microsoft.com/office/drawing/2010/main" val="0"/>
               </a:ext>
             </a:extLst>
           </a:blip>
           <a:srcRect/>
-          <a:stretch/>
+          <a:stretch>
+            <a:fillRect/>
+          </a:stretch>
         </p:blipFill>
-        <p:spPr>
+        <p:spPr bwMode="auto">
           <a:xfrm>
-            <a:off x="0" y="0"/>
-            <a:ext cx="12192000" cy="6858000"/>
+            <a:off x="-1" y="0"/>
+            <a:ext cx="12190195" cy="6858000"/>
           </a:xfrm>
           <a:prstGeom prst="rect">
             <a:avLst/>
           </a:prstGeom>
+          <a:noFill/>
+          <a:extLst>
+            <a:ext uri="{909E8E84-426E-40DD-AFC4-6F175D3DCCD1}">
+              <a14:hiddenFill xmlns:a14="http://schemas.microsoft.com/office/drawing/2010/main">
+                <a:solidFill>
+                  <a:srgbClr val="FFFFFF"/>
+                </a:solidFill>
+              </a14:hiddenFill>
+            </a:ext>
+          </a:extLst>
         </p:spPr>
       </p:pic>
       <p:sp>
@@ -1177,42 +1129,6 @@
           </a:p>
         </p:txBody>
       </p:sp>
-      <p:pic>
-        <p:nvPicPr>
-          <p:cNvPr id="8" name="図 1">
-            <a:extLst>
-              <a:ext uri="{FF2B5EF4-FFF2-40B4-BE49-F238E27FC236}">
-                <a16:creationId xmlns:a16="http://schemas.microsoft.com/office/drawing/2014/main" id="{D9D66219-D8E3-7ED3-5F40-BE0A4541FCB0}"/>
-              </a:ext>
-            </a:extLst>
-          </p:cNvPr>
-          <p:cNvPicPr>
-            <a:picLocks noChangeAspect="1"/>
-          </p:cNvPicPr>
-          <p:nvPr userDrawn="1"/>
-        </p:nvPicPr>
-        <p:blipFill>
-          <a:blip r:embed="rId3" cstate="email">
-            <a:extLst>
-              <a:ext uri="{28A0092B-C50C-407E-A947-70E740481C1C}">
-                <a14:useLocalDpi xmlns:a14="http://schemas.microsoft.com/office/drawing/2010/main"/>
-              </a:ext>
-            </a:extLst>
-          </a:blip>
-          <a:stretch>
-            <a:fillRect/>
-          </a:stretch>
-        </p:blipFill>
-        <p:spPr>
-          <a:xfrm>
-            <a:off x="418742" y="6450941"/>
-            <a:ext cx="11093557" cy="176689"/>
-          </a:xfrm>
-          <a:prstGeom prst="rect">
-            <a:avLst/>
-          </a:prstGeom>
-        </p:spPr>
-      </p:pic>
       <p:sp>
         <p:nvSpPr>
           <p:cNvPr id="7" name="Text Placeholder 16">
@@ -1308,37 +1224,49 @@
       </p:grpSpPr>
       <p:pic>
         <p:nvPicPr>
-          <p:cNvPr id="3" name="図 6">
+          <p:cNvPr id="6" name="Picture 2">
             <a:extLst>
               <a:ext uri="{FF2B5EF4-FFF2-40B4-BE49-F238E27FC236}">
-                <a16:creationId xmlns:a16="http://schemas.microsoft.com/office/drawing/2014/main" id="{1FD8887C-B947-C3E1-2320-5A93A6A0FA07}"/>
+                <a16:creationId xmlns:a16="http://schemas.microsoft.com/office/drawing/2014/main" id="{9A9136C3-DDB9-D544-63A1-F7D41D173E68}"/>
               </a:ext>
             </a:extLst>
           </p:cNvPr>
           <p:cNvPicPr>
-            <a:picLocks noChangeAspect="1"/>
+            <a:picLocks noChangeAspect="1" noChangeArrowheads="1"/>
           </p:cNvPicPr>
           <p:nvPr userDrawn="1"/>
         </p:nvPicPr>
         <p:blipFill>
-          <a:blip r:embed="rId2" cstate="email">
+          <a:blip r:embed="rId2">
             <a:extLst>
               <a:ext uri="{28A0092B-C50C-407E-A947-70E740481C1C}">
-                <a14:useLocalDpi xmlns:a14="http://schemas.microsoft.com/office/drawing/2010/main"/>
+                <a14:useLocalDpi xmlns:a14="http://schemas.microsoft.com/office/drawing/2010/main" val="0"/>
               </a:ext>
             </a:extLst>
           </a:blip>
           <a:srcRect/>
-          <a:stretch/>
+          <a:stretch>
+            <a:fillRect/>
+          </a:stretch>
         </p:blipFill>
-        <p:spPr>
+        <p:spPr bwMode="auto">
           <a:xfrm>
-            <a:off x="0" y="0"/>
-            <a:ext cx="12192000" cy="6858000"/>
+            <a:off x="-1" y="0"/>
+            <a:ext cx="12190195" cy="6858000"/>
           </a:xfrm>
           <a:prstGeom prst="rect">
             <a:avLst/>
           </a:prstGeom>
+          <a:noFill/>
+          <a:extLst>
+            <a:ext uri="{909E8E84-426E-40DD-AFC4-6F175D3DCCD1}">
+              <a14:hiddenFill xmlns:a14="http://schemas.microsoft.com/office/drawing/2010/main">
+                <a:solidFill>
+                  <a:srgbClr val="FFFFFF"/>
+                </a:solidFill>
+              </a14:hiddenFill>
+            </a:ext>
+          </a:extLst>
         </p:spPr>
       </p:pic>
       <p:sp>
@@ -1494,42 +1422,6 @@
           </a:p>
         </p:txBody>
       </p:sp>
-      <p:pic>
-        <p:nvPicPr>
-          <p:cNvPr id="4" name="図 1">
-            <a:extLst>
-              <a:ext uri="{FF2B5EF4-FFF2-40B4-BE49-F238E27FC236}">
-                <a16:creationId xmlns:a16="http://schemas.microsoft.com/office/drawing/2014/main" id="{9DCD0100-F32B-1A23-8F41-4EAF3BB6748D}"/>
-              </a:ext>
-            </a:extLst>
-          </p:cNvPr>
-          <p:cNvPicPr>
-            <a:picLocks noChangeAspect="1"/>
-          </p:cNvPicPr>
-          <p:nvPr userDrawn="1"/>
-        </p:nvPicPr>
-        <p:blipFill>
-          <a:blip r:embed="rId3" cstate="email">
-            <a:extLst>
-              <a:ext uri="{28A0092B-C50C-407E-A947-70E740481C1C}">
-                <a14:useLocalDpi xmlns:a14="http://schemas.microsoft.com/office/drawing/2010/main"/>
-              </a:ext>
-            </a:extLst>
-          </a:blip>
-          <a:stretch>
-            <a:fillRect/>
-          </a:stretch>
-        </p:blipFill>
-        <p:spPr>
-          <a:xfrm>
-            <a:off x="418742" y="6450941"/>
-            <a:ext cx="11093557" cy="176689"/>
-          </a:xfrm>
-          <a:prstGeom prst="rect">
-            <a:avLst/>
-          </a:prstGeom>
-        </p:spPr>
-      </p:pic>
       <p:sp>
         <p:nvSpPr>
           <p:cNvPr id="8" name="Text Placeholder 16">
@@ -1625,37 +1517,49 @@
       </p:grpSpPr>
       <p:pic>
         <p:nvPicPr>
-          <p:cNvPr id="3" name="図 3">
+          <p:cNvPr id="9" name="Picture 2">
             <a:extLst>
               <a:ext uri="{FF2B5EF4-FFF2-40B4-BE49-F238E27FC236}">
-                <a16:creationId xmlns:a16="http://schemas.microsoft.com/office/drawing/2014/main" id="{3D54CE50-57F8-66E0-A171-D22D6FFB0ECC}"/>
+                <a16:creationId xmlns:a16="http://schemas.microsoft.com/office/drawing/2014/main" id="{99116B01-CA74-CF54-4BDB-A4C5BAE3F545}"/>
               </a:ext>
             </a:extLst>
           </p:cNvPr>
           <p:cNvPicPr>
-            <a:picLocks noChangeAspect="1"/>
+            <a:picLocks noChangeAspect="1" noChangeArrowheads="1"/>
           </p:cNvPicPr>
           <p:nvPr userDrawn="1"/>
         </p:nvPicPr>
         <p:blipFill>
-          <a:blip r:embed="rId2" cstate="email">
+          <a:blip r:embed="rId2">
             <a:extLst>
               <a:ext uri="{28A0092B-C50C-407E-A947-70E740481C1C}">
-                <a14:useLocalDpi xmlns:a14="http://schemas.microsoft.com/office/drawing/2010/main"/>
+                <a14:useLocalDpi xmlns:a14="http://schemas.microsoft.com/office/drawing/2010/main" val="0"/>
               </a:ext>
             </a:extLst>
           </a:blip>
           <a:srcRect/>
-          <a:stretch/>
+          <a:stretch>
+            <a:fillRect/>
+          </a:stretch>
         </p:blipFill>
-        <p:spPr>
+        <p:spPr bwMode="auto">
           <a:xfrm>
-            <a:off x="0" y="0"/>
-            <a:ext cx="12192000" cy="6858000"/>
+            <a:off x="-1" y="0"/>
+            <a:ext cx="12190195" cy="6858000"/>
           </a:xfrm>
           <a:prstGeom prst="rect">
             <a:avLst/>
           </a:prstGeom>
+          <a:noFill/>
+          <a:extLst>
+            <a:ext uri="{909E8E84-426E-40DD-AFC4-6F175D3DCCD1}">
+              <a14:hiddenFill xmlns:a14="http://schemas.microsoft.com/office/drawing/2010/main">
+                <a:solidFill>
+                  <a:srgbClr val="FFFFFF"/>
+                </a:solidFill>
+              </a14:hiddenFill>
+            </a:ext>
+          </a:extLst>
         </p:spPr>
       </p:pic>
       <p:sp>
@@ -1901,842 +1805,850 @@
               <a:tabLst>
                 <a:tab pos="620713" algn="l"/>
               </a:tabLst>
-              <a:defRPr sz="1200"/>
+              <a:defRPr sz="2000"/>
             </a:lvl1pPr>
           </a:lstStyle>
           <a:p>
             <a:r>
-              <a:rPr lang="en-GB"/>
+              <a:rPr lang="en-GB" dirty="0"/>
               <a:t>Lorem ipsum </a:t>
             </a:r>
             <a:r>
-              <a:rPr lang="en-GB" err="1"/>
+              <a:rPr lang="en-GB" dirty="0" err="1"/>
               <a:t>dolor</a:t>
             </a:r>
             <a:r>
-              <a:rPr lang="en-GB"/>
+              <a:rPr lang="en-GB" dirty="0"/>
               <a:t> sit </a:t>
             </a:r>
             <a:r>
-              <a:rPr lang="en-GB" err="1"/>
+              <a:rPr lang="en-GB" dirty="0" err="1"/>
               <a:t>amet</a:t>
             </a:r>
             <a:r>
-              <a:rPr lang="en-GB"/>
+              <a:rPr lang="en-GB" dirty="0"/>
               <a:t>, </a:t>
             </a:r>
             <a:r>
-              <a:rPr lang="en-GB" err="1"/>
+              <a:rPr lang="en-GB" dirty="0" err="1"/>
               <a:t>consectetur</a:t>
             </a:r>
             <a:r>
-              <a:rPr lang="en-GB"/>
-              <a:t> </a:t>
-            </a:r>
-            <a:r>
-              <a:rPr lang="en-GB" err="1"/>
+              <a:rPr lang="en-GB" dirty="0"/>
+              <a:t> </a:t>
+            </a:r>
+            <a:r>
+              <a:rPr lang="en-GB" dirty="0" err="1"/>
               <a:t>adipiscing</a:t>
             </a:r>
             <a:r>
-              <a:rPr lang="en-GB"/>
-              <a:t> </a:t>
-            </a:r>
-            <a:r>
-              <a:rPr lang="en-GB" err="1"/>
+              <a:rPr lang="en-GB" dirty="0"/>
+              <a:t> </a:t>
+            </a:r>
+            <a:r>
+              <a:rPr lang="en-GB" dirty="0" err="1"/>
               <a:t>elit</a:t>
             </a:r>
             <a:r>
-              <a:rPr lang="en-GB"/>
+              <a:rPr lang="en-GB" dirty="0"/>
               <a:t>. </a:t>
             </a:r>
             <a:r>
-              <a:rPr lang="en-GB" err="1"/>
+              <a:rPr lang="en-GB" dirty="0" err="1"/>
               <a:t>Sed</a:t>
             </a:r>
             <a:r>
-              <a:rPr lang="en-GB"/>
-              <a:t> </a:t>
-            </a:r>
-            <a:r>
-              <a:rPr lang="en-GB" err="1"/>
+              <a:rPr lang="en-GB" dirty="0"/>
+              <a:t> </a:t>
+            </a:r>
+            <a:r>
+              <a:rPr lang="en-GB" dirty="0" err="1"/>
               <a:t>facilisis</a:t>
             </a:r>
             <a:r>
-              <a:rPr lang="en-GB"/>
-              <a:t> </a:t>
-            </a:r>
-            <a:r>
-              <a:rPr lang="en-GB" err="1"/>
+              <a:rPr lang="en-GB" dirty="0"/>
+              <a:t> </a:t>
+            </a:r>
+            <a:r>
+              <a:rPr lang="en-GB" dirty="0" err="1"/>
               <a:t>orci</a:t>
             </a:r>
             <a:r>
-              <a:rPr lang="en-GB"/>
+              <a:rPr lang="en-GB" dirty="0"/>
               <a:t> sit </a:t>
             </a:r>
             <a:r>
-              <a:rPr lang="en-GB" err="1"/>
+              <a:rPr lang="en-GB" dirty="0" err="1"/>
               <a:t>amet</a:t>
             </a:r>
             <a:r>
-              <a:rPr lang="en-GB"/>
-              <a:t> </a:t>
-            </a:r>
-            <a:r>
-              <a:rPr lang="en-GB" err="1"/>
+              <a:rPr lang="en-GB" dirty="0"/>
+              <a:t> </a:t>
+            </a:r>
+            <a:r>
+              <a:rPr lang="en-GB" dirty="0" err="1"/>
               <a:t>hendrerit</a:t>
             </a:r>
             <a:r>
-              <a:rPr lang="en-GB"/>
+              <a:rPr lang="en-GB" dirty="0"/>
               <a:t> cursus. Morbi </a:t>
             </a:r>
             <a:r>
-              <a:rPr lang="en-GB" err="1"/>
+              <a:rPr lang="en-GB" dirty="0" err="1"/>
               <a:t>nunc</a:t>
             </a:r>
             <a:r>
-              <a:rPr lang="en-GB"/>
-              <a:t> </a:t>
-            </a:r>
-            <a:r>
-              <a:rPr lang="en-GB" err="1"/>
+              <a:rPr lang="en-GB" dirty="0"/>
+              <a:t> </a:t>
+            </a:r>
+            <a:r>
+              <a:rPr lang="en-GB" dirty="0" err="1"/>
               <a:t>tellus</a:t>
             </a:r>
             <a:r>
-              <a:rPr lang="en-GB"/>
+              <a:rPr lang="en-GB" dirty="0"/>
               <a:t>, </a:t>
             </a:r>
             <a:r>
-              <a:rPr lang="en-GB" err="1"/>
+              <a:rPr lang="en-GB" dirty="0" err="1"/>
               <a:t>dapibus</a:t>
             </a:r>
             <a:r>
-              <a:rPr lang="en-GB"/>
+              <a:rPr lang="en-GB" dirty="0"/>
               <a:t> id </a:t>
             </a:r>
             <a:r>
-              <a:rPr lang="en-GB" err="1"/>
+              <a:rPr lang="en-GB" dirty="0" err="1"/>
               <a:t>lectus</a:t>
             </a:r>
             <a:r>
-              <a:rPr lang="en-GB"/>
+              <a:rPr lang="en-GB" dirty="0"/>
               <a:t> at, </a:t>
             </a:r>
             <a:r>
-              <a:rPr lang="en-GB" err="1"/>
+              <a:rPr lang="en-GB" dirty="0" err="1"/>
               <a:t>posuere</a:t>
             </a:r>
             <a:r>
-              <a:rPr lang="en-GB"/>
-              <a:t> </a:t>
-            </a:r>
-            <a:r>
-              <a:rPr lang="en-GB" err="1"/>
+              <a:rPr lang="en-GB" dirty="0"/>
+              <a:t> </a:t>
+            </a:r>
+            <a:r>
+              <a:rPr lang="en-GB" dirty="0" err="1"/>
               <a:t>mattis</a:t>
             </a:r>
             <a:r>
-              <a:rPr lang="en-GB"/>
-              <a:t> </a:t>
-            </a:r>
-            <a:r>
-              <a:rPr lang="en-GB" err="1"/>
+              <a:rPr lang="en-GB" dirty="0"/>
+              <a:t> </a:t>
+            </a:r>
+            <a:r>
+              <a:rPr lang="en-GB" dirty="0" err="1"/>
               <a:t>tortor</a:t>
             </a:r>
             <a:r>
-              <a:rPr lang="en-GB"/>
+              <a:rPr lang="en-GB" dirty="0"/>
               <a:t>. Duis </a:t>
             </a:r>
             <a:r>
-              <a:rPr lang="en-GB" err="1"/>
+              <a:rPr lang="en-GB" dirty="0" err="1"/>
               <a:t>vehicula</a:t>
             </a:r>
             <a:r>
-              <a:rPr lang="en-GB"/>
-              <a:t> </a:t>
-            </a:r>
-            <a:r>
-              <a:rPr lang="en-GB" err="1"/>
+              <a:rPr lang="en-GB" dirty="0"/>
+              <a:t> </a:t>
+            </a:r>
+            <a:r>
+              <a:rPr lang="en-GB" dirty="0" err="1"/>
               <a:t>elementum</a:t>
             </a:r>
             <a:r>
-              <a:rPr lang="en-GB"/>
+              <a:rPr lang="en-GB" dirty="0"/>
               <a:t> ipsum, at </a:t>
             </a:r>
             <a:r>
-              <a:rPr lang="en-GB" err="1"/>
+              <a:rPr lang="en-GB" dirty="0" err="1"/>
               <a:t>viverra</a:t>
             </a:r>
             <a:r>
-              <a:rPr lang="en-GB"/>
+              <a:rPr lang="en-GB" dirty="0"/>
               <a:t> mi pharetra non. Nunc porta auctor </a:t>
             </a:r>
             <a:r>
-              <a:rPr lang="en-GB" err="1"/>
+              <a:rPr lang="en-GB" dirty="0" err="1"/>
               <a:t>nibh</a:t>
             </a:r>
             <a:r>
-              <a:rPr lang="en-GB"/>
-              <a:t> </a:t>
-            </a:r>
-            <a:r>
-              <a:rPr lang="en-GB" err="1"/>
+              <a:rPr lang="en-GB" dirty="0"/>
+              <a:t> </a:t>
+            </a:r>
+            <a:r>
+              <a:rPr lang="en-GB" dirty="0" err="1"/>
               <a:t>ut</a:t>
             </a:r>
             <a:r>
-              <a:rPr lang="en-GB"/>
+              <a:rPr lang="en-GB" dirty="0"/>
               <a:t> dictum. Integer sit </a:t>
             </a:r>
             <a:r>
-              <a:rPr lang="en-GB" err="1"/>
+              <a:rPr lang="en-GB" dirty="0" err="1"/>
               <a:t>amet</a:t>
             </a:r>
             <a:r>
-              <a:rPr lang="en-GB"/>
+              <a:rPr lang="en-GB" dirty="0"/>
               <a:t> ipsum at </a:t>
             </a:r>
             <a:r>
-              <a:rPr lang="en-GB" err="1"/>
+              <a:rPr lang="en-GB" dirty="0" err="1"/>
               <a:t>justo</a:t>
             </a:r>
             <a:r>
-              <a:rPr lang="en-GB"/>
+              <a:rPr lang="en-GB" dirty="0"/>
               <a:t> porta </a:t>
             </a:r>
             <a:r>
-              <a:rPr lang="en-GB" err="1"/>
+              <a:rPr lang="en-GB" dirty="0" err="1"/>
               <a:t>viverra</a:t>
             </a:r>
             <a:r>
-              <a:rPr lang="en-GB"/>
-              <a:t> </a:t>
-            </a:r>
-            <a:r>
-              <a:rPr lang="en-GB" err="1"/>
+              <a:rPr lang="en-GB" dirty="0"/>
+              <a:t> </a:t>
+            </a:r>
+            <a:r>
+              <a:rPr lang="en-GB" dirty="0" err="1"/>
               <a:t>ut</a:t>
             </a:r>
             <a:r>
-              <a:rPr lang="en-GB"/>
+              <a:rPr lang="en-GB" dirty="0"/>
               <a:t> non </a:t>
             </a:r>
             <a:r>
-              <a:rPr lang="en-GB" err="1"/>
+              <a:rPr lang="en-GB" dirty="0" err="1"/>
               <a:t>arcu</a:t>
             </a:r>
             <a:r>
-              <a:rPr lang="en-GB"/>
+              <a:rPr lang="en-GB" dirty="0"/>
               <a:t>. </a:t>
             </a:r>
           </a:p>
           <a:p>
             <a:r>
-              <a:rPr lang="en-GB" err="1"/>
+              <a:rPr lang="en-GB" dirty="0" err="1"/>
               <a:t>Praesent</a:t>
             </a:r>
             <a:r>
-              <a:rPr lang="en-GB"/>
-              <a:t> </a:t>
-            </a:r>
-            <a:r>
-              <a:rPr lang="en-GB" err="1"/>
+              <a:rPr lang="en-GB" dirty="0"/>
+              <a:t> </a:t>
+            </a:r>
+            <a:r>
+              <a:rPr lang="en-GB" dirty="0" err="1"/>
               <a:t>suscipit</a:t>
             </a:r>
             <a:r>
-              <a:rPr lang="en-GB"/>
-              <a:t> </a:t>
-            </a:r>
-            <a:r>
-              <a:rPr lang="en-GB" err="1"/>
+              <a:rPr lang="en-GB" dirty="0"/>
+              <a:t> </a:t>
+            </a:r>
+            <a:r>
+              <a:rPr lang="en-GB" dirty="0" err="1"/>
               <a:t>nulla</a:t>
             </a:r>
             <a:r>
-              <a:rPr lang="en-GB"/>
+              <a:rPr lang="en-GB" dirty="0"/>
               <a:t> dui, </a:t>
             </a:r>
             <a:r>
-              <a:rPr lang="en-GB" err="1"/>
+              <a:rPr lang="en-GB" dirty="0" err="1"/>
               <a:t>tristique</a:t>
             </a:r>
             <a:r>
-              <a:rPr lang="en-GB"/>
-              <a:t> </a:t>
-            </a:r>
-            <a:r>
-              <a:rPr lang="en-GB" err="1"/>
+              <a:rPr lang="en-GB" dirty="0"/>
+              <a:t> </a:t>
+            </a:r>
+            <a:r>
+              <a:rPr lang="en-GB" dirty="0" err="1"/>
               <a:t>vehicula</a:t>
             </a:r>
             <a:r>
-              <a:rPr lang="en-GB"/>
+              <a:rPr lang="en-GB" dirty="0"/>
               <a:t> ex </a:t>
             </a:r>
             <a:r>
-              <a:rPr lang="en-GB" err="1"/>
+              <a:rPr lang="en-GB" dirty="0" err="1"/>
               <a:t>tincidunt</a:t>
             </a:r>
             <a:r>
-              <a:rPr lang="en-GB"/>
+              <a:rPr lang="en-GB" dirty="0"/>
               <a:t> id. </a:t>
             </a:r>
             <a:r>
-              <a:rPr lang="en-GB" err="1"/>
+              <a:rPr lang="en-GB" dirty="0" err="1"/>
               <a:t>Quisque</a:t>
             </a:r>
             <a:r>
-              <a:rPr lang="en-GB"/>
-              <a:t> </a:t>
-            </a:r>
-            <a:r>
-              <a:rPr lang="en-GB" err="1"/>
+              <a:rPr lang="en-GB" dirty="0"/>
+              <a:t> </a:t>
+            </a:r>
+            <a:r>
+              <a:rPr lang="en-GB" dirty="0" err="1"/>
               <a:t>posuere</a:t>
             </a:r>
             <a:r>
-              <a:rPr lang="en-GB"/>
-              <a:t> </a:t>
-            </a:r>
-            <a:r>
-              <a:rPr lang="en-GB" err="1"/>
+              <a:rPr lang="en-GB" dirty="0"/>
+              <a:t> </a:t>
+            </a:r>
+            <a:r>
+              <a:rPr lang="en-GB" dirty="0" err="1"/>
               <a:t>dignissim</a:t>
             </a:r>
             <a:r>
-              <a:rPr lang="en-GB"/>
-              <a:t> </a:t>
-            </a:r>
-            <a:r>
-              <a:rPr lang="en-GB" err="1"/>
+              <a:rPr lang="en-GB" dirty="0"/>
+              <a:t> </a:t>
+            </a:r>
+            <a:r>
+              <a:rPr lang="en-GB" dirty="0" err="1"/>
               <a:t>dolor</a:t>
             </a:r>
             <a:r>
-              <a:rPr lang="en-GB"/>
+              <a:rPr lang="en-GB" dirty="0"/>
               <a:t> id </a:t>
             </a:r>
             <a:r>
-              <a:rPr lang="en-GB" err="1"/>
+              <a:rPr lang="en-GB" dirty="0" err="1"/>
               <a:t>rutrum</a:t>
             </a:r>
             <a:r>
-              <a:rPr lang="en-GB"/>
+              <a:rPr lang="en-GB" dirty="0"/>
               <a:t>. </a:t>
             </a:r>
             <a:r>
-              <a:rPr lang="en-GB" err="1"/>
+              <a:rPr lang="en-GB" dirty="0" err="1"/>
               <a:t>Quisque</a:t>
             </a:r>
             <a:r>
-              <a:rPr lang="en-GB"/>
-              <a:t> </a:t>
-            </a:r>
-            <a:r>
-              <a:rPr lang="en-GB" err="1"/>
+              <a:rPr lang="en-GB" dirty="0"/>
+              <a:t> </a:t>
+            </a:r>
+            <a:r>
+              <a:rPr lang="en-GB" dirty="0" err="1"/>
               <a:t>suscipit</a:t>
             </a:r>
             <a:r>
-              <a:rPr lang="en-GB"/>
-              <a:t> </a:t>
-            </a:r>
-            <a:r>
-              <a:rPr lang="en-GB" err="1"/>
+              <a:rPr lang="en-GB" dirty="0"/>
+              <a:t> </a:t>
+            </a:r>
+            <a:r>
+              <a:rPr lang="en-GB" dirty="0" err="1"/>
               <a:t>tincidunt</a:t>
             </a:r>
             <a:r>
-              <a:rPr lang="en-GB"/>
-              <a:t> </a:t>
-            </a:r>
-            <a:r>
-              <a:rPr lang="en-GB" err="1"/>
+              <a:rPr lang="en-GB" dirty="0"/>
+              <a:t> </a:t>
+            </a:r>
+            <a:r>
+              <a:rPr lang="en-GB" dirty="0" err="1"/>
               <a:t>arcu</a:t>
             </a:r>
             <a:r>
-              <a:rPr lang="en-GB"/>
-              <a:t> </a:t>
-            </a:r>
-            <a:r>
-              <a:rPr lang="en-GB" err="1"/>
+              <a:rPr lang="en-GB" dirty="0"/>
+              <a:t> </a:t>
+            </a:r>
+            <a:r>
+              <a:rPr lang="en-GB" dirty="0" err="1"/>
               <a:t>eget</a:t>
             </a:r>
             <a:r>
-              <a:rPr lang="en-GB"/>
-              <a:t> </a:t>
-            </a:r>
-            <a:r>
-              <a:rPr lang="en-GB" err="1"/>
+              <a:rPr lang="en-GB" dirty="0"/>
+              <a:t> </a:t>
+            </a:r>
+            <a:r>
+              <a:rPr lang="en-GB" dirty="0" err="1"/>
               <a:t>tincidunt</a:t>
             </a:r>
             <a:r>
-              <a:rPr lang="en-GB"/>
+              <a:rPr lang="en-GB" dirty="0"/>
               <a:t>.</a:t>
             </a:r>
           </a:p>
           <a:p>
             <a:r>
-              <a:rPr lang="en-GB" err="1"/>
+              <a:rPr lang="en-GB" dirty="0" err="1"/>
               <a:t>Suspendisse</a:t>
             </a:r>
             <a:r>
-              <a:rPr lang="en-GB"/>
-              <a:t> </a:t>
-            </a:r>
-            <a:r>
-              <a:rPr lang="en-GB" err="1"/>
+              <a:rPr lang="en-GB" dirty="0"/>
+              <a:t> </a:t>
+            </a:r>
+            <a:r>
+              <a:rPr lang="en-GB" dirty="0" err="1"/>
               <a:t>consectetur</a:t>
             </a:r>
             <a:r>
-              <a:rPr lang="en-GB"/>
-              <a:t> </a:t>
-            </a:r>
-            <a:r>
-              <a:rPr lang="en-GB" err="1"/>
+              <a:rPr lang="en-GB" dirty="0"/>
+              <a:t> </a:t>
+            </a:r>
+            <a:r>
+              <a:rPr lang="en-GB" dirty="0" err="1"/>
               <a:t>sollicitudin</a:t>
             </a:r>
             <a:r>
-              <a:rPr lang="en-GB"/>
-              <a:t> </a:t>
-            </a:r>
-            <a:r>
-              <a:rPr lang="en-GB" err="1"/>
+              <a:rPr lang="en-GB" dirty="0"/>
+              <a:t> </a:t>
+            </a:r>
+            <a:r>
+              <a:rPr lang="en-GB" dirty="0" err="1"/>
               <a:t>sollicitudin</a:t>
             </a:r>
             <a:r>
-              <a:rPr lang="en-GB"/>
+              <a:rPr lang="en-GB" dirty="0"/>
               <a:t>. </a:t>
             </a:r>
             <a:r>
-              <a:rPr lang="en-GB" err="1"/>
+              <a:rPr lang="en-GB" dirty="0" err="1"/>
               <a:t>Aliquam</a:t>
             </a:r>
             <a:r>
-              <a:rPr lang="en-GB"/>
-              <a:t> </a:t>
-            </a:r>
-            <a:r>
-              <a:rPr lang="en-GB" err="1"/>
+              <a:rPr lang="en-GB" dirty="0"/>
+              <a:t> </a:t>
+            </a:r>
+            <a:r>
+              <a:rPr lang="en-GB" dirty="0" err="1"/>
               <a:t>aliquet</a:t>
             </a:r>
             <a:r>
-              <a:rPr lang="en-GB"/>
-              <a:t> </a:t>
-            </a:r>
-            <a:r>
-              <a:rPr lang="en-GB" err="1"/>
+              <a:rPr lang="en-GB" dirty="0"/>
+              <a:t> </a:t>
+            </a:r>
+            <a:r>
+              <a:rPr lang="en-GB" dirty="0" err="1"/>
               <a:t>nibh</a:t>
             </a:r>
             <a:r>
-              <a:rPr lang="en-GB"/>
+              <a:rPr lang="en-GB" dirty="0"/>
               <a:t> sit </a:t>
             </a:r>
             <a:r>
-              <a:rPr lang="en-GB" err="1"/>
+              <a:rPr lang="en-GB" dirty="0" err="1"/>
               <a:t>amet</a:t>
             </a:r>
             <a:r>
-              <a:rPr lang="en-GB"/>
-              <a:t> </a:t>
-            </a:r>
-            <a:r>
-              <a:rPr lang="en-GB" err="1"/>
+              <a:rPr lang="en-GB" dirty="0"/>
+              <a:t> </a:t>
+            </a:r>
+            <a:r>
+              <a:rPr lang="en-GB" dirty="0" err="1"/>
               <a:t>tortor</a:t>
             </a:r>
             <a:r>
-              <a:rPr lang="en-GB"/>
-              <a:t> </a:t>
-            </a:r>
-            <a:r>
-              <a:rPr lang="en-GB" err="1"/>
+              <a:rPr lang="en-GB" dirty="0"/>
+              <a:t> </a:t>
+            </a:r>
+            <a:r>
+              <a:rPr lang="en-GB" dirty="0" err="1"/>
               <a:t>dignissim</a:t>
             </a:r>
             <a:r>
-              <a:rPr lang="en-GB"/>
+              <a:rPr lang="en-GB" dirty="0"/>
               <a:t>, vitae </a:t>
             </a:r>
             <a:r>
-              <a:rPr lang="en-GB" err="1"/>
+              <a:rPr lang="en-GB" dirty="0" err="1"/>
               <a:t>consequat</a:t>
             </a:r>
             <a:r>
-              <a:rPr lang="en-GB"/>
-              <a:t> </a:t>
-            </a:r>
-            <a:r>
-              <a:rPr lang="en-GB" err="1"/>
+              <a:rPr lang="en-GB" dirty="0"/>
+              <a:t> </a:t>
+            </a:r>
+            <a:r>
+              <a:rPr lang="en-GB" dirty="0" err="1"/>
               <a:t>orci</a:t>
             </a:r>
             <a:r>
-              <a:rPr lang="en-GB"/>
-              <a:t> </a:t>
-            </a:r>
-            <a:r>
-              <a:rPr lang="en-GB" err="1"/>
+              <a:rPr lang="en-GB" dirty="0"/>
+              <a:t> </a:t>
+            </a:r>
+            <a:r>
+              <a:rPr lang="en-GB" dirty="0" err="1"/>
               <a:t>vulputate</a:t>
             </a:r>
             <a:r>
-              <a:rPr lang="en-GB"/>
+              <a:rPr lang="en-GB" dirty="0"/>
               <a:t>. </a:t>
             </a:r>
             <a:r>
-              <a:rPr lang="en-GB" err="1"/>
+              <a:rPr lang="en-GB" dirty="0" err="1"/>
               <a:t>Suspendisse</a:t>
             </a:r>
             <a:r>
-              <a:rPr lang="en-GB"/>
-              <a:t> </a:t>
-            </a:r>
-            <a:r>
-              <a:rPr lang="en-GB" err="1"/>
+              <a:rPr lang="en-GB" dirty="0"/>
+              <a:t> </a:t>
+            </a:r>
+            <a:r>
+              <a:rPr lang="en-GB" dirty="0" err="1"/>
               <a:t>bibendum</a:t>
             </a:r>
             <a:r>
-              <a:rPr lang="en-GB"/>
+              <a:rPr lang="en-GB" dirty="0"/>
               <a:t> et </a:t>
             </a:r>
             <a:r>
-              <a:rPr lang="en-GB" err="1"/>
+              <a:rPr lang="en-GB" dirty="0" err="1"/>
               <a:t>diam</a:t>
             </a:r>
             <a:r>
-              <a:rPr lang="en-GB"/>
+              <a:rPr lang="en-GB" dirty="0"/>
               <a:t> et </a:t>
             </a:r>
             <a:r>
-              <a:rPr lang="en-GB" err="1"/>
+              <a:rPr lang="en-GB" dirty="0" err="1"/>
               <a:t>lobortis</a:t>
             </a:r>
             <a:r>
-              <a:rPr lang="en-GB"/>
+              <a:rPr lang="en-GB" dirty="0"/>
               <a:t>. </a:t>
             </a:r>
             <a:r>
-              <a:rPr lang="en-GB" err="1"/>
+              <a:rPr lang="en-GB" dirty="0" err="1"/>
               <a:t>Orci</a:t>
             </a:r>
             <a:r>
-              <a:rPr lang="en-GB"/>
-              <a:t> </a:t>
-            </a:r>
-            <a:r>
-              <a:rPr lang="en-GB" err="1"/>
+              <a:rPr lang="en-GB" dirty="0"/>
+              <a:t> </a:t>
+            </a:r>
+            <a:r>
+              <a:rPr lang="en-GB" dirty="0" err="1"/>
               <a:t>varius</a:t>
             </a:r>
             <a:r>
-              <a:rPr lang="en-GB"/>
-              <a:t> </a:t>
-            </a:r>
-            <a:r>
-              <a:rPr lang="en-GB" err="1"/>
+              <a:rPr lang="en-GB" dirty="0"/>
+              <a:t> </a:t>
+            </a:r>
+            <a:r>
+              <a:rPr lang="en-GB" dirty="0" err="1"/>
               <a:t>natoque</a:t>
             </a:r>
             <a:r>
-              <a:rPr lang="en-GB"/>
-              <a:t> </a:t>
-            </a:r>
-            <a:r>
-              <a:rPr lang="en-GB" err="1"/>
+              <a:rPr lang="en-GB" dirty="0"/>
+              <a:t> </a:t>
+            </a:r>
+            <a:r>
+              <a:rPr lang="en-GB" dirty="0" err="1"/>
               <a:t>penatibus</a:t>
             </a:r>
             <a:r>
-              <a:rPr lang="en-GB"/>
+              <a:rPr lang="en-GB" dirty="0"/>
               <a:t> et </a:t>
             </a:r>
             <a:r>
-              <a:rPr lang="en-GB" err="1"/>
+              <a:rPr lang="en-GB" dirty="0" err="1"/>
               <a:t>magnis</a:t>
             </a:r>
             <a:r>
-              <a:rPr lang="en-GB"/>
+              <a:rPr lang="en-GB" dirty="0"/>
               <a:t> dis parturient </a:t>
             </a:r>
             <a:r>
-              <a:rPr lang="en-GB" err="1"/>
+              <a:rPr lang="en-GB" dirty="0" err="1"/>
               <a:t>montes</a:t>
             </a:r>
             <a:r>
-              <a:rPr lang="en-GB"/>
+              <a:rPr lang="en-GB" dirty="0"/>
               <a:t>, </a:t>
             </a:r>
             <a:r>
-              <a:rPr lang="en-GB" err="1"/>
+              <a:rPr lang="en-GB" dirty="0" err="1"/>
               <a:t>nascetur</a:t>
             </a:r>
             <a:r>
-              <a:rPr lang="en-GB"/>
-              <a:t> </a:t>
-            </a:r>
-            <a:r>
-              <a:rPr lang="en-GB" err="1"/>
+              <a:rPr lang="en-GB" dirty="0"/>
+              <a:t> </a:t>
+            </a:r>
+            <a:r>
+              <a:rPr lang="en-GB" dirty="0" err="1"/>
               <a:t>ridiculus</a:t>
             </a:r>
             <a:r>
-              <a:rPr lang="en-GB"/>
+              <a:rPr lang="en-GB" dirty="0"/>
               <a:t> mus. </a:t>
             </a:r>
           </a:p>
           <a:p>
             <a:r>
-              <a:rPr lang="en-GB" err="1"/>
+              <a:rPr lang="en-GB" dirty="0" err="1"/>
               <a:t>Mauris</a:t>
             </a:r>
             <a:r>
-              <a:rPr lang="en-GB"/>
+              <a:rPr lang="en-GB" dirty="0"/>
               <a:t> ipsum nisi, </a:t>
             </a:r>
             <a:r>
-              <a:rPr lang="en-GB" err="1"/>
+              <a:rPr lang="en-GB" dirty="0" err="1"/>
               <a:t>finibus</a:t>
             </a:r>
             <a:r>
-              <a:rPr lang="en-GB"/>
-              <a:t> </a:t>
-            </a:r>
-            <a:r>
-              <a:rPr lang="en-GB" err="1"/>
+              <a:rPr lang="en-GB" dirty="0"/>
+              <a:t> </a:t>
+            </a:r>
+            <a:r>
+              <a:rPr lang="en-GB" dirty="0" err="1"/>
               <a:t>faucibus</a:t>
             </a:r>
             <a:r>
-              <a:rPr lang="en-GB"/>
-              <a:t> </a:t>
-            </a:r>
-            <a:r>
-              <a:rPr lang="en-GB" err="1"/>
+              <a:rPr lang="en-GB" dirty="0"/>
+              <a:t> </a:t>
+            </a:r>
+            <a:r>
+              <a:rPr lang="en-GB" dirty="0" err="1"/>
               <a:t>mattis</a:t>
             </a:r>
             <a:r>
-              <a:rPr lang="en-GB"/>
-              <a:t> </a:t>
-            </a:r>
-            <a:r>
-              <a:rPr lang="en-GB" err="1"/>
+              <a:rPr lang="en-GB" dirty="0"/>
+              <a:t> </a:t>
+            </a:r>
+            <a:r>
+              <a:rPr lang="en-GB" dirty="0" err="1"/>
               <a:t>ut</a:t>
             </a:r>
             <a:r>
-              <a:rPr lang="en-GB"/>
+              <a:rPr lang="en-GB" dirty="0"/>
               <a:t>, </a:t>
             </a:r>
             <a:r>
-              <a:rPr lang="en-GB" err="1"/>
+              <a:rPr lang="en-GB" dirty="0" err="1"/>
               <a:t>vulputate</a:t>
             </a:r>
             <a:r>
-              <a:rPr lang="en-GB"/>
-              <a:t> </a:t>
-            </a:r>
-            <a:r>
-              <a:rPr lang="en-GB" err="1"/>
+              <a:rPr lang="en-GB" dirty="0"/>
+              <a:t> </a:t>
+            </a:r>
+            <a:r>
+              <a:rPr lang="en-GB" dirty="0" err="1"/>
               <a:t>vulputate</a:t>
             </a:r>
             <a:r>
-              <a:rPr lang="en-GB"/>
+              <a:rPr lang="en-GB" dirty="0"/>
               <a:t> ligula. Duis a </a:t>
             </a:r>
             <a:r>
-              <a:rPr lang="en-GB" err="1"/>
+              <a:rPr lang="en-GB" dirty="0" err="1"/>
               <a:t>pellentesque</a:t>
             </a:r>
             <a:r>
-              <a:rPr lang="en-GB"/>
-              <a:t> </a:t>
-            </a:r>
-            <a:r>
-              <a:rPr lang="en-GB" err="1"/>
+              <a:rPr lang="en-GB" dirty="0"/>
+              <a:t> </a:t>
+            </a:r>
+            <a:r>
+              <a:rPr lang="en-GB" dirty="0" err="1"/>
               <a:t>tortor</a:t>
             </a:r>
             <a:r>
-              <a:rPr lang="en-GB"/>
+              <a:rPr lang="en-GB" dirty="0"/>
               <a:t>. </a:t>
             </a:r>
             <a:r>
-              <a:rPr lang="en-GB" err="1"/>
+              <a:rPr lang="en-GB" dirty="0" err="1"/>
               <a:t>Vivamus</a:t>
             </a:r>
             <a:r>
-              <a:rPr lang="en-GB"/>
-              <a:t> </a:t>
-            </a:r>
-            <a:r>
-              <a:rPr lang="en-GB" err="1"/>
+              <a:rPr lang="en-GB" dirty="0"/>
+              <a:t> </a:t>
+            </a:r>
+            <a:r>
+              <a:rPr lang="en-GB" dirty="0" err="1"/>
               <a:t>urna</a:t>
             </a:r>
             <a:r>
-              <a:rPr lang="en-GB"/>
-              <a:t> </a:t>
-            </a:r>
-            <a:r>
-              <a:rPr lang="en-GB" err="1"/>
+              <a:rPr lang="en-GB" dirty="0"/>
+              <a:t> </a:t>
+            </a:r>
+            <a:r>
+              <a:rPr lang="en-GB" dirty="0" err="1"/>
               <a:t>lacus</a:t>
             </a:r>
             <a:r>
-              <a:rPr lang="en-GB"/>
+              <a:rPr lang="en-GB" dirty="0"/>
               <a:t>, </a:t>
             </a:r>
             <a:r>
-              <a:rPr lang="en-GB" err="1"/>
+              <a:rPr lang="en-GB" dirty="0" err="1"/>
               <a:t>ultrices</a:t>
             </a:r>
             <a:r>
-              <a:rPr lang="en-GB"/>
-              <a:t> </a:t>
-            </a:r>
-            <a:r>
-              <a:rPr lang="en-GB" err="1"/>
+              <a:rPr lang="en-GB" dirty="0"/>
+              <a:t> </a:t>
+            </a:r>
+            <a:r>
+              <a:rPr lang="en-GB" dirty="0" err="1"/>
               <a:t>quis</a:t>
             </a:r>
             <a:r>
-              <a:rPr lang="en-GB"/>
-              <a:t> </a:t>
-            </a:r>
-            <a:r>
-              <a:rPr lang="en-GB" err="1"/>
+              <a:rPr lang="en-GB" dirty="0"/>
+              <a:t> </a:t>
+            </a:r>
+            <a:r>
+              <a:rPr lang="en-GB" dirty="0" err="1"/>
               <a:t>felis</a:t>
             </a:r>
             <a:r>
-              <a:rPr lang="en-GB"/>
+              <a:rPr lang="en-GB" dirty="0"/>
               <a:t> at, </a:t>
             </a:r>
             <a:r>
-              <a:rPr lang="en-GB" err="1"/>
+              <a:rPr lang="en-GB" dirty="0" err="1"/>
               <a:t>tempor</a:t>
             </a:r>
             <a:r>
-              <a:rPr lang="en-GB"/>
-              <a:t> </a:t>
-            </a:r>
-            <a:r>
-              <a:rPr lang="en-GB" err="1"/>
+              <a:rPr lang="en-GB" dirty="0"/>
+              <a:t> </a:t>
+            </a:r>
+            <a:r>
+              <a:rPr lang="en-GB" dirty="0" err="1"/>
               <a:t>accumsan</a:t>
             </a:r>
             <a:r>
-              <a:rPr lang="en-GB"/>
-              <a:t> </a:t>
-            </a:r>
-            <a:r>
-              <a:rPr lang="en-GB" err="1"/>
+              <a:rPr lang="en-GB" dirty="0"/>
+              <a:t> </a:t>
+            </a:r>
+            <a:r>
+              <a:rPr lang="en-GB" dirty="0" err="1"/>
               <a:t>lectus</a:t>
             </a:r>
             <a:r>
-              <a:rPr lang="en-GB"/>
+              <a:rPr lang="en-GB" dirty="0"/>
               <a:t>. Vestibulum ante ipsum </a:t>
             </a:r>
             <a:r>
-              <a:rPr lang="en-GB" err="1"/>
+              <a:rPr lang="en-GB" dirty="0" err="1"/>
               <a:t>primis</a:t>
             </a:r>
             <a:r>
-              <a:rPr lang="en-GB"/>
+              <a:rPr lang="en-GB" dirty="0"/>
               <a:t> in </a:t>
             </a:r>
             <a:r>
-              <a:rPr lang="en-GB" err="1"/>
+              <a:rPr lang="en-GB" dirty="0" err="1"/>
               <a:t>faucibus</a:t>
             </a:r>
             <a:r>
-              <a:rPr lang="en-GB"/>
-              <a:t> </a:t>
-            </a:r>
-            <a:r>
-              <a:rPr lang="en-GB" err="1"/>
+              <a:rPr lang="en-GB" dirty="0"/>
+              <a:t> </a:t>
+            </a:r>
+            <a:r>
+              <a:rPr lang="en-GB" dirty="0" err="1"/>
               <a:t>orci</a:t>
             </a:r>
             <a:r>
-              <a:rPr lang="en-GB"/>
-              <a:t> </a:t>
-            </a:r>
-            <a:r>
-              <a:rPr lang="en-GB" err="1"/>
+              <a:rPr lang="en-GB" dirty="0"/>
+              <a:t> </a:t>
+            </a:r>
+            <a:r>
+              <a:rPr lang="en-GB" dirty="0" err="1"/>
               <a:t>luctus</a:t>
             </a:r>
             <a:r>
-              <a:rPr lang="en-GB"/>
+              <a:rPr lang="en-GB" dirty="0"/>
               <a:t> et </a:t>
             </a:r>
             <a:r>
-              <a:rPr lang="en-GB" err="1"/>
+              <a:rPr lang="en-GB" dirty="0" err="1"/>
               <a:t>ultrices</a:t>
             </a:r>
             <a:r>
-              <a:rPr lang="en-GB"/>
-              <a:t> </a:t>
-            </a:r>
-            <a:r>
-              <a:rPr lang="en-GB" err="1"/>
+              <a:rPr lang="en-GB" dirty="0"/>
+              <a:t> </a:t>
+            </a:r>
+            <a:r>
+              <a:rPr lang="en-GB" dirty="0" err="1"/>
               <a:t>posuere</a:t>
             </a:r>
             <a:r>
-              <a:rPr lang="en-GB"/>
-              <a:t> </a:t>
-            </a:r>
-            <a:r>
-              <a:rPr lang="en-GB" err="1"/>
+              <a:rPr lang="en-GB" dirty="0"/>
+              <a:t> </a:t>
+            </a:r>
+            <a:r>
+              <a:rPr lang="en-GB" dirty="0" err="1"/>
               <a:t>cubilia</a:t>
             </a:r>
             <a:r>
-              <a:rPr lang="en-GB"/>
-              <a:t> curae; Duis </a:t>
-            </a:r>
-            <a:r>
-              <a:rPr lang="en-GB" err="1"/>
+              <a:rPr lang="en-GB" dirty="0"/>
+              <a:t> </a:t>
+            </a:r>
+            <a:r>
+              <a:rPr lang="en-GB" dirty="0" err="1"/>
+              <a:t>curae</a:t>
+            </a:r>
+            <a:r>
+              <a:rPr lang="en-GB" dirty="0"/>
+              <a:t>; Duis </a:t>
+            </a:r>
+            <a:r>
+              <a:rPr lang="en-GB" dirty="0" err="1"/>
               <a:t>mauris</a:t>
             </a:r>
             <a:r>
-              <a:rPr lang="en-GB"/>
-              <a:t> </a:t>
-            </a:r>
-            <a:r>
-              <a:rPr lang="en-GB" err="1"/>
+              <a:rPr lang="en-GB" dirty="0"/>
+              <a:t> </a:t>
+            </a:r>
+            <a:r>
+              <a:rPr lang="en-GB" dirty="0" err="1"/>
               <a:t>justo</a:t>
             </a:r>
             <a:r>
-              <a:rPr lang="en-GB"/>
+              <a:rPr lang="en-GB" dirty="0"/>
               <a:t>, </a:t>
             </a:r>
             <a:r>
-              <a:rPr lang="en-GB" err="1"/>
+              <a:rPr lang="en-GB" dirty="0" err="1"/>
               <a:t>bibendum</a:t>
             </a:r>
             <a:r>
-              <a:rPr lang="en-GB"/>
-              <a:t> </a:t>
-            </a:r>
-            <a:r>
-              <a:rPr lang="en-GB" err="1"/>
+              <a:rPr lang="en-GB" dirty="0"/>
+              <a:t> </a:t>
+            </a:r>
+            <a:r>
+              <a:rPr lang="en-GB" dirty="0" err="1"/>
               <a:t>quis</a:t>
             </a:r>
             <a:r>
-              <a:rPr lang="en-GB"/>
-              <a:t> </a:t>
-            </a:r>
-            <a:r>
-              <a:rPr lang="en-GB" err="1"/>
+              <a:rPr lang="en-GB" dirty="0"/>
+              <a:t> </a:t>
+            </a:r>
+            <a:r>
+              <a:rPr lang="en-GB" dirty="0" err="1"/>
               <a:t>sollicitudin</a:t>
             </a:r>
             <a:r>
-              <a:rPr lang="en-GB"/>
-              <a:t> </a:t>
-            </a:r>
-            <a:r>
-              <a:rPr lang="en-GB" err="1"/>
+              <a:rPr lang="en-GB" dirty="0"/>
+              <a:t> </a:t>
+            </a:r>
+            <a:r>
+              <a:rPr lang="en-GB" dirty="0" err="1"/>
               <a:t>sed</a:t>
             </a:r>
             <a:r>
-              <a:rPr lang="en-GB"/>
+              <a:rPr lang="en-GB" dirty="0"/>
               <a:t>, </a:t>
             </a:r>
             <a:r>
-              <a:rPr lang="en-GB" err="1"/>
+              <a:rPr lang="en-GB" dirty="0" err="1"/>
               <a:t>porttitor</a:t>
             </a:r>
             <a:r>
-              <a:rPr lang="en-GB"/>
-              <a:t> </a:t>
-            </a:r>
-            <a:r>
-              <a:rPr lang="en-GB" err="1"/>
+              <a:rPr lang="en-GB" dirty="0"/>
+              <a:t> </a:t>
+            </a:r>
+            <a:r>
+              <a:rPr lang="en-GB" dirty="0" err="1"/>
               <a:t>congue</a:t>
             </a:r>
             <a:r>
-              <a:rPr lang="en-GB"/>
-              <a:t> </a:t>
-            </a:r>
-            <a:r>
-              <a:rPr lang="en-GB" err="1"/>
+              <a:rPr lang="en-GB" dirty="0"/>
+              <a:t> </a:t>
+            </a:r>
+            <a:r>
+              <a:rPr lang="en-GB" dirty="0" err="1"/>
               <a:t>metus</a:t>
             </a:r>
             <a:r>
-              <a:rPr lang="en-GB"/>
+              <a:rPr lang="en-GB" dirty="0"/>
               <a:t>. </a:t>
             </a:r>
           </a:p>
@@ -2895,42 +2807,6 @@
           </a:p>
         </p:txBody>
       </p:sp>
-      <p:pic>
-        <p:nvPicPr>
-          <p:cNvPr id="4" name="図 1">
-            <a:extLst>
-              <a:ext uri="{FF2B5EF4-FFF2-40B4-BE49-F238E27FC236}">
-                <a16:creationId xmlns:a16="http://schemas.microsoft.com/office/drawing/2014/main" id="{C0F81BCE-83B3-8056-EA7E-2139DF6B4997}"/>
-              </a:ext>
-            </a:extLst>
-          </p:cNvPr>
-          <p:cNvPicPr>
-            <a:picLocks noChangeAspect="1"/>
-          </p:cNvPicPr>
-          <p:nvPr userDrawn="1"/>
-        </p:nvPicPr>
-        <p:blipFill>
-          <a:blip r:embed="rId3" cstate="email">
-            <a:extLst>
-              <a:ext uri="{28A0092B-C50C-407E-A947-70E740481C1C}">
-                <a14:useLocalDpi xmlns:a14="http://schemas.microsoft.com/office/drawing/2010/main"/>
-              </a:ext>
-            </a:extLst>
-          </a:blip>
-          <a:stretch>
-            <a:fillRect/>
-          </a:stretch>
-        </p:blipFill>
-        <p:spPr>
-          <a:xfrm>
-            <a:off x="418742" y="6450941"/>
-            <a:ext cx="11093557" cy="176689"/>
-          </a:xfrm>
-          <a:prstGeom prst="rect">
-            <a:avLst/>
-          </a:prstGeom>
-        </p:spPr>
-      </p:pic>
       <p:sp>
         <p:nvSpPr>
           <p:cNvPr id="8" name="Title Placeholder 1">
@@ -3025,37 +2901,49 @@
       </p:grpSpPr>
       <p:pic>
         <p:nvPicPr>
-          <p:cNvPr id="2" name="図 4">
+          <p:cNvPr id="8" name="Picture 2">
             <a:extLst>
               <a:ext uri="{FF2B5EF4-FFF2-40B4-BE49-F238E27FC236}">
-                <a16:creationId xmlns:a16="http://schemas.microsoft.com/office/drawing/2014/main" id="{0E7D43DC-13FC-6211-5A6A-A94DBC19AF18}"/>
+                <a16:creationId xmlns:a16="http://schemas.microsoft.com/office/drawing/2014/main" id="{B262B735-BC0D-3B31-A0E8-5E9E5E474C79}"/>
               </a:ext>
             </a:extLst>
           </p:cNvPr>
           <p:cNvPicPr>
-            <a:picLocks noChangeAspect="1"/>
+            <a:picLocks noChangeAspect="1" noChangeArrowheads="1"/>
           </p:cNvPicPr>
           <p:nvPr userDrawn="1"/>
         </p:nvPicPr>
         <p:blipFill>
-          <a:blip r:embed="rId2" cstate="email">
+          <a:blip r:embed="rId2">
             <a:extLst>
               <a:ext uri="{28A0092B-C50C-407E-A947-70E740481C1C}">
-                <a14:useLocalDpi xmlns:a14="http://schemas.microsoft.com/office/drawing/2010/main"/>
+                <a14:useLocalDpi xmlns:a14="http://schemas.microsoft.com/office/drawing/2010/main" val="0"/>
               </a:ext>
             </a:extLst>
           </a:blip>
           <a:srcRect/>
-          <a:stretch/>
+          <a:stretch>
+            <a:fillRect/>
+          </a:stretch>
         </p:blipFill>
-        <p:spPr>
+        <p:spPr bwMode="auto">
           <a:xfrm>
-            <a:off x="-16000" y="-9000"/>
-            <a:ext cx="12224000" cy="6876000"/>
+            <a:off x="-1" y="0"/>
+            <a:ext cx="12190195" cy="6858000"/>
           </a:xfrm>
           <a:prstGeom prst="rect">
             <a:avLst/>
           </a:prstGeom>
+          <a:noFill/>
+          <a:extLst>
+            <a:ext uri="{909E8E84-426E-40DD-AFC4-6F175D3DCCD1}">
+              <a14:hiddenFill xmlns:a14="http://schemas.microsoft.com/office/drawing/2010/main">
+                <a:solidFill>
+                  <a:srgbClr val="FFFFFF"/>
+                </a:solidFill>
+              </a14:hiddenFill>
+            </a:ext>
+          </a:extLst>
         </p:spPr>
       </p:pic>
       <p:sp>
@@ -3407,42 +3295,6 @@
           </a:p>
         </p:txBody>
       </p:sp>
-      <p:pic>
-        <p:nvPicPr>
-          <p:cNvPr id="5" name="図 1">
-            <a:extLst>
-              <a:ext uri="{FF2B5EF4-FFF2-40B4-BE49-F238E27FC236}">
-                <a16:creationId xmlns:a16="http://schemas.microsoft.com/office/drawing/2014/main" id="{23F59028-058A-9F8A-6C8F-FF2D4B1FD7D1}"/>
-              </a:ext>
-            </a:extLst>
-          </p:cNvPr>
-          <p:cNvPicPr>
-            <a:picLocks noChangeAspect="1"/>
-          </p:cNvPicPr>
-          <p:nvPr userDrawn="1"/>
-        </p:nvPicPr>
-        <p:blipFill>
-          <a:blip r:embed="rId3" cstate="email">
-            <a:extLst>
-              <a:ext uri="{28A0092B-C50C-407E-A947-70E740481C1C}">
-                <a14:useLocalDpi xmlns:a14="http://schemas.microsoft.com/office/drawing/2010/main"/>
-              </a:ext>
-            </a:extLst>
-          </a:blip>
-          <a:stretch>
-            <a:fillRect/>
-          </a:stretch>
-        </p:blipFill>
-        <p:spPr>
-          <a:xfrm>
-            <a:off x="418742" y="6450941"/>
-            <a:ext cx="11093557" cy="176689"/>
-          </a:xfrm>
-          <a:prstGeom prst="rect">
-            <a:avLst/>
-          </a:prstGeom>
-        </p:spPr>
-      </p:pic>
       <p:sp>
         <p:nvSpPr>
           <p:cNvPr id="9" name="Text Placeholder 10">
@@ -3490,834 +3342,842 @@
               <a:tabLst>
                 <a:tab pos="620713" algn="l"/>
               </a:tabLst>
-              <a:defRPr sz="1200"/>
+              <a:defRPr sz="2000"/>
             </a:lvl1pPr>
           </a:lstStyle>
           <a:p>
             <a:r>
-              <a:rPr lang="en-GB"/>
+              <a:rPr lang="en-GB" dirty="0"/>
               <a:t>Lorem ipsum </a:t>
             </a:r>
             <a:r>
-              <a:rPr lang="en-GB" err="1"/>
+              <a:rPr lang="en-GB" dirty="0" err="1"/>
               <a:t>dolor</a:t>
             </a:r>
             <a:r>
-              <a:rPr lang="en-GB"/>
+              <a:rPr lang="en-GB" dirty="0"/>
               <a:t> sit </a:t>
             </a:r>
             <a:r>
-              <a:rPr lang="en-GB" err="1"/>
+              <a:rPr lang="en-GB" dirty="0" err="1"/>
               <a:t>amet</a:t>
             </a:r>
             <a:r>
-              <a:rPr lang="en-GB"/>
+              <a:rPr lang="en-GB" dirty="0"/>
               <a:t>, </a:t>
             </a:r>
             <a:r>
-              <a:rPr lang="en-GB" err="1"/>
+              <a:rPr lang="en-GB" dirty="0" err="1"/>
               <a:t>consectetur</a:t>
             </a:r>
             <a:r>
-              <a:rPr lang="en-GB"/>
-              <a:t> </a:t>
-            </a:r>
-            <a:r>
-              <a:rPr lang="en-GB" err="1"/>
+              <a:rPr lang="en-GB" dirty="0"/>
+              <a:t> </a:t>
+            </a:r>
+            <a:r>
+              <a:rPr lang="en-GB" dirty="0" err="1"/>
               <a:t>adipiscing</a:t>
             </a:r>
             <a:r>
-              <a:rPr lang="en-GB"/>
-              <a:t> </a:t>
-            </a:r>
-            <a:r>
-              <a:rPr lang="en-GB" err="1"/>
+              <a:rPr lang="en-GB" dirty="0"/>
+              <a:t> </a:t>
+            </a:r>
+            <a:r>
+              <a:rPr lang="en-GB" dirty="0" err="1"/>
               <a:t>elit</a:t>
             </a:r>
             <a:r>
-              <a:rPr lang="en-GB"/>
+              <a:rPr lang="en-GB" dirty="0"/>
               <a:t>. </a:t>
             </a:r>
             <a:r>
-              <a:rPr lang="en-GB" err="1"/>
+              <a:rPr lang="en-GB" dirty="0" err="1"/>
               <a:t>Sed</a:t>
             </a:r>
             <a:r>
-              <a:rPr lang="en-GB"/>
-              <a:t> </a:t>
-            </a:r>
-            <a:r>
-              <a:rPr lang="en-GB" err="1"/>
+              <a:rPr lang="en-GB" dirty="0"/>
+              <a:t> </a:t>
+            </a:r>
+            <a:r>
+              <a:rPr lang="en-GB" dirty="0" err="1"/>
               <a:t>facilisis</a:t>
             </a:r>
             <a:r>
-              <a:rPr lang="en-GB"/>
-              <a:t> </a:t>
-            </a:r>
-            <a:r>
-              <a:rPr lang="en-GB" err="1"/>
+              <a:rPr lang="en-GB" dirty="0"/>
+              <a:t> </a:t>
+            </a:r>
+            <a:r>
+              <a:rPr lang="en-GB" dirty="0" err="1"/>
               <a:t>orci</a:t>
             </a:r>
             <a:r>
-              <a:rPr lang="en-GB"/>
+              <a:rPr lang="en-GB" dirty="0"/>
               <a:t> sit </a:t>
             </a:r>
             <a:r>
-              <a:rPr lang="en-GB" err="1"/>
+              <a:rPr lang="en-GB" dirty="0" err="1"/>
               <a:t>amet</a:t>
             </a:r>
             <a:r>
-              <a:rPr lang="en-GB"/>
-              <a:t> </a:t>
-            </a:r>
-            <a:r>
-              <a:rPr lang="en-GB" err="1"/>
+              <a:rPr lang="en-GB" dirty="0"/>
+              <a:t> </a:t>
+            </a:r>
+            <a:r>
+              <a:rPr lang="en-GB" dirty="0" err="1"/>
               <a:t>hendrerit</a:t>
             </a:r>
             <a:r>
-              <a:rPr lang="en-GB"/>
+              <a:rPr lang="en-GB" dirty="0"/>
               <a:t> cursus. Morbi </a:t>
             </a:r>
             <a:r>
-              <a:rPr lang="en-GB" err="1"/>
+              <a:rPr lang="en-GB" dirty="0" err="1"/>
               <a:t>nunc</a:t>
             </a:r>
             <a:r>
-              <a:rPr lang="en-GB"/>
-              <a:t> </a:t>
-            </a:r>
-            <a:r>
-              <a:rPr lang="en-GB" err="1"/>
+              <a:rPr lang="en-GB" dirty="0"/>
+              <a:t> </a:t>
+            </a:r>
+            <a:r>
+              <a:rPr lang="en-GB" dirty="0" err="1"/>
               <a:t>tellus</a:t>
             </a:r>
             <a:r>
-              <a:rPr lang="en-GB"/>
+              <a:rPr lang="en-GB" dirty="0"/>
               <a:t>, </a:t>
             </a:r>
             <a:r>
-              <a:rPr lang="en-GB" err="1"/>
+              <a:rPr lang="en-GB" dirty="0" err="1"/>
               <a:t>dapibus</a:t>
             </a:r>
             <a:r>
-              <a:rPr lang="en-GB"/>
+              <a:rPr lang="en-GB" dirty="0"/>
               <a:t> id </a:t>
             </a:r>
             <a:r>
-              <a:rPr lang="en-GB" err="1"/>
+              <a:rPr lang="en-GB" dirty="0" err="1"/>
               <a:t>lectus</a:t>
             </a:r>
             <a:r>
-              <a:rPr lang="en-GB"/>
+              <a:rPr lang="en-GB" dirty="0"/>
               <a:t> at, </a:t>
             </a:r>
             <a:r>
-              <a:rPr lang="en-GB" err="1"/>
+              <a:rPr lang="en-GB" dirty="0" err="1"/>
               <a:t>posuere</a:t>
             </a:r>
             <a:r>
-              <a:rPr lang="en-GB"/>
-              <a:t> </a:t>
-            </a:r>
-            <a:r>
-              <a:rPr lang="en-GB" err="1"/>
+              <a:rPr lang="en-GB" dirty="0"/>
+              <a:t> </a:t>
+            </a:r>
+            <a:r>
+              <a:rPr lang="en-GB" dirty="0" err="1"/>
               <a:t>mattis</a:t>
             </a:r>
             <a:r>
-              <a:rPr lang="en-GB"/>
-              <a:t> </a:t>
-            </a:r>
-            <a:r>
-              <a:rPr lang="en-GB" err="1"/>
+              <a:rPr lang="en-GB" dirty="0"/>
+              <a:t> </a:t>
+            </a:r>
+            <a:r>
+              <a:rPr lang="en-GB" dirty="0" err="1"/>
               <a:t>tortor</a:t>
             </a:r>
             <a:r>
-              <a:rPr lang="en-GB"/>
+              <a:rPr lang="en-GB" dirty="0"/>
               <a:t>. Duis </a:t>
             </a:r>
             <a:r>
-              <a:rPr lang="en-GB" err="1"/>
+              <a:rPr lang="en-GB" dirty="0" err="1"/>
               <a:t>vehicula</a:t>
             </a:r>
             <a:r>
-              <a:rPr lang="en-GB"/>
-              <a:t> </a:t>
-            </a:r>
-            <a:r>
-              <a:rPr lang="en-GB" err="1"/>
+              <a:rPr lang="en-GB" dirty="0"/>
+              <a:t> </a:t>
+            </a:r>
+            <a:r>
+              <a:rPr lang="en-GB" dirty="0" err="1"/>
               <a:t>elementum</a:t>
             </a:r>
             <a:r>
-              <a:rPr lang="en-GB"/>
+              <a:rPr lang="en-GB" dirty="0"/>
               <a:t> ipsum, at </a:t>
             </a:r>
             <a:r>
-              <a:rPr lang="en-GB" err="1"/>
+              <a:rPr lang="en-GB" dirty="0" err="1"/>
               <a:t>viverra</a:t>
             </a:r>
             <a:r>
-              <a:rPr lang="en-GB"/>
+              <a:rPr lang="en-GB" dirty="0"/>
               <a:t> mi pharetra non. Nunc porta auctor </a:t>
             </a:r>
             <a:r>
-              <a:rPr lang="en-GB" err="1"/>
+              <a:rPr lang="en-GB" dirty="0" err="1"/>
               <a:t>nibh</a:t>
             </a:r>
             <a:r>
-              <a:rPr lang="en-GB"/>
-              <a:t> </a:t>
-            </a:r>
-            <a:r>
-              <a:rPr lang="en-GB" err="1"/>
+              <a:rPr lang="en-GB" dirty="0"/>
+              <a:t> </a:t>
+            </a:r>
+            <a:r>
+              <a:rPr lang="en-GB" dirty="0" err="1"/>
               <a:t>ut</a:t>
             </a:r>
             <a:r>
-              <a:rPr lang="en-GB"/>
+              <a:rPr lang="en-GB" dirty="0"/>
               <a:t> dictum. Integer sit </a:t>
             </a:r>
             <a:r>
-              <a:rPr lang="en-GB" err="1"/>
+              <a:rPr lang="en-GB" dirty="0" err="1"/>
               <a:t>amet</a:t>
             </a:r>
             <a:r>
-              <a:rPr lang="en-GB"/>
+              <a:rPr lang="en-GB" dirty="0"/>
               <a:t> ipsum at </a:t>
             </a:r>
             <a:r>
-              <a:rPr lang="en-GB" err="1"/>
+              <a:rPr lang="en-GB" dirty="0" err="1"/>
               <a:t>justo</a:t>
             </a:r>
             <a:r>
-              <a:rPr lang="en-GB"/>
+              <a:rPr lang="en-GB" dirty="0"/>
               <a:t> porta </a:t>
             </a:r>
             <a:r>
-              <a:rPr lang="en-GB" err="1"/>
+              <a:rPr lang="en-GB" dirty="0" err="1"/>
               <a:t>viverra</a:t>
             </a:r>
             <a:r>
-              <a:rPr lang="en-GB"/>
-              <a:t> </a:t>
-            </a:r>
-            <a:r>
-              <a:rPr lang="en-GB" err="1"/>
+              <a:rPr lang="en-GB" dirty="0"/>
+              <a:t> </a:t>
+            </a:r>
+            <a:r>
+              <a:rPr lang="en-GB" dirty="0" err="1"/>
               <a:t>ut</a:t>
             </a:r>
             <a:r>
-              <a:rPr lang="en-GB"/>
+              <a:rPr lang="en-GB" dirty="0"/>
               <a:t> non </a:t>
             </a:r>
             <a:r>
-              <a:rPr lang="en-GB" err="1"/>
+              <a:rPr lang="en-GB" dirty="0" err="1"/>
               <a:t>arcu</a:t>
             </a:r>
             <a:r>
-              <a:rPr lang="en-GB"/>
+              <a:rPr lang="en-GB" dirty="0"/>
               <a:t>. </a:t>
             </a:r>
           </a:p>
           <a:p>
             <a:r>
-              <a:rPr lang="en-GB" err="1"/>
+              <a:rPr lang="en-GB" dirty="0" err="1"/>
               <a:t>Praesent</a:t>
             </a:r>
             <a:r>
-              <a:rPr lang="en-GB"/>
-              <a:t> </a:t>
-            </a:r>
-            <a:r>
-              <a:rPr lang="en-GB" err="1"/>
+              <a:rPr lang="en-GB" dirty="0"/>
+              <a:t> </a:t>
+            </a:r>
+            <a:r>
+              <a:rPr lang="en-GB" dirty="0" err="1"/>
               <a:t>suscipit</a:t>
             </a:r>
             <a:r>
-              <a:rPr lang="en-GB"/>
-              <a:t> </a:t>
-            </a:r>
-            <a:r>
-              <a:rPr lang="en-GB" err="1"/>
+              <a:rPr lang="en-GB" dirty="0"/>
+              <a:t> </a:t>
+            </a:r>
+            <a:r>
+              <a:rPr lang="en-GB" dirty="0" err="1"/>
               <a:t>nulla</a:t>
             </a:r>
             <a:r>
-              <a:rPr lang="en-GB"/>
+              <a:rPr lang="en-GB" dirty="0"/>
               <a:t> dui, </a:t>
             </a:r>
             <a:r>
-              <a:rPr lang="en-GB" err="1"/>
+              <a:rPr lang="en-GB" dirty="0" err="1"/>
               <a:t>tristique</a:t>
             </a:r>
             <a:r>
-              <a:rPr lang="en-GB"/>
-              <a:t> </a:t>
-            </a:r>
-            <a:r>
-              <a:rPr lang="en-GB" err="1"/>
+              <a:rPr lang="en-GB" dirty="0"/>
+              <a:t> </a:t>
+            </a:r>
+            <a:r>
+              <a:rPr lang="en-GB" dirty="0" err="1"/>
               <a:t>vehicula</a:t>
             </a:r>
             <a:r>
-              <a:rPr lang="en-GB"/>
+              <a:rPr lang="en-GB" dirty="0"/>
               <a:t> ex </a:t>
             </a:r>
             <a:r>
-              <a:rPr lang="en-GB" err="1"/>
+              <a:rPr lang="en-GB" dirty="0" err="1"/>
               <a:t>tincidunt</a:t>
             </a:r>
             <a:r>
-              <a:rPr lang="en-GB"/>
+              <a:rPr lang="en-GB" dirty="0"/>
               <a:t> id. </a:t>
             </a:r>
             <a:r>
-              <a:rPr lang="en-GB" err="1"/>
+              <a:rPr lang="en-GB" dirty="0" err="1"/>
               <a:t>Quisque</a:t>
             </a:r>
             <a:r>
-              <a:rPr lang="en-GB"/>
-              <a:t> </a:t>
-            </a:r>
-            <a:r>
-              <a:rPr lang="en-GB" err="1"/>
+              <a:rPr lang="en-GB" dirty="0"/>
+              <a:t> </a:t>
+            </a:r>
+            <a:r>
+              <a:rPr lang="en-GB" dirty="0" err="1"/>
               <a:t>posuere</a:t>
             </a:r>
             <a:r>
-              <a:rPr lang="en-GB"/>
-              <a:t> </a:t>
-            </a:r>
-            <a:r>
-              <a:rPr lang="en-GB" err="1"/>
+              <a:rPr lang="en-GB" dirty="0"/>
+              <a:t> </a:t>
+            </a:r>
+            <a:r>
+              <a:rPr lang="en-GB" dirty="0" err="1"/>
               <a:t>dignissim</a:t>
             </a:r>
             <a:r>
-              <a:rPr lang="en-GB"/>
-              <a:t> </a:t>
-            </a:r>
-            <a:r>
-              <a:rPr lang="en-GB" err="1"/>
+              <a:rPr lang="en-GB" dirty="0"/>
+              <a:t> </a:t>
+            </a:r>
+            <a:r>
+              <a:rPr lang="en-GB" dirty="0" err="1"/>
               <a:t>dolor</a:t>
             </a:r>
             <a:r>
-              <a:rPr lang="en-GB"/>
+              <a:rPr lang="en-GB" dirty="0"/>
               <a:t> id </a:t>
             </a:r>
             <a:r>
-              <a:rPr lang="en-GB" err="1"/>
+              <a:rPr lang="en-GB" dirty="0" err="1"/>
               <a:t>rutrum</a:t>
             </a:r>
             <a:r>
-              <a:rPr lang="en-GB"/>
+              <a:rPr lang="en-GB" dirty="0"/>
               <a:t>. </a:t>
             </a:r>
             <a:r>
-              <a:rPr lang="en-GB" err="1"/>
+              <a:rPr lang="en-GB" dirty="0" err="1"/>
               <a:t>Quisque</a:t>
             </a:r>
             <a:r>
-              <a:rPr lang="en-GB"/>
-              <a:t> </a:t>
-            </a:r>
-            <a:r>
-              <a:rPr lang="en-GB" err="1"/>
+              <a:rPr lang="en-GB" dirty="0"/>
+              <a:t> </a:t>
+            </a:r>
+            <a:r>
+              <a:rPr lang="en-GB" dirty="0" err="1"/>
               <a:t>suscipit</a:t>
             </a:r>
             <a:r>
-              <a:rPr lang="en-GB"/>
-              <a:t> </a:t>
-            </a:r>
-            <a:r>
-              <a:rPr lang="en-GB" err="1"/>
+              <a:rPr lang="en-GB" dirty="0"/>
+              <a:t> </a:t>
+            </a:r>
+            <a:r>
+              <a:rPr lang="en-GB" dirty="0" err="1"/>
               <a:t>tincidunt</a:t>
             </a:r>
             <a:r>
-              <a:rPr lang="en-GB"/>
-              <a:t> </a:t>
-            </a:r>
-            <a:r>
-              <a:rPr lang="en-GB" err="1"/>
+              <a:rPr lang="en-GB" dirty="0"/>
+              <a:t> </a:t>
+            </a:r>
+            <a:r>
+              <a:rPr lang="en-GB" dirty="0" err="1"/>
               <a:t>arcu</a:t>
             </a:r>
             <a:r>
-              <a:rPr lang="en-GB"/>
-              <a:t> </a:t>
-            </a:r>
-            <a:r>
-              <a:rPr lang="en-GB" err="1"/>
+              <a:rPr lang="en-GB" dirty="0"/>
+              <a:t> </a:t>
+            </a:r>
+            <a:r>
+              <a:rPr lang="en-GB" dirty="0" err="1"/>
               <a:t>eget</a:t>
             </a:r>
             <a:r>
-              <a:rPr lang="en-GB"/>
-              <a:t> </a:t>
-            </a:r>
-            <a:r>
-              <a:rPr lang="en-GB" err="1"/>
+              <a:rPr lang="en-GB" dirty="0"/>
+              <a:t> </a:t>
+            </a:r>
+            <a:r>
+              <a:rPr lang="en-GB" dirty="0" err="1"/>
               <a:t>tincidunt</a:t>
             </a:r>
             <a:r>
-              <a:rPr lang="en-GB"/>
+              <a:rPr lang="en-GB" dirty="0"/>
               <a:t>.</a:t>
             </a:r>
           </a:p>
           <a:p>
             <a:r>
-              <a:rPr lang="en-GB" err="1"/>
+              <a:rPr lang="en-GB" dirty="0" err="1"/>
               <a:t>Suspendisse</a:t>
             </a:r>
             <a:r>
-              <a:rPr lang="en-GB"/>
-              <a:t> </a:t>
-            </a:r>
-            <a:r>
-              <a:rPr lang="en-GB" err="1"/>
+              <a:rPr lang="en-GB" dirty="0"/>
+              <a:t> </a:t>
+            </a:r>
+            <a:r>
+              <a:rPr lang="en-GB" dirty="0" err="1"/>
               <a:t>consectetur</a:t>
             </a:r>
             <a:r>
-              <a:rPr lang="en-GB"/>
-              <a:t> </a:t>
-            </a:r>
-            <a:r>
-              <a:rPr lang="en-GB" err="1"/>
+              <a:rPr lang="en-GB" dirty="0"/>
+              <a:t> </a:t>
+            </a:r>
+            <a:r>
+              <a:rPr lang="en-GB" dirty="0" err="1"/>
               <a:t>sollicitudin</a:t>
             </a:r>
             <a:r>
-              <a:rPr lang="en-GB"/>
-              <a:t> </a:t>
-            </a:r>
-            <a:r>
-              <a:rPr lang="en-GB" err="1"/>
+              <a:rPr lang="en-GB" dirty="0"/>
+              <a:t> </a:t>
+            </a:r>
+            <a:r>
+              <a:rPr lang="en-GB" dirty="0" err="1"/>
               <a:t>sollicitudin</a:t>
             </a:r>
             <a:r>
-              <a:rPr lang="en-GB"/>
+              <a:rPr lang="en-GB" dirty="0"/>
               <a:t>. </a:t>
             </a:r>
             <a:r>
-              <a:rPr lang="en-GB" err="1"/>
+              <a:rPr lang="en-GB" dirty="0" err="1"/>
               <a:t>Aliquam</a:t>
             </a:r>
             <a:r>
-              <a:rPr lang="en-GB"/>
-              <a:t> </a:t>
-            </a:r>
-            <a:r>
-              <a:rPr lang="en-GB" err="1"/>
+              <a:rPr lang="en-GB" dirty="0"/>
+              <a:t> </a:t>
+            </a:r>
+            <a:r>
+              <a:rPr lang="en-GB" dirty="0" err="1"/>
               <a:t>aliquet</a:t>
             </a:r>
             <a:r>
-              <a:rPr lang="en-GB"/>
-              <a:t> </a:t>
-            </a:r>
-            <a:r>
-              <a:rPr lang="en-GB" err="1"/>
+              <a:rPr lang="en-GB" dirty="0"/>
+              <a:t> </a:t>
+            </a:r>
+            <a:r>
+              <a:rPr lang="en-GB" dirty="0" err="1"/>
               <a:t>nibh</a:t>
             </a:r>
             <a:r>
-              <a:rPr lang="en-GB"/>
+              <a:rPr lang="en-GB" dirty="0"/>
               <a:t> sit </a:t>
             </a:r>
             <a:r>
-              <a:rPr lang="en-GB" err="1"/>
+              <a:rPr lang="en-GB" dirty="0" err="1"/>
               <a:t>amet</a:t>
             </a:r>
             <a:r>
-              <a:rPr lang="en-GB"/>
-              <a:t> </a:t>
-            </a:r>
-            <a:r>
-              <a:rPr lang="en-GB" err="1"/>
+              <a:rPr lang="en-GB" dirty="0"/>
+              <a:t> </a:t>
+            </a:r>
+            <a:r>
+              <a:rPr lang="en-GB" dirty="0" err="1"/>
               <a:t>tortor</a:t>
             </a:r>
             <a:r>
-              <a:rPr lang="en-GB"/>
-              <a:t> </a:t>
-            </a:r>
-            <a:r>
-              <a:rPr lang="en-GB" err="1"/>
+              <a:rPr lang="en-GB" dirty="0"/>
+              <a:t> </a:t>
+            </a:r>
+            <a:r>
+              <a:rPr lang="en-GB" dirty="0" err="1"/>
               <a:t>dignissim</a:t>
             </a:r>
             <a:r>
-              <a:rPr lang="en-GB"/>
+              <a:rPr lang="en-GB" dirty="0"/>
               <a:t>, vitae </a:t>
             </a:r>
             <a:r>
-              <a:rPr lang="en-GB" err="1"/>
+              <a:rPr lang="en-GB" dirty="0" err="1"/>
               <a:t>consequat</a:t>
             </a:r>
             <a:r>
-              <a:rPr lang="en-GB"/>
-              <a:t> </a:t>
-            </a:r>
-            <a:r>
-              <a:rPr lang="en-GB" err="1"/>
+              <a:rPr lang="en-GB" dirty="0"/>
+              <a:t> </a:t>
+            </a:r>
+            <a:r>
+              <a:rPr lang="en-GB" dirty="0" err="1"/>
               <a:t>orci</a:t>
             </a:r>
             <a:r>
-              <a:rPr lang="en-GB"/>
-              <a:t> </a:t>
-            </a:r>
-            <a:r>
-              <a:rPr lang="en-GB" err="1"/>
+              <a:rPr lang="en-GB" dirty="0"/>
+              <a:t> </a:t>
+            </a:r>
+            <a:r>
+              <a:rPr lang="en-GB" dirty="0" err="1"/>
               <a:t>vulputate</a:t>
             </a:r>
             <a:r>
-              <a:rPr lang="en-GB"/>
+              <a:rPr lang="en-GB" dirty="0"/>
               <a:t>. </a:t>
             </a:r>
             <a:r>
-              <a:rPr lang="en-GB" err="1"/>
+              <a:rPr lang="en-GB" dirty="0" err="1"/>
               <a:t>Suspendisse</a:t>
             </a:r>
             <a:r>
-              <a:rPr lang="en-GB"/>
-              <a:t> </a:t>
-            </a:r>
-            <a:r>
-              <a:rPr lang="en-GB" err="1"/>
+              <a:rPr lang="en-GB" dirty="0"/>
+              <a:t> </a:t>
+            </a:r>
+            <a:r>
+              <a:rPr lang="en-GB" dirty="0" err="1"/>
               <a:t>bibendum</a:t>
             </a:r>
             <a:r>
-              <a:rPr lang="en-GB"/>
+              <a:rPr lang="en-GB" dirty="0"/>
               <a:t> et </a:t>
             </a:r>
             <a:r>
-              <a:rPr lang="en-GB" err="1"/>
+              <a:rPr lang="en-GB" dirty="0" err="1"/>
               <a:t>diam</a:t>
             </a:r>
             <a:r>
-              <a:rPr lang="en-GB"/>
+              <a:rPr lang="en-GB" dirty="0"/>
               <a:t> et </a:t>
             </a:r>
             <a:r>
-              <a:rPr lang="en-GB" err="1"/>
+              <a:rPr lang="en-GB" dirty="0" err="1"/>
               <a:t>lobortis</a:t>
             </a:r>
             <a:r>
-              <a:rPr lang="en-GB"/>
+              <a:rPr lang="en-GB" dirty="0"/>
               <a:t>. </a:t>
             </a:r>
             <a:r>
-              <a:rPr lang="en-GB" err="1"/>
+              <a:rPr lang="en-GB" dirty="0" err="1"/>
               <a:t>Orci</a:t>
             </a:r>
             <a:r>
-              <a:rPr lang="en-GB"/>
-              <a:t> </a:t>
-            </a:r>
-            <a:r>
-              <a:rPr lang="en-GB" err="1"/>
+              <a:rPr lang="en-GB" dirty="0"/>
+              <a:t> </a:t>
+            </a:r>
+            <a:r>
+              <a:rPr lang="en-GB" dirty="0" err="1"/>
               <a:t>varius</a:t>
             </a:r>
             <a:r>
-              <a:rPr lang="en-GB"/>
-              <a:t> </a:t>
-            </a:r>
-            <a:r>
-              <a:rPr lang="en-GB" err="1"/>
+              <a:rPr lang="en-GB" dirty="0"/>
+              <a:t> </a:t>
+            </a:r>
+            <a:r>
+              <a:rPr lang="en-GB" dirty="0" err="1"/>
               <a:t>natoque</a:t>
             </a:r>
             <a:r>
-              <a:rPr lang="en-GB"/>
-              <a:t> </a:t>
-            </a:r>
-            <a:r>
-              <a:rPr lang="en-GB" err="1"/>
+              <a:rPr lang="en-GB" dirty="0"/>
+              <a:t> </a:t>
+            </a:r>
+            <a:r>
+              <a:rPr lang="en-GB" dirty="0" err="1"/>
               <a:t>penatibus</a:t>
             </a:r>
             <a:r>
-              <a:rPr lang="en-GB"/>
+              <a:rPr lang="en-GB" dirty="0"/>
               <a:t> et </a:t>
             </a:r>
             <a:r>
-              <a:rPr lang="en-GB" err="1"/>
+              <a:rPr lang="en-GB" dirty="0" err="1"/>
               <a:t>magnis</a:t>
             </a:r>
             <a:r>
-              <a:rPr lang="en-GB"/>
+              <a:rPr lang="en-GB" dirty="0"/>
               <a:t> dis parturient </a:t>
             </a:r>
             <a:r>
-              <a:rPr lang="en-GB" err="1"/>
+              <a:rPr lang="en-GB" dirty="0" err="1"/>
               <a:t>montes</a:t>
             </a:r>
             <a:r>
-              <a:rPr lang="en-GB"/>
+              <a:rPr lang="en-GB" dirty="0"/>
               <a:t>, </a:t>
             </a:r>
             <a:r>
-              <a:rPr lang="en-GB" err="1"/>
+              <a:rPr lang="en-GB" dirty="0" err="1"/>
               <a:t>nascetur</a:t>
             </a:r>
             <a:r>
-              <a:rPr lang="en-GB"/>
-              <a:t> </a:t>
-            </a:r>
-            <a:r>
-              <a:rPr lang="en-GB" err="1"/>
+              <a:rPr lang="en-GB" dirty="0"/>
+              <a:t> </a:t>
+            </a:r>
+            <a:r>
+              <a:rPr lang="en-GB" dirty="0" err="1"/>
               <a:t>ridiculus</a:t>
             </a:r>
             <a:r>
-              <a:rPr lang="en-GB"/>
+              <a:rPr lang="en-GB" dirty="0"/>
               <a:t> mus. </a:t>
             </a:r>
           </a:p>
           <a:p>
             <a:r>
-              <a:rPr lang="en-GB" err="1"/>
+              <a:rPr lang="en-GB" dirty="0" err="1"/>
               <a:t>Mauris</a:t>
             </a:r>
             <a:r>
-              <a:rPr lang="en-GB"/>
+              <a:rPr lang="en-GB" dirty="0"/>
               <a:t> ipsum nisi, </a:t>
             </a:r>
             <a:r>
-              <a:rPr lang="en-GB" err="1"/>
+              <a:rPr lang="en-GB" dirty="0" err="1"/>
               <a:t>finibus</a:t>
             </a:r>
             <a:r>
-              <a:rPr lang="en-GB"/>
-              <a:t> </a:t>
-            </a:r>
-            <a:r>
-              <a:rPr lang="en-GB" err="1"/>
+              <a:rPr lang="en-GB" dirty="0"/>
+              <a:t> </a:t>
+            </a:r>
+            <a:r>
+              <a:rPr lang="en-GB" dirty="0" err="1"/>
               <a:t>faucibus</a:t>
             </a:r>
             <a:r>
-              <a:rPr lang="en-GB"/>
-              <a:t> </a:t>
-            </a:r>
-            <a:r>
-              <a:rPr lang="en-GB" err="1"/>
+              <a:rPr lang="en-GB" dirty="0"/>
+              <a:t> </a:t>
+            </a:r>
+            <a:r>
+              <a:rPr lang="en-GB" dirty="0" err="1"/>
               <a:t>mattis</a:t>
             </a:r>
             <a:r>
-              <a:rPr lang="en-GB"/>
-              <a:t> </a:t>
-            </a:r>
-            <a:r>
-              <a:rPr lang="en-GB" err="1"/>
+              <a:rPr lang="en-GB" dirty="0"/>
+              <a:t> </a:t>
+            </a:r>
+            <a:r>
+              <a:rPr lang="en-GB" dirty="0" err="1"/>
               <a:t>ut</a:t>
             </a:r>
             <a:r>
-              <a:rPr lang="en-GB"/>
+              <a:rPr lang="en-GB" dirty="0"/>
               <a:t>, </a:t>
             </a:r>
             <a:r>
-              <a:rPr lang="en-GB" err="1"/>
+              <a:rPr lang="en-GB" dirty="0" err="1"/>
               <a:t>vulputate</a:t>
             </a:r>
             <a:r>
-              <a:rPr lang="en-GB"/>
-              <a:t> </a:t>
-            </a:r>
-            <a:r>
-              <a:rPr lang="en-GB" err="1"/>
+              <a:rPr lang="en-GB" dirty="0"/>
+              <a:t> </a:t>
+            </a:r>
+            <a:r>
+              <a:rPr lang="en-GB" dirty="0" err="1"/>
               <a:t>vulputate</a:t>
             </a:r>
             <a:r>
-              <a:rPr lang="en-GB"/>
+              <a:rPr lang="en-GB" dirty="0"/>
               <a:t> ligula. Duis a </a:t>
             </a:r>
             <a:r>
-              <a:rPr lang="en-GB" err="1"/>
+              <a:rPr lang="en-GB" dirty="0" err="1"/>
               <a:t>pellentesque</a:t>
             </a:r>
             <a:r>
-              <a:rPr lang="en-GB"/>
-              <a:t> </a:t>
-            </a:r>
-            <a:r>
-              <a:rPr lang="en-GB" err="1"/>
+              <a:rPr lang="en-GB" dirty="0"/>
+              <a:t> </a:t>
+            </a:r>
+            <a:r>
+              <a:rPr lang="en-GB" dirty="0" err="1"/>
               <a:t>tortor</a:t>
             </a:r>
             <a:r>
-              <a:rPr lang="en-GB"/>
+              <a:rPr lang="en-GB" dirty="0"/>
               <a:t>. </a:t>
             </a:r>
             <a:r>
-              <a:rPr lang="en-GB" err="1"/>
+              <a:rPr lang="en-GB" dirty="0" err="1"/>
               <a:t>Vivamus</a:t>
             </a:r>
             <a:r>
-              <a:rPr lang="en-GB"/>
-              <a:t> </a:t>
-            </a:r>
-            <a:r>
-              <a:rPr lang="en-GB" err="1"/>
+              <a:rPr lang="en-GB" dirty="0"/>
+              <a:t> </a:t>
+            </a:r>
+            <a:r>
+              <a:rPr lang="en-GB" dirty="0" err="1"/>
               <a:t>urna</a:t>
             </a:r>
             <a:r>
-              <a:rPr lang="en-GB"/>
-              <a:t> </a:t>
-            </a:r>
-            <a:r>
-              <a:rPr lang="en-GB" err="1"/>
+              <a:rPr lang="en-GB" dirty="0"/>
+              <a:t> </a:t>
+            </a:r>
+            <a:r>
+              <a:rPr lang="en-GB" dirty="0" err="1"/>
               <a:t>lacus</a:t>
             </a:r>
             <a:r>
-              <a:rPr lang="en-GB"/>
+              <a:rPr lang="en-GB" dirty="0"/>
               <a:t>, </a:t>
             </a:r>
             <a:r>
-              <a:rPr lang="en-GB" err="1"/>
+              <a:rPr lang="en-GB" dirty="0" err="1"/>
               <a:t>ultrices</a:t>
             </a:r>
             <a:r>
-              <a:rPr lang="en-GB"/>
-              <a:t> </a:t>
-            </a:r>
-            <a:r>
-              <a:rPr lang="en-GB" err="1"/>
+              <a:rPr lang="en-GB" dirty="0"/>
+              <a:t> </a:t>
+            </a:r>
+            <a:r>
+              <a:rPr lang="en-GB" dirty="0" err="1"/>
               <a:t>quis</a:t>
             </a:r>
             <a:r>
-              <a:rPr lang="en-GB"/>
-              <a:t> </a:t>
-            </a:r>
-            <a:r>
-              <a:rPr lang="en-GB" err="1"/>
+              <a:rPr lang="en-GB" dirty="0"/>
+              <a:t> </a:t>
+            </a:r>
+            <a:r>
+              <a:rPr lang="en-GB" dirty="0" err="1"/>
               <a:t>felis</a:t>
             </a:r>
             <a:r>
-              <a:rPr lang="en-GB"/>
+              <a:rPr lang="en-GB" dirty="0"/>
               <a:t> at, </a:t>
             </a:r>
             <a:r>
-              <a:rPr lang="en-GB" err="1"/>
+              <a:rPr lang="en-GB" dirty="0" err="1"/>
               <a:t>tempor</a:t>
             </a:r>
             <a:r>
-              <a:rPr lang="en-GB"/>
-              <a:t> </a:t>
-            </a:r>
-            <a:r>
-              <a:rPr lang="en-GB" err="1"/>
+              <a:rPr lang="en-GB" dirty="0"/>
+              <a:t> </a:t>
+            </a:r>
+            <a:r>
+              <a:rPr lang="en-GB" dirty="0" err="1"/>
               <a:t>accumsan</a:t>
             </a:r>
             <a:r>
-              <a:rPr lang="en-GB"/>
-              <a:t> </a:t>
-            </a:r>
-            <a:r>
-              <a:rPr lang="en-GB" err="1"/>
+              <a:rPr lang="en-GB" dirty="0"/>
+              <a:t> </a:t>
+            </a:r>
+            <a:r>
+              <a:rPr lang="en-GB" dirty="0" err="1"/>
               <a:t>lectus</a:t>
             </a:r>
             <a:r>
-              <a:rPr lang="en-GB"/>
+              <a:rPr lang="en-GB" dirty="0"/>
               <a:t>. Vestibulum ante ipsum </a:t>
             </a:r>
             <a:r>
-              <a:rPr lang="en-GB" err="1"/>
+              <a:rPr lang="en-GB" dirty="0" err="1"/>
               <a:t>primis</a:t>
             </a:r>
             <a:r>
-              <a:rPr lang="en-GB"/>
+              <a:rPr lang="en-GB" dirty="0"/>
               <a:t> in </a:t>
             </a:r>
             <a:r>
-              <a:rPr lang="en-GB" err="1"/>
+              <a:rPr lang="en-GB" dirty="0" err="1"/>
               <a:t>faucibus</a:t>
             </a:r>
             <a:r>
-              <a:rPr lang="en-GB"/>
-              <a:t> </a:t>
-            </a:r>
-            <a:r>
-              <a:rPr lang="en-GB" err="1"/>
+              <a:rPr lang="en-GB" dirty="0"/>
+              <a:t> </a:t>
+            </a:r>
+            <a:r>
+              <a:rPr lang="en-GB" dirty="0" err="1"/>
               <a:t>orci</a:t>
             </a:r>
             <a:r>
-              <a:rPr lang="en-GB"/>
-              <a:t> </a:t>
-            </a:r>
-            <a:r>
-              <a:rPr lang="en-GB" err="1"/>
+              <a:rPr lang="en-GB" dirty="0"/>
+              <a:t> </a:t>
+            </a:r>
+            <a:r>
+              <a:rPr lang="en-GB" dirty="0" err="1"/>
               <a:t>luctus</a:t>
             </a:r>
             <a:r>
-              <a:rPr lang="en-GB"/>
+              <a:rPr lang="en-GB" dirty="0"/>
               <a:t> et </a:t>
             </a:r>
             <a:r>
-              <a:rPr lang="en-GB" err="1"/>
+              <a:rPr lang="en-GB" dirty="0" err="1"/>
               <a:t>ultrices</a:t>
             </a:r>
             <a:r>
-              <a:rPr lang="en-GB"/>
-              <a:t> </a:t>
-            </a:r>
-            <a:r>
-              <a:rPr lang="en-GB" err="1"/>
+              <a:rPr lang="en-GB" dirty="0"/>
+              <a:t> </a:t>
+            </a:r>
+            <a:r>
+              <a:rPr lang="en-GB" dirty="0" err="1"/>
               <a:t>posuere</a:t>
             </a:r>
             <a:r>
-              <a:rPr lang="en-GB"/>
-              <a:t> </a:t>
-            </a:r>
-            <a:r>
-              <a:rPr lang="en-GB" err="1"/>
+              <a:rPr lang="en-GB" dirty="0"/>
+              <a:t> </a:t>
+            </a:r>
+            <a:r>
+              <a:rPr lang="en-GB" dirty="0" err="1"/>
               <a:t>cubilia</a:t>
             </a:r>
             <a:r>
-              <a:rPr lang="en-GB"/>
-              <a:t> curae; Duis </a:t>
-            </a:r>
-            <a:r>
-              <a:rPr lang="en-GB" err="1"/>
+              <a:rPr lang="en-GB" dirty="0"/>
+              <a:t> </a:t>
+            </a:r>
+            <a:r>
+              <a:rPr lang="en-GB" dirty="0" err="1"/>
+              <a:t>curae</a:t>
+            </a:r>
+            <a:r>
+              <a:rPr lang="en-GB" dirty="0"/>
+              <a:t>; Duis </a:t>
+            </a:r>
+            <a:r>
+              <a:rPr lang="en-GB" dirty="0" err="1"/>
               <a:t>mauris</a:t>
             </a:r>
             <a:r>
-              <a:rPr lang="en-GB"/>
-              <a:t> </a:t>
-            </a:r>
-            <a:r>
-              <a:rPr lang="en-GB" err="1"/>
+              <a:rPr lang="en-GB" dirty="0"/>
+              <a:t> </a:t>
+            </a:r>
+            <a:r>
+              <a:rPr lang="en-GB" dirty="0" err="1"/>
               <a:t>justo</a:t>
             </a:r>
             <a:r>
-              <a:rPr lang="en-GB"/>
+              <a:rPr lang="en-GB" dirty="0"/>
               <a:t>, </a:t>
             </a:r>
             <a:r>
-              <a:rPr lang="en-GB" err="1"/>
+              <a:rPr lang="en-GB" dirty="0" err="1"/>
               <a:t>bibendum</a:t>
             </a:r>
             <a:r>
-              <a:rPr lang="en-GB"/>
-              <a:t> </a:t>
-            </a:r>
-            <a:r>
-              <a:rPr lang="en-GB" err="1"/>
+              <a:rPr lang="en-GB" dirty="0"/>
+              <a:t> </a:t>
+            </a:r>
+            <a:r>
+              <a:rPr lang="en-GB" dirty="0" err="1"/>
               <a:t>quis</a:t>
             </a:r>
             <a:r>
-              <a:rPr lang="en-GB"/>
-              <a:t> </a:t>
-            </a:r>
-            <a:r>
-              <a:rPr lang="en-GB" err="1"/>
+              <a:rPr lang="en-GB" dirty="0"/>
+              <a:t> </a:t>
+            </a:r>
+            <a:r>
+              <a:rPr lang="en-GB" dirty="0" err="1"/>
               <a:t>sollicitudin</a:t>
             </a:r>
             <a:r>
-              <a:rPr lang="en-GB"/>
-              <a:t> </a:t>
-            </a:r>
-            <a:r>
-              <a:rPr lang="en-GB" err="1"/>
+              <a:rPr lang="en-GB" dirty="0"/>
+              <a:t> </a:t>
+            </a:r>
+            <a:r>
+              <a:rPr lang="en-GB" dirty="0" err="1"/>
               <a:t>sed</a:t>
             </a:r>
             <a:r>
-              <a:rPr lang="en-GB"/>
+              <a:rPr lang="en-GB" dirty="0"/>
               <a:t>, </a:t>
             </a:r>
             <a:r>
-              <a:rPr lang="en-GB" err="1"/>
+              <a:rPr lang="en-GB" dirty="0" err="1"/>
               <a:t>porttitor</a:t>
             </a:r>
             <a:r>
-              <a:rPr lang="en-GB"/>
-              <a:t> </a:t>
-            </a:r>
-            <a:r>
-              <a:rPr lang="en-GB" err="1"/>
+              <a:rPr lang="en-GB" dirty="0"/>
+              <a:t> </a:t>
+            </a:r>
+            <a:r>
+              <a:rPr lang="en-GB" dirty="0" err="1"/>
               <a:t>congue</a:t>
             </a:r>
             <a:r>
-              <a:rPr lang="en-GB"/>
+              <a:rPr lang="en-GB" dirty="0"/>
               <a:t>.</a:t>
             </a:r>
           </a:p>
@@ -4417,37 +4277,49 @@
       </p:grpSpPr>
       <p:pic>
         <p:nvPicPr>
-          <p:cNvPr id="14" name="図 4">
+          <p:cNvPr id="10" name="Picture 2">
             <a:extLst>
               <a:ext uri="{FF2B5EF4-FFF2-40B4-BE49-F238E27FC236}">
-                <a16:creationId xmlns:a16="http://schemas.microsoft.com/office/drawing/2014/main" id="{346B74E8-C2C0-6FF2-6B6E-A5E68E2BFA7A}"/>
+                <a16:creationId xmlns:a16="http://schemas.microsoft.com/office/drawing/2014/main" id="{4903CAEC-F5B9-0E8F-BDC3-8C86DD48ECA5}"/>
               </a:ext>
             </a:extLst>
           </p:cNvPr>
           <p:cNvPicPr>
-            <a:picLocks noChangeAspect="1"/>
+            <a:picLocks noChangeAspect="1" noChangeArrowheads="1"/>
           </p:cNvPicPr>
           <p:nvPr userDrawn="1"/>
         </p:nvPicPr>
         <p:blipFill>
-          <a:blip r:embed="rId2" cstate="email">
+          <a:blip r:embed="rId2">
             <a:extLst>
               <a:ext uri="{28A0092B-C50C-407E-A947-70E740481C1C}">
-                <a14:useLocalDpi xmlns:a14="http://schemas.microsoft.com/office/drawing/2010/main"/>
+                <a14:useLocalDpi xmlns:a14="http://schemas.microsoft.com/office/drawing/2010/main" val="0"/>
               </a:ext>
             </a:extLst>
           </a:blip>
           <a:srcRect/>
-          <a:stretch/>
+          <a:stretch>
+            <a:fillRect/>
+          </a:stretch>
         </p:blipFill>
-        <p:spPr>
+        <p:spPr bwMode="auto">
           <a:xfrm>
-            <a:off x="0" y="0"/>
-            <a:ext cx="12192000" cy="6858000"/>
+            <a:off x="-1" y="0"/>
+            <a:ext cx="12190195" cy="6858000"/>
           </a:xfrm>
           <a:prstGeom prst="rect">
             <a:avLst/>
           </a:prstGeom>
+          <a:noFill/>
+          <a:extLst>
+            <a:ext uri="{909E8E84-426E-40DD-AFC4-6F175D3DCCD1}">
+              <a14:hiddenFill xmlns:a14="http://schemas.microsoft.com/office/drawing/2010/main">
+                <a:solidFill>
+                  <a:srgbClr val="FFFFFF"/>
+                </a:solidFill>
+              </a14:hiddenFill>
+            </a:ext>
+          </a:extLst>
         </p:spPr>
       </p:pic>
       <p:sp>
@@ -5011,42 +4883,6 @@
           </a:p>
         </p:txBody>
       </p:sp>
-      <p:pic>
-        <p:nvPicPr>
-          <p:cNvPr id="6" name="図 1">
-            <a:extLst>
-              <a:ext uri="{FF2B5EF4-FFF2-40B4-BE49-F238E27FC236}">
-                <a16:creationId xmlns:a16="http://schemas.microsoft.com/office/drawing/2014/main" id="{A151FCD1-EB79-B485-C27C-098D00D0C199}"/>
-              </a:ext>
-            </a:extLst>
-          </p:cNvPr>
-          <p:cNvPicPr>
-            <a:picLocks noChangeAspect="1"/>
-          </p:cNvPicPr>
-          <p:nvPr userDrawn="1"/>
-        </p:nvPicPr>
-        <p:blipFill>
-          <a:blip r:embed="rId3" cstate="email">
-            <a:extLst>
-              <a:ext uri="{28A0092B-C50C-407E-A947-70E740481C1C}">
-                <a14:useLocalDpi xmlns:a14="http://schemas.microsoft.com/office/drawing/2010/main"/>
-              </a:ext>
-            </a:extLst>
-          </a:blip>
-          <a:stretch>
-            <a:fillRect/>
-          </a:stretch>
-        </p:blipFill>
-        <p:spPr>
-          <a:xfrm>
-            <a:off x="418742" y="6450941"/>
-            <a:ext cx="11093557" cy="176689"/>
-          </a:xfrm>
-          <a:prstGeom prst="rect">
-            <a:avLst/>
-          </a:prstGeom>
-        </p:spPr>
-      </p:pic>
       <p:sp>
         <p:nvSpPr>
           <p:cNvPr id="8" name="Text Placeholder 11">
@@ -5092,406 +4928,406 @@
               <a:buFont typeface="Arial" panose="020B0604020202020204" pitchFamily="34" charset="0"/>
               <a:buNone/>
               <a:tabLst/>
-              <a:defRPr sz="1200"/>
+              <a:defRPr sz="2000"/>
             </a:lvl1pPr>
           </a:lstStyle>
           <a:p>
             <a:r>
-              <a:rPr lang="en-GB"/>
+              <a:rPr lang="en-GB" dirty="0"/>
               <a:t>Lorem ipsum </a:t>
             </a:r>
             <a:r>
-              <a:rPr lang="en-GB" err="1"/>
+              <a:rPr lang="en-GB" dirty="0" err="1"/>
               <a:t>dolor</a:t>
             </a:r>
             <a:r>
-              <a:rPr lang="en-GB"/>
+              <a:rPr lang="en-GB" dirty="0"/>
               <a:t> sit </a:t>
             </a:r>
             <a:r>
-              <a:rPr lang="en-GB" err="1"/>
+              <a:rPr lang="en-GB" dirty="0" err="1"/>
               <a:t>amet</a:t>
             </a:r>
             <a:r>
-              <a:rPr lang="en-GB"/>
+              <a:rPr lang="en-GB" dirty="0"/>
               <a:t>, </a:t>
             </a:r>
             <a:r>
-              <a:rPr lang="en-GB" err="1"/>
+              <a:rPr lang="en-GB" dirty="0" err="1"/>
               <a:t>consectetur</a:t>
             </a:r>
             <a:r>
-              <a:rPr lang="en-GB"/>
-              <a:t> </a:t>
-            </a:r>
-            <a:r>
-              <a:rPr lang="en-GB" err="1"/>
+              <a:rPr lang="en-GB" dirty="0"/>
+              <a:t> </a:t>
+            </a:r>
+            <a:r>
+              <a:rPr lang="en-GB" dirty="0" err="1"/>
               <a:t>adipiscing</a:t>
             </a:r>
             <a:r>
-              <a:rPr lang="en-GB"/>
-              <a:t> </a:t>
-            </a:r>
-            <a:r>
-              <a:rPr lang="en-GB" err="1"/>
+              <a:rPr lang="en-GB" dirty="0"/>
+              <a:t> </a:t>
+            </a:r>
+            <a:r>
+              <a:rPr lang="en-GB" dirty="0" err="1"/>
               <a:t>elit</a:t>
             </a:r>
             <a:r>
-              <a:rPr lang="en-GB"/>
+              <a:rPr lang="en-GB" dirty="0"/>
               <a:t>. </a:t>
             </a:r>
             <a:r>
-              <a:rPr lang="en-GB" err="1"/>
+              <a:rPr lang="en-GB" dirty="0" err="1"/>
               <a:t>Sed</a:t>
             </a:r>
             <a:r>
-              <a:rPr lang="en-GB"/>
-              <a:t> </a:t>
-            </a:r>
-            <a:r>
-              <a:rPr lang="en-GB" err="1"/>
+              <a:rPr lang="en-GB" dirty="0"/>
+              <a:t> </a:t>
+            </a:r>
+            <a:r>
+              <a:rPr lang="en-GB" dirty="0" err="1"/>
               <a:t>facilisis</a:t>
             </a:r>
             <a:r>
-              <a:rPr lang="en-GB"/>
-              <a:t> </a:t>
-            </a:r>
-            <a:r>
-              <a:rPr lang="en-GB" err="1"/>
+              <a:rPr lang="en-GB" dirty="0"/>
+              <a:t> </a:t>
+            </a:r>
+            <a:r>
+              <a:rPr lang="en-GB" dirty="0" err="1"/>
               <a:t>orci</a:t>
             </a:r>
             <a:r>
-              <a:rPr lang="en-GB"/>
+              <a:rPr lang="en-GB" dirty="0"/>
               <a:t> sit </a:t>
             </a:r>
             <a:r>
-              <a:rPr lang="en-GB" err="1"/>
+              <a:rPr lang="en-GB" dirty="0" err="1"/>
               <a:t>amet</a:t>
             </a:r>
             <a:r>
-              <a:rPr lang="en-GB"/>
-              <a:t> </a:t>
-            </a:r>
-            <a:r>
-              <a:rPr lang="en-GB" err="1"/>
+              <a:rPr lang="en-GB" dirty="0"/>
+              <a:t> </a:t>
+            </a:r>
+            <a:r>
+              <a:rPr lang="en-GB" dirty="0" err="1"/>
               <a:t>hendrerit</a:t>
             </a:r>
             <a:r>
-              <a:rPr lang="en-GB"/>
+              <a:rPr lang="en-GB" dirty="0"/>
               <a:t> cursus. Morbi </a:t>
             </a:r>
             <a:r>
-              <a:rPr lang="en-GB" err="1"/>
+              <a:rPr lang="en-GB" dirty="0" err="1"/>
               <a:t>nunc</a:t>
             </a:r>
             <a:r>
-              <a:rPr lang="en-GB"/>
-              <a:t> </a:t>
-            </a:r>
-            <a:r>
-              <a:rPr lang="en-GB" err="1"/>
+              <a:rPr lang="en-GB" dirty="0"/>
+              <a:t> </a:t>
+            </a:r>
+            <a:r>
+              <a:rPr lang="en-GB" dirty="0" err="1"/>
               <a:t>tellus</a:t>
             </a:r>
             <a:r>
-              <a:rPr lang="en-GB"/>
+              <a:rPr lang="en-GB" dirty="0"/>
               <a:t>, </a:t>
             </a:r>
             <a:r>
-              <a:rPr lang="en-GB" err="1"/>
+              <a:rPr lang="en-GB" dirty="0" err="1"/>
               <a:t>dapibus</a:t>
             </a:r>
             <a:r>
-              <a:rPr lang="en-GB"/>
+              <a:rPr lang="en-GB" dirty="0"/>
               <a:t> id </a:t>
             </a:r>
             <a:r>
-              <a:rPr lang="en-GB" err="1"/>
+              <a:rPr lang="en-GB" dirty="0" err="1"/>
               <a:t>lectus</a:t>
             </a:r>
             <a:r>
-              <a:rPr lang="en-GB"/>
+              <a:rPr lang="en-GB" dirty="0"/>
               <a:t> at, </a:t>
             </a:r>
             <a:r>
-              <a:rPr lang="en-GB" err="1"/>
+              <a:rPr lang="en-GB" dirty="0" err="1"/>
               <a:t>posuere</a:t>
             </a:r>
             <a:r>
-              <a:rPr lang="en-GB"/>
-              <a:t> </a:t>
-            </a:r>
-            <a:r>
-              <a:rPr lang="en-GB" err="1"/>
+              <a:rPr lang="en-GB" dirty="0"/>
+              <a:t> </a:t>
+            </a:r>
+            <a:r>
+              <a:rPr lang="en-GB" dirty="0" err="1"/>
               <a:t>mattis</a:t>
             </a:r>
             <a:r>
-              <a:rPr lang="en-GB"/>
-              <a:t> </a:t>
-            </a:r>
-            <a:r>
-              <a:rPr lang="en-GB" err="1"/>
+              <a:rPr lang="en-GB" dirty="0"/>
+              <a:t> </a:t>
+            </a:r>
+            <a:r>
+              <a:rPr lang="en-GB" dirty="0" err="1"/>
               <a:t>tortor</a:t>
             </a:r>
             <a:r>
-              <a:rPr lang="en-GB"/>
+              <a:rPr lang="en-GB" dirty="0"/>
               <a:t>. </a:t>
             </a:r>
           </a:p>
           <a:p>
             <a:r>
-              <a:rPr lang="en-GB"/>
+              <a:rPr lang="en-GB" dirty="0"/>
               <a:t>Duis </a:t>
             </a:r>
             <a:r>
-              <a:rPr lang="en-GB" err="1"/>
+              <a:rPr lang="en-GB" dirty="0" err="1"/>
               <a:t>vehicula</a:t>
             </a:r>
             <a:r>
-              <a:rPr lang="en-GB"/>
-              <a:t> </a:t>
-            </a:r>
-            <a:r>
-              <a:rPr lang="en-GB" err="1"/>
+              <a:rPr lang="en-GB" dirty="0"/>
+              <a:t> </a:t>
+            </a:r>
+            <a:r>
+              <a:rPr lang="en-GB" dirty="0" err="1"/>
               <a:t>elementum</a:t>
             </a:r>
             <a:r>
-              <a:rPr lang="en-GB"/>
+              <a:rPr lang="en-GB" dirty="0"/>
               <a:t> ipsum, at </a:t>
             </a:r>
             <a:r>
-              <a:rPr lang="en-GB" err="1"/>
+              <a:rPr lang="en-GB" dirty="0" err="1"/>
               <a:t>viverra</a:t>
             </a:r>
             <a:r>
-              <a:rPr lang="en-GB"/>
+              <a:rPr lang="en-GB" dirty="0"/>
               <a:t> mi pharetra non. Nunc porta auctor </a:t>
             </a:r>
             <a:r>
-              <a:rPr lang="en-GB" err="1"/>
+              <a:rPr lang="en-GB" dirty="0" err="1"/>
               <a:t>nibh</a:t>
             </a:r>
             <a:r>
-              <a:rPr lang="en-GB"/>
-              <a:t> </a:t>
-            </a:r>
-            <a:r>
-              <a:rPr lang="en-GB" err="1"/>
+              <a:rPr lang="en-GB" dirty="0"/>
+              <a:t> </a:t>
+            </a:r>
+            <a:r>
+              <a:rPr lang="en-GB" dirty="0" err="1"/>
               <a:t>ut</a:t>
             </a:r>
             <a:r>
-              <a:rPr lang="en-GB"/>
+              <a:rPr lang="en-GB" dirty="0"/>
               <a:t> dictum. Integer sit </a:t>
             </a:r>
             <a:r>
-              <a:rPr lang="en-GB" err="1"/>
+              <a:rPr lang="en-GB" dirty="0" err="1"/>
               <a:t>amet</a:t>
             </a:r>
             <a:r>
-              <a:rPr lang="en-GB"/>
+              <a:rPr lang="en-GB" dirty="0"/>
               <a:t> ipsum at </a:t>
             </a:r>
             <a:r>
-              <a:rPr lang="en-GB" err="1"/>
+              <a:rPr lang="en-GB" dirty="0" err="1"/>
               <a:t>justo</a:t>
             </a:r>
             <a:r>
-              <a:rPr lang="en-GB"/>
+              <a:rPr lang="en-GB" dirty="0"/>
               <a:t> porta </a:t>
             </a:r>
             <a:r>
-              <a:rPr lang="en-GB" err="1"/>
+              <a:rPr lang="en-GB" dirty="0" err="1"/>
               <a:t>viverra</a:t>
             </a:r>
             <a:r>
-              <a:rPr lang="en-GB"/>
-              <a:t> </a:t>
-            </a:r>
-            <a:r>
-              <a:rPr lang="en-GB" err="1"/>
+              <a:rPr lang="en-GB" dirty="0"/>
+              <a:t> </a:t>
+            </a:r>
+            <a:r>
+              <a:rPr lang="en-GB" dirty="0" err="1"/>
               <a:t>ut</a:t>
             </a:r>
             <a:r>
-              <a:rPr lang="en-GB"/>
+              <a:rPr lang="en-GB" dirty="0"/>
               <a:t> non </a:t>
             </a:r>
             <a:r>
-              <a:rPr lang="en-GB" err="1"/>
+              <a:rPr lang="en-GB" dirty="0" err="1"/>
               <a:t>arcu</a:t>
             </a:r>
             <a:r>
-              <a:rPr lang="en-GB"/>
+              <a:rPr lang="en-GB" dirty="0"/>
               <a:t>. </a:t>
             </a:r>
           </a:p>
           <a:p>
             <a:r>
-              <a:rPr lang="en-GB" err="1"/>
+              <a:rPr lang="en-GB" dirty="0" err="1"/>
               <a:t>Praesent</a:t>
             </a:r>
             <a:r>
-              <a:rPr lang="en-GB"/>
-              <a:t> </a:t>
-            </a:r>
-            <a:r>
-              <a:rPr lang="en-GB" err="1"/>
+              <a:rPr lang="en-GB" dirty="0"/>
+              <a:t> </a:t>
+            </a:r>
+            <a:r>
+              <a:rPr lang="en-GB" dirty="0" err="1"/>
               <a:t>suscipit</a:t>
             </a:r>
             <a:r>
-              <a:rPr lang="en-GB"/>
-              <a:t> </a:t>
-            </a:r>
-            <a:r>
-              <a:rPr lang="en-GB" err="1"/>
+              <a:rPr lang="en-GB" dirty="0"/>
+              <a:t> </a:t>
+            </a:r>
+            <a:r>
+              <a:rPr lang="en-GB" dirty="0" err="1"/>
               <a:t>nulla</a:t>
             </a:r>
             <a:r>
-              <a:rPr lang="en-GB"/>
+              <a:rPr lang="en-GB" dirty="0"/>
               <a:t> dui, </a:t>
             </a:r>
             <a:r>
-              <a:rPr lang="en-GB" err="1"/>
+              <a:rPr lang="en-GB" dirty="0" err="1"/>
               <a:t>tristique</a:t>
             </a:r>
             <a:r>
-              <a:rPr lang="en-GB"/>
-              <a:t> </a:t>
-            </a:r>
-            <a:r>
-              <a:rPr lang="en-GB" err="1"/>
+              <a:rPr lang="en-GB" dirty="0"/>
+              <a:t> </a:t>
+            </a:r>
+            <a:r>
+              <a:rPr lang="en-GB" dirty="0" err="1"/>
               <a:t>vehicula</a:t>
             </a:r>
             <a:r>
-              <a:rPr lang="en-GB"/>
+              <a:rPr lang="en-GB" dirty="0"/>
               <a:t> ex </a:t>
             </a:r>
             <a:r>
-              <a:rPr lang="en-GB" err="1"/>
+              <a:rPr lang="en-GB" dirty="0" err="1"/>
               <a:t>tincidunt</a:t>
             </a:r>
             <a:r>
-              <a:rPr lang="en-GB"/>
+              <a:rPr lang="en-GB" dirty="0"/>
               <a:t> id. </a:t>
             </a:r>
             <a:r>
-              <a:rPr lang="en-GB" err="1"/>
+              <a:rPr lang="en-GB" dirty="0" err="1"/>
               <a:t>Quisque</a:t>
             </a:r>
             <a:r>
-              <a:rPr lang="en-GB"/>
-              <a:t> </a:t>
-            </a:r>
-            <a:r>
-              <a:rPr lang="en-GB" err="1"/>
+              <a:rPr lang="en-GB" dirty="0"/>
+              <a:t> </a:t>
+            </a:r>
+            <a:r>
+              <a:rPr lang="en-GB" dirty="0" err="1"/>
               <a:t>posuere</a:t>
             </a:r>
             <a:r>
-              <a:rPr lang="en-GB"/>
-              <a:t> </a:t>
-            </a:r>
-            <a:r>
-              <a:rPr lang="en-GB" err="1"/>
+              <a:rPr lang="en-GB" dirty="0"/>
+              <a:t> </a:t>
+            </a:r>
+            <a:r>
+              <a:rPr lang="en-GB" dirty="0" err="1"/>
               <a:t>dignissim</a:t>
             </a:r>
             <a:r>
-              <a:rPr lang="en-GB"/>
-              <a:t> </a:t>
-            </a:r>
-            <a:r>
-              <a:rPr lang="en-GB" err="1"/>
+              <a:rPr lang="en-GB" dirty="0"/>
+              <a:t> </a:t>
+            </a:r>
+            <a:r>
+              <a:rPr lang="en-GB" dirty="0" err="1"/>
               <a:t>dolor</a:t>
             </a:r>
             <a:r>
-              <a:rPr lang="en-GB"/>
+              <a:rPr lang="en-GB" dirty="0"/>
               <a:t> id </a:t>
             </a:r>
             <a:r>
-              <a:rPr lang="en-GB" err="1"/>
+              <a:rPr lang="en-GB" dirty="0" err="1"/>
               <a:t>rutrum</a:t>
             </a:r>
             <a:r>
-              <a:rPr lang="en-GB"/>
+              <a:rPr lang="en-GB" dirty="0"/>
               <a:t>. </a:t>
             </a:r>
             <a:r>
-              <a:rPr lang="en-GB" err="1"/>
+              <a:rPr lang="en-GB" dirty="0" err="1"/>
               <a:t>Quisque</a:t>
             </a:r>
             <a:r>
-              <a:rPr lang="en-GB"/>
-              <a:t> </a:t>
-            </a:r>
-            <a:r>
-              <a:rPr lang="en-GB" err="1"/>
+              <a:rPr lang="en-GB" dirty="0"/>
+              <a:t> </a:t>
+            </a:r>
+            <a:r>
+              <a:rPr lang="en-GB" dirty="0" err="1"/>
               <a:t>suscipit</a:t>
             </a:r>
             <a:r>
-              <a:rPr lang="en-GB"/>
-              <a:t> </a:t>
-            </a:r>
-            <a:r>
-              <a:rPr lang="en-GB" err="1"/>
+              <a:rPr lang="en-GB" dirty="0"/>
+              <a:t> </a:t>
+            </a:r>
+            <a:r>
+              <a:rPr lang="en-GB" dirty="0" err="1"/>
               <a:t>tincidunt</a:t>
             </a:r>
             <a:r>
-              <a:rPr lang="en-GB"/>
-              <a:t> </a:t>
-            </a:r>
-            <a:r>
-              <a:rPr lang="en-GB" err="1"/>
+              <a:rPr lang="en-GB" dirty="0"/>
+              <a:t> </a:t>
+            </a:r>
+            <a:r>
+              <a:rPr lang="en-GB" dirty="0" err="1"/>
               <a:t>arcu</a:t>
             </a:r>
             <a:r>
-              <a:rPr lang="en-GB"/>
-              <a:t> </a:t>
-            </a:r>
-            <a:r>
-              <a:rPr lang="en-GB" err="1"/>
+              <a:rPr lang="en-GB" dirty="0"/>
+              <a:t> </a:t>
+            </a:r>
+            <a:r>
+              <a:rPr lang="en-GB" dirty="0" err="1"/>
               <a:t>eget</a:t>
             </a:r>
             <a:r>
-              <a:rPr lang="en-GB"/>
-              <a:t> </a:t>
-            </a:r>
-            <a:r>
-              <a:rPr lang="en-GB" err="1"/>
+              <a:rPr lang="en-GB" dirty="0"/>
+              <a:t> </a:t>
+            </a:r>
+            <a:r>
+              <a:rPr lang="en-GB" dirty="0" err="1"/>
               <a:t>tincidunt</a:t>
             </a:r>
             <a:r>
-              <a:rPr lang="en-GB"/>
+              <a:rPr lang="en-GB" dirty="0"/>
               <a:t>.</a:t>
             </a:r>
           </a:p>
           <a:p>
             <a:r>
-              <a:rPr lang="en-GB" err="1"/>
+              <a:rPr lang="en-GB" dirty="0" err="1"/>
               <a:t>Suspendisse</a:t>
             </a:r>
             <a:r>
-              <a:rPr lang="en-GB"/>
-              <a:t> </a:t>
-            </a:r>
-            <a:r>
-              <a:rPr lang="en-GB" err="1"/>
+              <a:rPr lang="en-GB" dirty="0"/>
+              <a:t> </a:t>
+            </a:r>
+            <a:r>
+              <a:rPr lang="en-GB" dirty="0" err="1"/>
               <a:t>consectetur</a:t>
             </a:r>
             <a:r>
-              <a:rPr lang="en-GB"/>
-              <a:t> </a:t>
-            </a:r>
-            <a:r>
-              <a:rPr lang="en-GB" err="1"/>
+              <a:rPr lang="en-GB" dirty="0"/>
+              <a:t> </a:t>
+            </a:r>
+            <a:r>
+              <a:rPr lang="en-GB" dirty="0" err="1"/>
               <a:t>sollicitudin</a:t>
             </a:r>
             <a:r>
-              <a:rPr lang="en-GB"/>
-              <a:t> </a:t>
-            </a:r>
-            <a:r>
-              <a:rPr lang="en-GB" err="1"/>
+              <a:rPr lang="en-GB" dirty="0"/>
+              <a:t> </a:t>
+            </a:r>
+            <a:r>
+              <a:rPr lang="en-GB" dirty="0" err="1"/>
               <a:t>sollicitudin</a:t>
             </a:r>
             <a:r>
-              <a:rPr lang="en-GB"/>
+              <a:rPr lang="en-GB" dirty="0"/>
               <a:t>.</a:t>
             </a:r>
           </a:p>
@@ -5532,502 +5368,510 @@
                 <a:spcPct val="120000"/>
               </a:lnSpc>
               <a:buNone/>
-              <a:defRPr sz="1200"/>
+              <a:defRPr sz="1800"/>
             </a:lvl1pPr>
           </a:lstStyle>
           <a:p>
             <a:r>
-              <a:rPr lang="en-GB" err="1"/>
+              <a:rPr lang="en-GB" dirty="0" err="1"/>
               <a:t>Orci</a:t>
             </a:r>
             <a:r>
-              <a:rPr lang="en-GB"/>
-              <a:t> </a:t>
-            </a:r>
-            <a:r>
-              <a:rPr lang="en-GB" err="1"/>
+              <a:rPr lang="en-GB" dirty="0"/>
+              <a:t> </a:t>
+            </a:r>
+            <a:r>
+              <a:rPr lang="en-GB" dirty="0" err="1"/>
               <a:t>varius</a:t>
             </a:r>
             <a:r>
-              <a:rPr lang="en-GB"/>
-              <a:t> </a:t>
-            </a:r>
-            <a:r>
-              <a:rPr lang="en-GB" err="1"/>
+              <a:rPr lang="en-GB" dirty="0"/>
+              <a:t> </a:t>
+            </a:r>
+            <a:r>
+              <a:rPr lang="en-GB" dirty="0" err="1"/>
               <a:t>natoque</a:t>
             </a:r>
             <a:r>
-              <a:rPr lang="en-GB"/>
-              <a:t> </a:t>
-            </a:r>
-            <a:r>
-              <a:rPr lang="en-GB" err="1"/>
+              <a:rPr lang="en-GB" dirty="0"/>
+              <a:t> </a:t>
+            </a:r>
+            <a:r>
+              <a:rPr lang="en-GB" dirty="0" err="1"/>
               <a:t>penatibus</a:t>
             </a:r>
             <a:r>
-              <a:rPr lang="en-GB"/>
+              <a:rPr lang="en-GB" dirty="0"/>
               <a:t> et </a:t>
             </a:r>
             <a:r>
-              <a:rPr lang="en-GB" err="1"/>
+              <a:rPr lang="en-GB" dirty="0" err="1"/>
               <a:t>magnis</a:t>
             </a:r>
             <a:r>
-              <a:rPr lang="en-GB"/>
+              <a:rPr lang="en-GB" dirty="0"/>
               <a:t> dis parturient </a:t>
             </a:r>
             <a:r>
-              <a:rPr lang="en-GB" err="1"/>
+              <a:rPr lang="en-GB" dirty="0" err="1"/>
               <a:t>montes</a:t>
             </a:r>
             <a:r>
-              <a:rPr lang="en-GB"/>
+              <a:rPr lang="en-GB" dirty="0"/>
               <a:t>, </a:t>
             </a:r>
             <a:r>
-              <a:rPr lang="en-GB" err="1"/>
+              <a:rPr lang="en-GB" dirty="0" err="1"/>
               <a:t>nascetur</a:t>
             </a:r>
             <a:r>
-              <a:rPr lang="en-GB"/>
-              <a:t> </a:t>
-            </a:r>
-            <a:r>
-              <a:rPr lang="en-GB" err="1"/>
+              <a:rPr lang="en-GB" dirty="0"/>
+              <a:t> </a:t>
+            </a:r>
+            <a:r>
+              <a:rPr lang="en-GB" dirty="0" err="1"/>
               <a:t>ridiculus</a:t>
             </a:r>
             <a:r>
-              <a:rPr lang="en-GB"/>
+              <a:rPr lang="en-GB" dirty="0"/>
               <a:t> mus. </a:t>
             </a:r>
             <a:r>
-              <a:rPr lang="en-GB" err="1"/>
+              <a:rPr lang="en-GB" dirty="0" err="1"/>
               <a:t>Mauris</a:t>
             </a:r>
             <a:r>
-              <a:rPr lang="en-GB"/>
+              <a:rPr lang="en-GB" dirty="0"/>
               <a:t> ipsum nisi, </a:t>
             </a:r>
             <a:r>
-              <a:rPr lang="en-GB" err="1"/>
+              <a:rPr lang="en-GB" dirty="0" err="1"/>
               <a:t>finibus</a:t>
             </a:r>
             <a:r>
-              <a:rPr lang="en-GB"/>
-              <a:t> </a:t>
-            </a:r>
-            <a:r>
-              <a:rPr lang="en-GB" err="1"/>
+              <a:rPr lang="en-GB" dirty="0"/>
+              <a:t> </a:t>
+            </a:r>
+            <a:r>
+              <a:rPr lang="en-GB" dirty="0" err="1"/>
               <a:t>faucibus</a:t>
             </a:r>
             <a:r>
-              <a:rPr lang="en-GB"/>
-              <a:t> </a:t>
-            </a:r>
-            <a:r>
-              <a:rPr lang="en-GB" err="1"/>
+              <a:rPr lang="en-GB" dirty="0"/>
+              <a:t> </a:t>
+            </a:r>
+            <a:r>
+              <a:rPr lang="en-GB" dirty="0" err="1"/>
               <a:t>mattis</a:t>
             </a:r>
             <a:r>
-              <a:rPr lang="en-GB"/>
-              <a:t> </a:t>
-            </a:r>
-            <a:r>
-              <a:rPr lang="en-GB" err="1"/>
+              <a:rPr lang="en-GB" dirty="0"/>
+              <a:t> </a:t>
+            </a:r>
+            <a:r>
+              <a:rPr lang="en-GB" dirty="0" err="1"/>
               <a:t>ut</a:t>
             </a:r>
             <a:r>
-              <a:rPr lang="en-GB"/>
+              <a:rPr lang="en-GB" dirty="0"/>
               <a:t>, </a:t>
             </a:r>
             <a:r>
-              <a:rPr lang="en-GB" err="1"/>
+              <a:rPr lang="en-GB" dirty="0" err="1"/>
               <a:t>vulputate</a:t>
             </a:r>
             <a:r>
-              <a:rPr lang="en-GB"/>
-              <a:t> </a:t>
-            </a:r>
-            <a:r>
-              <a:rPr lang="en-GB" err="1"/>
+              <a:rPr lang="en-GB" dirty="0"/>
+              <a:t> </a:t>
+            </a:r>
+            <a:r>
+              <a:rPr lang="en-GB" dirty="0" err="1"/>
               <a:t>vulputate</a:t>
             </a:r>
             <a:r>
-              <a:rPr lang="en-GB"/>
+              <a:rPr lang="en-GB" dirty="0"/>
               <a:t> ligula. </a:t>
             </a:r>
           </a:p>
           <a:p>
             <a:r>
-              <a:rPr lang="en-GB"/>
+              <a:rPr lang="en-GB" dirty="0"/>
               <a:t>Duis a </a:t>
             </a:r>
             <a:r>
-              <a:rPr lang="en-GB" err="1"/>
+              <a:rPr lang="en-GB" dirty="0" err="1"/>
               <a:t>pellentesque</a:t>
             </a:r>
             <a:r>
-              <a:rPr lang="en-GB"/>
-              <a:t> </a:t>
-            </a:r>
-            <a:r>
-              <a:rPr lang="en-GB" err="1"/>
+              <a:rPr lang="en-GB" dirty="0"/>
+              <a:t> </a:t>
+            </a:r>
+            <a:r>
+              <a:rPr lang="en-GB" dirty="0" err="1"/>
               <a:t>tortor</a:t>
             </a:r>
             <a:r>
-              <a:rPr lang="en-GB"/>
+              <a:rPr lang="en-GB" dirty="0"/>
               <a:t>. </a:t>
             </a:r>
             <a:r>
-              <a:rPr lang="en-GB" err="1"/>
+              <a:rPr lang="en-GB" dirty="0" err="1"/>
               <a:t>Vivamus</a:t>
             </a:r>
             <a:r>
-              <a:rPr lang="en-GB"/>
-              <a:t> </a:t>
-            </a:r>
-            <a:r>
-              <a:rPr lang="en-GB" err="1"/>
+              <a:rPr lang="en-GB" dirty="0"/>
+              <a:t> </a:t>
+            </a:r>
+            <a:r>
+              <a:rPr lang="en-GB" dirty="0" err="1"/>
               <a:t>urna</a:t>
             </a:r>
             <a:r>
-              <a:rPr lang="en-GB"/>
-              <a:t> </a:t>
-            </a:r>
-            <a:r>
-              <a:rPr lang="en-GB" err="1"/>
+              <a:rPr lang="en-GB" dirty="0"/>
+              <a:t> </a:t>
+            </a:r>
+            <a:r>
+              <a:rPr lang="en-GB" dirty="0" err="1"/>
               <a:t>lacus</a:t>
             </a:r>
             <a:r>
-              <a:rPr lang="en-GB"/>
+              <a:rPr lang="en-GB" dirty="0"/>
               <a:t>, </a:t>
             </a:r>
             <a:r>
-              <a:rPr lang="en-GB" err="1"/>
+              <a:rPr lang="en-GB" dirty="0" err="1"/>
               <a:t>ultrices</a:t>
             </a:r>
             <a:r>
-              <a:rPr lang="en-GB"/>
-              <a:t> </a:t>
-            </a:r>
-            <a:r>
-              <a:rPr lang="en-GB" err="1"/>
+              <a:rPr lang="en-GB" dirty="0"/>
+              <a:t> </a:t>
+            </a:r>
+            <a:r>
+              <a:rPr lang="en-GB" dirty="0" err="1"/>
               <a:t>quis</a:t>
             </a:r>
             <a:r>
-              <a:rPr lang="en-GB"/>
-              <a:t> </a:t>
-            </a:r>
-            <a:r>
-              <a:rPr lang="en-GB" err="1"/>
+              <a:rPr lang="en-GB" dirty="0"/>
+              <a:t> </a:t>
+            </a:r>
+            <a:r>
+              <a:rPr lang="en-GB" dirty="0" err="1"/>
               <a:t>felis</a:t>
             </a:r>
             <a:r>
-              <a:rPr lang="en-GB"/>
+              <a:rPr lang="en-GB" dirty="0"/>
               <a:t> at, </a:t>
             </a:r>
             <a:r>
-              <a:rPr lang="en-GB" err="1"/>
+              <a:rPr lang="en-GB" dirty="0" err="1"/>
               <a:t>tempor</a:t>
             </a:r>
             <a:r>
-              <a:rPr lang="en-GB"/>
-              <a:t> </a:t>
-            </a:r>
-            <a:r>
-              <a:rPr lang="en-GB" err="1"/>
+              <a:rPr lang="en-GB" dirty="0"/>
+              <a:t> </a:t>
+            </a:r>
+            <a:r>
+              <a:rPr lang="en-GB" dirty="0" err="1"/>
               <a:t>accumsan</a:t>
             </a:r>
             <a:r>
-              <a:rPr lang="en-GB"/>
-              <a:t> </a:t>
-            </a:r>
-            <a:r>
-              <a:rPr lang="en-GB" err="1"/>
+              <a:rPr lang="en-GB" dirty="0"/>
+              <a:t> </a:t>
+            </a:r>
+            <a:r>
+              <a:rPr lang="en-GB" dirty="0" err="1"/>
               <a:t>lectus</a:t>
             </a:r>
             <a:r>
-              <a:rPr lang="en-GB"/>
+              <a:rPr lang="en-GB" dirty="0"/>
               <a:t>. Vestibulum ante ipsum </a:t>
             </a:r>
             <a:r>
-              <a:rPr lang="en-GB" err="1"/>
+              <a:rPr lang="en-GB" dirty="0" err="1"/>
               <a:t>primis</a:t>
             </a:r>
             <a:r>
-              <a:rPr lang="en-GB"/>
+              <a:rPr lang="en-GB" dirty="0"/>
               <a:t> in </a:t>
             </a:r>
             <a:r>
-              <a:rPr lang="en-GB" err="1"/>
+              <a:rPr lang="en-GB" dirty="0" err="1"/>
               <a:t>faucibus</a:t>
             </a:r>
             <a:r>
-              <a:rPr lang="en-GB"/>
-              <a:t> </a:t>
-            </a:r>
-            <a:r>
-              <a:rPr lang="en-GB" err="1"/>
+              <a:rPr lang="en-GB" dirty="0"/>
+              <a:t> </a:t>
+            </a:r>
+            <a:r>
+              <a:rPr lang="en-GB" dirty="0" err="1"/>
               <a:t>orci</a:t>
             </a:r>
             <a:r>
-              <a:rPr lang="en-GB"/>
-              <a:t> </a:t>
-            </a:r>
-            <a:r>
-              <a:rPr lang="en-GB" err="1"/>
+              <a:rPr lang="en-GB" dirty="0"/>
+              <a:t> </a:t>
+            </a:r>
+            <a:r>
+              <a:rPr lang="en-GB" dirty="0" err="1"/>
               <a:t>luctus</a:t>
             </a:r>
             <a:r>
-              <a:rPr lang="en-GB"/>
+              <a:rPr lang="en-GB" dirty="0"/>
               <a:t> et </a:t>
             </a:r>
             <a:r>
-              <a:rPr lang="en-GB" err="1"/>
+              <a:rPr lang="en-GB" dirty="0" err="1"/>
               <a:t>ultrices</a:t>
             </a:r>
             <a:r>
-              <a:rPr lang="en-GB"/>
-              <a:t> </a:t>
-            </a:r>
-            <a:r>
-              <a:rPr lang="en-GB" err="1"/>
+              <a:rPr lang="en-GB" dirty="0"/>
+              <a:t> </a:t>
+            </a:r>
+            <a:r>
+              <a:rPr lang="en-GB" dirty="0" err="1"/>
               <a:t>posuere</a:t>
             </a:r>
             <a:r>
-              <a:rPr lang="en-GB"/>
-              <a:t> </a:t>
-            </a:r>
-            <a:r>
-              <a:rPr lang="en-GB" err="1"/>
+              <a:rPr lang="en-GB" dirty="0"/>
+              <a:t> </a:t>
+            </a:r>
+            <a:r>
+              <a:rPr lang="en-GB" dirty="0" err="1"/>
               <a:t>cubilia</a:t>
             </a:r>
             <a:r>
-              <a:rPr lang="en-GB"/>
-              <a:t> curae. </a:t>
+              <a:rPr lang="en-GB" dirty="0"/>
+              <a:t> </a:t>
+            </a:r>
+            <a:r>
+              <a:rPr lang="en-GB" dirty="0" err="1"/>
+              <a:t>curae</a:t>
+            </a:r>
+            <a:r>
+              <a:rPr lang="en-GB" dirty="0"/>
+              <a:t>. </a:t>
             </a:r>
           </a:p>
           <a:p>
             <a:r>
-              <a:rPr lang="en-GB"/>
+              <a:rPr lang="en-GB" dirty="0"/>
               <a:t>Duis </a:t>
             </a:r>
             <a:r>
-              <a:rPr lang="en-GB" err="1"/>
+              <a:rPr lang="en-GB" dirty="0" err="1"/>
               <a:t>mauris</a:t>
             </a:r>
             <a:r>
-              <a:rPr lang="en-GB"/>
-              <a:t> </a:t>
-            </a:r>
-            <a:r>
-              <a:rPr lang="en-GB" err="1"/>
+              <a:rPr lang="en-GB" dirty="0"/>
+              <a:t> </a:t>
+            </a:r>
+            <a:r>
+              <a:rPr lang="en-GB" dirty="0" err="1"/>
               <a:t>justo</a:t>
             </a:r>
             <a:r>
-              <a:rPr lang="en-GB"/>
+              <a:rPr lang="en-GB" dirty="0"/>
               <a:t>, </a:t>
             </a:r>
             <a:r>
-              <a:rPr lang="en-GB" err="1"/>
+              <a:rPr lang="en-GB" dirty="0" err="1"/>
               <a:t>bibendum</a:t>
             </a:r>
             <a:r>
-              <a:rPr lang="en-GB"/>
-              <a:t> </a:t>
-            </a:r>
-            <a:r>
-              <a:rPr lang="en-GB" err="1"/>
+              <a:rPr lang="en-GB" dirty="0"/>
+              <a:t> </a:t>
+            </a:r>
+            <a:r>
+              <a:rPr lang="en-GB" dirty="0" err="1"/>
               <a:t>quis</a:t>
             </a:r>
             <a:r>
-              <a:rPr lang="en-GB"/>
-              <a:t> </a:t>
-            </a:r>
-            <a:r>
-              <a:rPr lang="en-GB" err="1"/>
+              <a:rPr lang="en-GB" dirty="0"/>
+              <a:t> </a:t>
+            </a:r>
+            <a:r>
+              <a:rPr lang="en-GB" dirty="0" err="1"/>
               <a:t>sollicitudin</a:t>
             </a:r>
             <a:r>
-              <a:rPr lang="en-GB"/>
-              <a:t> </a:t>
-            </a:r>
-            <a:r>
-              <a:rPr lang="en-GB" err="1"/>
+              <a:rPr lang="en-GB" dirty="0"/>
+              <a:t> </a:t>
+            </a:r>
+            <a:r>
+              <a:rPr lang="en-GB" dirty="0" err="1"/>
               <a:t>sed</a:t>
             </a:r>
             <a:r>
-              <a:rPr lang="en-GB"/>
+              <a:rPr lang="en-GB" dirty="0"/>
               <a:t>, </a:t>
             </a:r>
             <a:r>
-              <a:rPr lang="en-GB" err="1"/>
+              <a:rPr lang="en-GB" dirty="0" err="1"/>
               <a:t>porttitor</a:t>
             </a:r>
             <a:r>
-              <a:rPr lang="en-GB"/>
-              <a:t> </a:t>
-            </a:r>
-            <a:r>
-              <a:rPr lang="en-GB" err="1"/>
+              <a:rPr lang="en-GB" dirty="0"/>
+              <a:t> </a:t>
+            </a:r>
+            <a:r>
+              <a:rPr lang="en-GB" dirty="0" err="1"/>
               <a:t>congue</a:t>
             </a:r>
             <a:r>
-              <a:rPr lang="en-GB"/>
-              <a:t> </a:t>
-            </a:r>
-            <a:r>
-              <a:rPr lang="en-GB" err="1"/>
+              <a:rPr lang="en-GB" dirty="0"/>
+              <a:t> </a:t>
+            </a:r>
+            <a:r>
+              <a:rPr lang="en-GB" dirty="0" err="1"/>
               <a:t>metus</a:t>
             </a:r>
             <a:r>
-              <a:rPr lang="en-GB"/>
+              <a:rPr lang="en-GB" dirty="0"/>
               <a:t>. </a:t>
             </a:r>
             <a:r>
-              <a:rPr lang="en-GB" err="1"/>
+              <a:rPr lang="en-GB" dirty="0" err="1"/>
               <a:t>Mauris</a:t>
             </a:r>
             <a:r>
-              <a:rPr lang="en-GB"/>
-              <a:t> </a:t>
-            </a:r>
-            <a:r>
-              <a:rPr lang="en-GB" err="1"/>
+              <a:rPr lang="en-GB" dirty="0"/>
+              <a:t> </a:t>
+            </a:r>
+            <a:r>
+              <a:rPr lang="en-GB" dirty="0" err="1"/>
               <a:t>ut</a:t>
             </a:r>
             <a:r>
-              <a:rPr lang="en-GB"/>
-              <a:t> </a:t>
-            </a:r>
-            <a:r>
-              <a:rPr lang="en-GB" err="1"/>
+              <a:rPr lang="en-GB" dirty="0"/>
+              <a:t> </a:t>
+            </a:r>
+            <a:r>
+              <a:rPr lang="en-GB" dirty="0" err="1"/>
               <a:t>velit</a:t>
             </a:r>
             <a:r>
-              <a:rPr lang="en-GB"/>
-              <a:t> </a:t>
-            </a:r>
-            <a:r>
-              <a:rPr lang="en-GB" err="1"/>
+              <a:rPr lang="en-GB" dirty="0"/>
+              <a:t> </a:t>
+            </a:r>
+            <a:r>
+              <a:rPr lang="en-GB" dirty="0" err="1"/>
               <a:t>quis</a:t>
             </a:r>
             <a:r>
-              <a:rPr lang="en-GB"/>
+              <a:rPr lang="en-GB" dirty="0"/>
               <a:t> libero </a:t>
             </a:r>
             <a:r>
-              <a:rPr lang="en-GB" err="1"/>
+              <a:rPr lang="en-GB" dirty="0" err="1"/>
               <a:t>mollis</a:t>
             </a:r>
             <a:r>
-              <a:rPr lang="en-GB"/>
-              <a:t> </a:t>
-            </a:r>
-            <a:r>
-              <a:rPr lang="en-GB" err="1"/>
+              <a:rPr lang="en-GB" dirty="0"/>
+              <a:t> </a:t>
+            </a:r>
+            <a:r>
+              <a:rPr lang="en-GB" dirty="0" err="1"/>
               <a:t>aliquam</a:t>
             </a:r>
             <a:r>
-              <a:rPr lang="en-GB"/>
+              <a:rPr lang="en-GB" dirty="0"/>
               <a:t>. </a:t>
             </a:r>
             <a:r>
-              <a:rPr lang="en-GB" err="1"/>
+              <a:rPr lang="en-GB" dirty="0" err="1"/>
               <a:t>Suspendisse</a:t>
             </a:r>
             <a:r>
-              <a:rPr lang="en-GB"/>
-              <a:t> </a:t>
-            </a:r>
-            <a:r>
-              <a:rPr lang="en-GB" err="1"/>
+              <a:rPr lang="en-GB" dirty="0"/>
+              <a:t> </a:t>
+            </a:r>
+            <a:r>
+              <a:rPr lang="en-GB" dirty="0" err="1"/>
               <a:t>blandit</a:t>
             </a:r>
             <a:r>
-              <a:rPr lang="en-GB"/>
-              <a:t> </a:t>
-            </a:r>
-            <a:r>
-              <a:rPr lang="en-GB" err="1"/>
+              <a:rPr lang="en-GB" dirty="0"/>
+              <a:t> </a:t>
+            </a:r>
+            <a:r>
+              <a:rPr lang="en-GB" dirty="0" err="1"/>
               <a:t>consectetur</a:t>
             </a:r>
             <a:r>
-              <a:rPr lang="en-GB"/>
-              <a:t> </a:t>
-            </a:r>
-            <a:r>
-              <a:rPr lang="en-GB" err="1"/>
+              <a:rPr lang="en-GB" dirty="0"/>
+              <a:t> </a:t>
+            </a:r>
+            <a:r>
+              <a:rPr lang="en-GB" dirty="0" err="1"/>
               <a:t>nulla</a:t>
             </a:r>
             <a:r>
-              <a:rPr lang="en-GB"/>
+              <a:rPr lang="en-GB" dirty="0"/>
               <a:t>, </a:t>
             </a:r>
             <a:r>
-              <a:rPr lang="en-GB" err="1"/>
+              <a:rPr lang="en-GB" dirty="0" err="1"/>
               <a:t>sed</a:t>
             </a:r>
             <a:r>
-              <a:rPr lang="en-GB"/>
+              <a:rPr lang="en-GB" dirty="0"/>
               <a:t> dictum </a:t>
             </a:r>
             <a:r>
-              <a:rPr lang="en-GB" err="1"/>
+              <a:rPr lang="en-GB" dirty="0" err="1"/>
               <a:t>justo</a:t>
             </a:r>
             <a:r>
-              <a:rPr lang="en-GB"/>
-              <a:t> </a:t>
-            </a:r>
-            <a:r>
-              <a:rPr lang="en-GB" err="1"/>
+              <a:rPr lang="en-GB" dirty="0"/>
+              <a:t> </a:t>
+            </a:r>
+            <a:r>
+              <a:rPr lang="en-GB" dirty="0" err="1"/>
               <a:t>sagittis</a:t>
             </a:r>
             <a:r>
-              <a:rPr lang="en-GB"/>
+              <a:rPr lang="en-GB" dirty="0"/>
               <a:t> vel. Vestibulum </a:t>
             </a:r>
             <a:r>
-              <a:rPr lang="en-GB" err="1"/>
+              <a:rPr lang="en-GB" dirty="0" err="1"/>
               <a:t>bibendum</a:t>
             </a:r>
             <a:r>
-              <a:rPr lang="en-GB"/>
-              <a:t> </a:t>
-            </a:r>
-            <a:r>
-              <a:rPr lang="en-GB" err="1"/>
+              <a:rPr lang="en-GB" dirty="0"/>
+              <a:t> </a:t>
+            </a:r>
+            <a:r>
+              <a:rPr lang="en-GB" dirty="0" err="1"/>
               <a:t>erat</a:t>
             </a:r>
             <a:r>
-              <a:rPr lang="en-GB"/>
+              <a:rPr lang="en-GB" dirty="0"/>
               <a:t> non </a:t>
             </a:r>
             <a:r>
-              <a:rPr lang="en-GB" err="1"/>
+              <a:rPr lang="en-GB" dirty="0" err="1"/>
               <a:t>nunc</a:t>
             </a:r>
             <a:r>
-              <a:rPr lang="en-GB"/>
+              <a:rPr lang="en-GB" dirty="0"/>
               <a:t> </a:t>
             </a:r>
             <a:br>
-              <a:rPr lang="en-GB"/>
+              <a:rPr lang="en-GB" dirty="0"/>
             </a:br>
             <a:r>
-              <a:rPr lang="en-GB"/>
+              <a:rPr lang="en-GB" dirty="0"/>
               <a:t>maximus </a:t>
             </a:r>
             <a:r>
-              <a:rPr lang="en-GB" err="1"/>
+              <a:rPr lang="en-GB" dirty="0" err="1"/>
               <a:t>finibus</a:t>
             </a:r>
             <a:r>
-              <a:rPr lang="en-GB"/>
+              <a:rPr lang="en-GB" dirty="0"/>
               <a:t>.</a:t>
             </a:r>
-            <a:endParaRPr lang="en-US"/>
+            <a:endParaRPr lang="en-US" dirty="0"/>
           </a:p>
         </p:txBody>
       </p:sp>
@@ -6133,31 +5977,32 @@
       </p:grpSpPr>
       <p:pic>
         <p:nvPicPr>
-          <p:cNvPr id="4" name="図 5" descr="海の上を飛んでいる&#10;&#10;低い精度で自動的に生成された説明">
+          <p:cNvPr id="7" name="Picture 2">
             <a:extLst>
               <a:ext uri="{FF2B5EF4-FFF2-40B4-BE49-F238E27FC236}">
-                <a16:creationId xmlns:a16="http://schemas.microsoft.com/office/drawing/2014/main" id="{48645274-5491-0B58-8EEE-E705E4DD917D}"/>
+                <a16:creationId xmlns:a16="http://schemas.microsoft.com/office/drawing/2014/main" id="{73B5F3FC-E6A2-599F-B8FE-5E75DE31F778}"/>
               </a:ext>
             </a:extLst>
           </p:cNvPr>
           <p:cNvPicPr>
-            <a:picLocks noChangeAspect="1"/>
+            <a:picLocks noChangeAspect="1" noChangeArrowheads="1"/>
           </p:cNvPicPr>
           <p:nvPr userDrawn="1"/>
         </p:nvPicPr>
         <p:blipFill>
-          <a:blip r:embed="rId2" cstate="email">
+          <a:blip r:embed="rId2">
             <a:extLst>
               <a:ext uri="{28A0092B-C50C-407E-A947-70E740481C1C}">
-                <a14:useLocalDpi xmlns:a14="http://schemas.microsoft.com/office/drawing/2010/main"/>
+                <a14:useLocalDpi xmlns:a14="http://schemas.microsoft.com/office/drawing/2010/main" val="0"/>
               </a:ext>
             </a:extLst>
           </a:blip>
+          <a:srcRect/>
           <a:stretch>
             <a:fillRect/>
           </a:stretch>
         </p:blipFill>
-        <p:spPr>
+        <p:spPr bwMode="auto">
           <a:xfrm>
             <a:off x="0" y="0"/>
             <a:ext cx="12192000" cy="6858000"/>
@@ -6165,6 +6010,16 @@
           <a:prstGeom prst="rect">
             <a:avLst/>
           </a:prstGeom>
+          <a:noFill/>
+          <a:extLst>
+            <a:ext uri="{909E8E84-426E-40DD-AFC4-6F175D3DCCD1}">
+              <a14:hiddenFill xmlns:a14="http://schemas.microsoft.com/office/drawing/2010/main">
+                <a:solidFill>
+                  <a:srgbClr val="FFFFFF"/>
+                </a:solidFill>
+              </a14:hiddenFill>
+            </a:ext>
+          </a:extLst>
         </p:spPr>
       </p:pic>
       <p:sp>
@@ -6320,42 +6175,6 @@
           </a:p>
         </p:txBody>
       </p:sp>
-      <p:pic>
-        <p:nvPicPr>
-          <p:cNvPr id="11" name="図 1">
-            <a:extLst>
-              <a:ext uri="{FF2B5EF4-FFF2-40B4-BE49-F238E27FC236}">
-                <a16:creationId xmlns:a16="http://schemas.microsoft.com/office/drawing/2014/main" id="{580628EA-18B0-E603-FCC2-194C0441735F}"/>
-              </a:ext>
-            </a:extLst>
-          </p:cNvPr>
-          <p:cNvPicPr>
-            <a:picLocks noChangeAspect="1"/>
-          </p:cNvPicPr>
-          <p:nvPr userDrawn="1"/>
-        </p:nvPicPr>
-        <p:blipFill>
-          <a:blip r:embed="rId3" cstate="email">
-            <a:extLst>
-              <a:ext uri="{28A0092B-C50C-407E-A947-70E740481C1C}">
-                <a14:useLocalDpi xmlns:a14="http://schemas.microsoft.com/office/drawing/2010/main"/>
-              </a:ext>
-            </a:extLst>
-          </a:blip>
-          <a:stretch>
-            <a:fillRect/>
-          </a:stretch>
-        </p:blipFill>
-        <p:spPr>
-          <a:xfrm>
-            <a:off x="418742" y="6450941"/>
-            <a:ext cx="11093557" cy="176689"/>
-          </a:xfrm>
-          <a:prstGeom prst="rect">
-            <a:avLst/>
-          </a:prstGeom>
-        </p:spPr>
-      </p:pic>
       <p:sp>
         <p:nvSpPr>
           <p:cNvPr id="14" name="Text Placeholder 10">
@@ -6403,842 +6222,850 @@
               <a:tabLst>
                 <a:tab pos="620713" algn="l"/>
               </a:tabLst>
-              <a:defRPr sz="1200"/>
+              <a:defRPr sz="2000"/>
             </a:lvl1pPr>
           </a:lstStyle>
           <a:p>
             <a:r>
-              <a:rPr lang="en-GB"/>
+              <a:rPr lang="en-GB" dirty="0"/>
               <a:t>Lorem ipsum </a:t>
             </a:r>
             <a:r>
-              <a:rPr lang="en-GB" err="1"/>
+              <a:rPr lang="en-GB" dirty="0" err="1"/>
               <a:t>dolor</a:t>
             </a:r>
             <a:r>
-              <a:rPr lang="en-GB"/>
+              <a:rPr lang="en-GB" dirty="0"/>
               <a:t> sit </a:t>
             </a:r>
             <a:r>
-              <a:rPr lang="en-GB" err="1"/>
+              <a:rPr lang="en-GB" dirty="0" err="1"/>
               <a:t>amet</a:t>
             </a:r>
             <a:r>
-              <a:rPr lang="en-GB"/>
+              <a:rPr lang="en-GB" dirty="0"/>
               <a:t>, </a:t>
             </a:r>
             <a:r>
-              <a:rPr lang="en-GB" err="1"/>
+              <a:rPr lang="en-GB" dirty="0" err="1"/>
               <a:t>consectetur</a:t>
             </a:r>
             <a:r>
-              <a:rPr lang="en-GB"/>
-              <a:t> </a:t>
-            </a:r>
-            <a:r>
-              <a:rPr lang="en-GB" err="1"/>
+              <a:rPr lang="en-GB" dirty="0"/>
+              <a:t> </a:t>
+            </a:r>
+            <a:r>
+              <a:rPr lang="en-GB" dirty="0" err="1"/>
               <a:t>adipiscing</a:t>
             </a:r>
             <a:r>
-              <a:rPr lang="en-GB"/>
-              <a:t> </a:t>
-            </a:r>
-            <a:r>
-              <a:rPr lang="en-GB" err="1"/>
+              <a:rPr lang="en-GB" dirty="0"/>
+              <a:t> </a:t>
+            </a:r>
+            <a:r>
+              <a:rPr lang="en-GB" dirty="0" err="1"/>
               <a:t>elit</a:t>
             </a:r>
             <a:r>
-              <a:rPr lang="en-GB"/>
+              <a:rPr lang="en-GB" dirty="0"/>
               <a:t>. </a:t>
             </a:r>
             <a:r>
-              <a:rPr lang="en-GB" err="1"/>
+              <a:rPr lang="en-GB" dirty="0" err="1"/>
               <a:t>Sed</a:t>
             </a:r>
             <a:r>
-              <a:rPr lang="en-GB"/>
-              <a:t> </a:t>
-            </a:r>
-            <a:r>
-              <a:rPr lang="en-GB" err="1"/>
+              <a:rPr lang="en-GB" dirty="0"/>
+              <a:t> </a:t>
+            </a:r>
+            <a:r>
+              <a:rPr lang="en-GB" dirty="0" err="1"/>
               <a:t>facilisis</a:t>
             </a:r>
             <a:r>
-              <a:rPr lang="en-GB"/>
-              <a:t> </a:t>
-            </a:r>
-            <a:r>
-              <a:rPr lang="en-GB" err="1"/>
+              <a:rPr lang="en-GB" dirty="0"/>
+              <a:t> </a:t>
+            </a:r>
+            <a:r>
+              <a:rPr lang="en-GB" dirty="0" err="1"/>
               <a:t>orci</a:t>
             </a:r>
             <a:r>
-              <a:rPr lang="en-GB"/>
+              <a:rPr lang="en-GB" dirty="0"/>
               <a:t> sit </a:t>
             </a:r>
             <a:r>
-              <a:rPr lang="en-GB" err="1"/>
+              <a:rPr lang="en-GB" dirty="0" err="1"/>
               <a:t>amet</a:t>
             </a:r>
             <a:r>
-              <a:rPr lang="en-GB"/>
-              <a:t> </a:t>
-            </a:r>
-            <a:r>
-              <a:rPr lang="en-GB" err="1"/>
+              <a:rPr lang="en-GB" dirty="0"/>
+              <a:t> </a:t>
+            </a:r>
+            <a:r>
+              <a:rPr lang="en-GB" dirty="0" err="1"/>
               <a:t>hendrerit</a:t>
             </a:r>
             <a:r>
-              <a:rPr lang="en-GB"/>
+              <a:rPr lang="en-GB" dirty="0"/>
               <a:t> cursus. Morbi </a:t>
             </a:r>
             <a:r>
-              <a:rPr lang="en-GB" err="1"/>
+              <a:rPr lang="en-GB" dirty="0" err="1"/>
               <a:t>nunc</a:t>
             </a:r>
             <a:r>
-              <a:rPr lang="en-GB"/>
-              <a:t> </a:t>
-            </a:r>
-            <a:r>
-              <a:rPr lang="en-GB" err="1"/>
+              <a:rPr lang="en-GB" dirty="0"/>
+              <a:t> </a:t>
+            </a:r>
+            <a:r>
+              <a:rPr lang="en-GB" dirty="0" err="1"/>
               <a:t>tellus</a:t>
             </a:r>
             <a:r>
-              <a:rPr lang="en-GB"/>
+              <a:rPr lang="en-GB" dirty="0"/>
               <a:t>, </a:t>
             </a:r>
             <a:r>
-              <a:rPr lang="en-GB" err="1"/>
+              <a:rPr lang="en-GB" dirty="0" err="1"/>
               <a:t>dapibus</a:t>
             </a:r>
             <a:r>
-              <a:rPr lang="en-GB"/>
+              <a:rPr lang="en-GB" dirty="0"/>
               <a:t> id </a:t>
             </a:r>
             <a:r>
-              <a:rPr lang="en-GB" err="1"/>
+              <a:rPr lang="en-GB" dirty="0" err="1"/>
               <a:t>lectus</a:t>
             </a:r>
             <a:r>
-              <a:rPr lang="en-GB"/>
+              <a:rPr lang="en-GB" dirty="0"/>
               <a:t> at, </a:t>
             </a:r>
             <a:r>
-              <a:rPr lang="en-GB" err="1"/>
+              <a:rPr lang="en-GB" dirty="0" err="1"/>
               <a:t>posuere</a:t>
             </a:r>
             <a:r>
-              <a:rPr lang="en-GB"/>
-              <a:t> </a:t>
-            </a:r>
-            <a:r>
-              <a:rPr lang="en-GB" err="1"/>
+              <a:rPr lang="en-GB" dirty="0"/>
+              <a:t> </a:t>
+            </a:r>
+            <a:r>
+              <a:rPr lang="en-GB" dirty="0" err="1"/>
               <a:t>mattis</a:t>
             </a:r>
             <a:r>
-              <a:rPr lang="en-GB"/>
-              <a:t> </a:t>
-            </a:r>
-            <a:r>
-              <a:rPr lang="en-GB" err="1"/>
+              <a:rPr lang="en-GB" dirty="0"/>
+              <a:t> </a:t>
+            </a:r>
+            <a:r>
+              <a:rPr lang="en-GB" dirty="0" err="1"/>
               <a:t>tortor</a:t>
             </a:r>
             <a:r>
-              <a:rPr lang="en-GB"/>
+              <a:rPr lang="en-GB" dirty="0"/>
               <a:t>. Duis </a:t>
             </a:r>
             <a:r>
-              <a:rPr lang="en-GB" err="1"/>
+              <a:rPr lang="en-GB" dirty="0" err="1"/>
               <a:t>vehicula</a:t>
             </a:r>
             <a:r>
-              <a:rPr lang="en-GB"/>
-              <a:t> </a:t>
-            </a:r>
-            <a:r>
-              <a:rPr lang="en-GB" err="1"/>
+              <a:rPr lang="en-GB" dirty="0"/>
+              <a:t> </a:t>
+            </a:r>
+            <a:r>
+              <a:rPr lang="en-GB" dirty="0" err="1"/>
               <a:t>elementum</a:t>
             </a:r>
             <a:r>
-              <a:rPr lang="en-GB"/>
+              <a:rPr lang="en-GB" dirty="0"/>
               <a:t> ipsum, at </a:t>
             </a:r>
             <a:r>
-              <a:rPr lang="en-GB" err="1"/>
+              <a:rPr lang="en-GB" dirty="0" err="1"/>
               <a:t>viverra</a:t>
             </a:r>
             <a:r>
-              <a:rPr lang="en-GB"/>
+              <a:rPr lang="en-GB" dirty="0"/>
               <a:t> mi pharetra non. Nunc porta auctor </a:t>
             </a:r>
             <a:r>
-              <a:rPr lang="en-GB" err="1"/>
+              <a:rPr lang="en-GB" dirty="0" err="1"/>
               <a:t>nibh</a:t>
             </a:r>
             <a:r>
-              <a:rPr lang="en-GB"/>
-              <a:t> </a:t>
-            </a:r>
-            <a:r>
-              <a:rPr lang="en-GB" err="1"/>
+              <a:rPr lang="en-GB" dirty="0"/>
+              <a:t> </a:t>
+            </a:r>
+            <a:r>
+              <a:rPr lang="en-GB" dirty="0" err="1"/>
               <a:t>ut</a:t>
             </a:r>
             <a:r>
-              <a:rPr lang="en-GB"/>
+              <a:rPr lang="en-GB" dirty="0"/>
               <a:t> dictum. Integer sit </a:t>
             </a:r>
             <a:r>
-              <a:rPr lang="en-GB" err="1"/>
+              <a:rPr lang="en-GB" dirty="0" err="1"/>
               <a:t>amet</a:t>
             </a:r>
             <a:r>
-              <a:rPr lang="en-GB"/>
+              <a:rPr lang="en-GB" dirty="0"/>
               <a:t> ipsum at </a:t>
             </a:r>
             <a:r>
-              <a:rPr lang="en-GB" err="1"/>
+              <a:rPr lang="en-GB" dirty="0" err="1"/>
               <a:t>justo</a:t>
             </a:r>
             <a:r>
-              <a:rPr lang="en-GB"/>
+              <a:rPr lang="en-GB" dirty="0"/>
               <a:t> porta </a:t>
             </a:r>
             <a:r>
-              <a:rPr lang="en-GB" err="1"/>
+              <a:rPr lang="en-GB" dirty="0" err="1"/>
               <a:t>viverra</a:t>
             </a:r>
             <a:r>
-              <a:rPr lang="en-GB"/>
-              <a:t> </a:t>
-            </a:r>
-            <a:r>
-              <a:rPr lang="en-GB" err="1"/>
+              <a:rPr lang="en-GB" dirty="0"/>
+              <a:t> </a:t>
+            </a:r>
+            <a:r>
+              <a:rPr lang="en-GB" dirty="0" err="1"/>
               <a:t>ut</a:t>
             </a:r>
             <a:r>
-              <a:rPr lang="en-GB"/>
+              <a:rPr lang="en-GB" dirty="0"/>
               <a:t> non </a:t>
             </a:r>
             <a:r>
-              <a:rPr lang="en-GB" err="1"/>
+              <a:rPr lang="en-GB" dirty="0" err="1"/>
               <a:t>arcu</a:t>
             </a:r>
             <a:r>
-              <a:rPr lang="en-GB"/>
+              <a:rPr lang="en-GB" dirty="0"/>
               <a:t>. </a:t>
             </a:r>
           </a:p>
           <a:p>
             <a:r>
-              <a:rPr lang="en-GB" err="1"/>
+              <a:rPr lang="en-GB" dirty="0" err="1"/>
               <a:t>Praesent</a:t>
             </a:r>
             <a:r>
-              <a:rPr lang="en-GB"/>
-              <a:t> </a:t>
-            </a:r>
-            <a:r>
-              <a:rPr lang="en-GB" err="1"/>
+              <a:rPr lang="en-GB" dirty="0"/>
+              <a:t> </a:t>
+            </a:r>
+            <a:r>
+              <a:rPr lang="en-GB" dirty="0" err="1"/>
               <a:t>suscipit</a:t>
             </a:r>
             <a:r>
-              <a:rPr lang="en-GB"/>
-              <a:t> </a:t>
-            </a:r>
-            <a:r>
-              <a:rPr lang="en-GB" err="1"/>
+              <a:rPr lang="en-GB" dirty="0"/>
+              <a:t> </a:t>
+            </a:r>
+            <a:r>
+              <a:rPr lang="en-GB" dirty="0" err="1"/>
               <a:t>nulla</a:t>
             </a:r>
             <a:r>
-              <a:rPr lang="en-GB"/>
+              <a:rPr lang="en-GB" dirty="0"/>
               <a:t> dui, </a:t>
             </a:r>
             <a:r>
-              <a:rPr lang="en-GB" err="1"/>
+              <a:rPr lang="en-GB" dirty="0" err="1"/>
               <a:t>tristique</a:t>
             </a:r>
             <a:r>
-              <a:rPr lang="en-GB"/>
-              <a:t> </a:t>
-            </a:r>
-            <a:r>
-              <a:rPr lang="en-GB" err="1"/>
+              <a:rPr lang="en-GB" dirty="0"/>
+              <a:t> </a:t>
+            </a:r>
+            <a:r>
+              <a:rPr lang="en-GB" dirty="0" err="1"/>
               <a:t>vehicula</a:t>
             </a:r>
             <a:r>
-              <a:rPr lang="en-GB"/>
+              <a:rPr lang="en-GB" dirty="0"/>
               <a:t> ex </a:t>
             </a:r>
             <a:r>
-              <a:rPr lang="en-GB" err="1"/>
+              <a:rPr lang="en-GB" dirty="0" err="1"/>
               <a:t>tincidunt</a:t>
             </a:r>
             <a:r>
-              <a:rPr lang="en-GB"/>
+              <a:rPr lang="en-GB" dirty="0"/>
               <a:t> id. </a:t>
             </a:r>
             <a:r>
-              <a:rPr lang="en-GB" err="1"/>
+              <a:rPr lang="en-GB" dirty="0" err="1"/>
               <a:t>Quisque</a:t>
             </a:r>
             <a:r>
-              <a:rPr lang="en-GB"/>
-              <a:t> </a:t>
-            </a:r>
-            <a:r>
-              <a:rPr lang="en-GB" err="1"/>
+              <a:rPr lang="en-GB" dirty="0"/>
+              <a:t> </a:t>
+            </a:r>
+            <a:r>
+              <a:rPr lang="en-GB" dirty="0" err="1"/>
               <a:t>posuere</a:t>
             </a:r>
             <a:r>
-              <a:rPr lang="en-GB"/>
-              <a:t> </a:t>
-            </a:r>
-            <a:r>
-              <a:rPr lang="en-GB" err="1"/>
+              <a:rPr lang="en-GB" dirty="0"/>
+              <a:t> </a:t>
+            </a:r>
+            <a:r>
+              <a:rPr lang="en-GB" dirty="0" err="1"/>
               <a:t>dignissim</a:t>
             </a:r>
             <a:r>
-              <a:rPr lang="en-GB"/>
-              <a:t> </a:t>
-            </a:r>
-            <a:r>
-              <a:rPr lang="en-GB" err="1"/>
+              <a:rPr lang="en-GB" dirty="0"/>
+              <a:t> </a:t>
+            </a:r>
+            <a:r>
+              <a:rPr lang="en-GB" dirty="0" err="1"/>
               <a:t>dolor</a:t>
             </a:r>
             <a:r>
-              <a:rPr lang="en-GB"/>
+              <a:rPr lang="en-GB" dirty="0"/>
               <a:t> id </a:t>
             </a:r>
             <a:r>
-              <a:rPr lang="en-GB" err="1"/>
+              <a:rPr lang="en-GB" dirty="0" err="1"/>
               <a:t>rutrum</a:t>
             </a:r>
             <a:r>
-              <a:rPr lang="en-GB"/>
+              <a:rPr lang="en-GB" dirty="0"/>
               <a:t>. </a:t>
             </a:r>
             <a:r>
-              <a:rPr lang="en-GB" err="1"/>
+              <a:rPr lang="en-GB" dirty="0" err="1"/>
               <a:t>Quisque</a:t>
             </a:r>
             <a:r>
-              <a:rPr lang="en-GB"/>
-              <a:t> </a:t>
-            </a:r>
-            <a:r>
-              <a:rPr lang="en-GB" err="1"/>
+              <a:rPr lang="en-GB" dirty="0"/>
+              <a:t> </a:t>
+            </a:r>
+            <a:r>
+              <a:rPr lang="en-GB" dirty="0" err="1"/>
               <a:t>suscipit</a:t>
             </a:r>
             <a:r>
-              <a:rPr lang="en-GB"/>
-              <a:t> </a:t>
-            </a:r>
-            <a:r>
-              <a:rPr lang="en-GB" err="1"/>
+              <a:rPr lang="en-GB" dirty="0"/>
+              <a:t> </a:t>
+            </a:r>
+            <a:r>
+              <a:rPr lang="en-GB" dirty="0" err="1"/>
               <a:t>tincidunt</a:t>
             </a:r>
             <a:r>
-              <a:rPr lang="en-GB"/>
-              <a:t> </a:t>
-            </a:r>
-            <a:r>
-              <a:rPr lang="en-GB" err="1"/>
+              <a:rPr lang="en-GB" dirty="0"/>
+              <a:t> </a:t>
+            </a:r>
+            <a:r>
+              <a:rPr lang="en-GB" dirty="0" err="1"/>
               <a:t>arcu</a:t>
             </a:r>
             <a:r>
-              <a:rPr lang="en-GB"/>
-              <a:t> </a:t>
-            </a:r>
-            <a:r>
-              <a:rPr lang="en-GB" err="1"/>
+              <a:rPr lang="en-GB" dirty="0"/>
+              <a:t> </a:t>
+            </a:r>
+            <a:r>
+              <a:rPr lang="en-GB" dirty="0" err="1"/>
               <a:t>eget</a:t>
             </a:r>
             <a:r>
-              <a:rPr lang="en-GB"/>
-              <a:t> </a:t>
-            </a:r>
-            <a:r>
-              <a:rPr lang="en-GB" err="1"/>
+              <a:rPr lang="en-GB" dirty="0"/>
+              <a:t> </a:t>
+            </a:r>
+            <a:r>
+              <a:rPr lang="en-GB" dirty="0" err="1"/>
               <a:t>tincidunt</a:t>
             </a:r>
             <a:r>
-              <a:rPr lang="en-GB"/>
+              <a:rPr lang="en-GB" dirty="0"/>
               <a:t>.</a:t>
             </a:r>
           </a:p>
           <a:p>
             <a:r>
-              <a:rPr lang="en-GB" err="1"/>
+              <a:rPr lang="en-GB" dirty="0" err="1"/>
               <a:t>Suspendisse</a:t>
             </a:r>
             <a:r>
-              <a:rPr lang="en-GB"/>
-              <a:t> </a:t>
-            </a:r>
-            <a:r>
-              <a:rPr lang="en-GB" err="1"/>
+              <a:rPr lang="en-GB" dirty="0"/>
+              <a:t> </a:t>
+            </a:r>
+            <a:r>
+              <a:rPr lang="en-GB" dirty="0" err="1"/>
               <a:t>consectetur</a:t>
             </a:r>
             <a:r>
-              <a:rPr lang="en-GB"/>
-              <a:t> </a:t>
-            </a:r>
-            <a:r>
-              <a:rPr lang="en-GB" err="1"/>
+              <a:rPr lang="en-GB" dirty="0"/>
+              <a:t> </a:t>
+            </a:r>
+            <a:r>
+              <a:rPr lang="en-GB" dirty="0" err="1"/>
               <a:t>sollicitudin</a:t>
             </a:r>
             <a:r>
-              <a:rPr lang="en-GB"/>
-              <a:t> </a:t>
-            </a:r>
-            <a:r>
-              <a:rPr lang="en-GB" err="1"/>
+              <a:rPr lang="en-GB" dirty="0"/>
+              <a:t> </a:t>
+            </a:r>
+            <a:r>
+              <a:rPr lang="en-GB" dirty="0" err="1"/>
               <a:t>sollicitudin</a:t>
             </a:r>
             <a:r>
-              <a:rPr lang="en-GB"/>
+              <a:rPr lang="en-GB" dirty="0"/>
               <a:t>. </a:t>
             </a:r>
             <a:r>
-              <a:rPr lang="en-GB" err="1"/>
+              <a:rPr lang="en-GB" dirty="0" err="1"/>
               <a:t>Aliquam</a:t>
             </a:r>
             <a:r>
-              <a:rPr lang="en-GB"/>
-              <a:t> </a:t>
-            </a:r>
-            <a:r>
-              <a:rPr lang="en-GB" err="1"/>
+              <a:rPr lang="en-GB" dirty="0"/>
+              <a:t> </a:t>
+            </a:r>
+            <a:r>
+              <a:rPr lang="en-GB" dirty="0" err="1"/>
               <a:t>aliquet</a:t>
             </a:r>
             <a:r>
-              <a:rPr lang="en-GB"/>
-              <a:t> </a:t>
-            </a:r>
-            <a:r>
-              <a:rPr lang="en-GB" err="1"/>
+              <a:rPr lang="en-GB" dirty="0"/>
+              <a:t> </a:t>
+            </a:r>
+            <a:r>
+              <a:rPr lang="en-GB" dirty="0" err="1"/>
               <a:t>nibh</a:t>
             </a:r>
             <a:r>
-              <a:rPr lang="en-GB"/>
+              <a:rPr lang="en-GB" dirty="0"/>
               <a:t> sit </a:t>
             </a:r>
             <a:r>
-              <a:rPr lang="en-GB" err="1"/>
+              <a:rPr lang="en-GB" dirty="0" err="1"/>
               <a:t>amet</a:t>
             </a:r>
             <a:r>
-              <a:rPr lang="en-GB"/>
-              <a:t> </a:t>
-            </a:r>
-            <a:r>
-              <a:rPr lang="en-GB" err="1"/>
+              <a:rPr lang="en-GB" dirty="0"/>
+              <a:t> </a:t>
+            </a:r>
+            <a:r>
+              <a:rPr lang="en-GB" dirty="0" err="1"/>
               <a:t>tortor</a:t>
             </a:r>
             <a:r>
-              <a:rPr lang="en-GB"/>
-              <a:t> </a:t>
-            </a:r>
-            <a:r>
-              <a:rPr lang="en-GB" err="1"/>
+              <a:rPr lang="en-GB" dirty="0"/>
+              <a:t> </a:t>
+            </a:r>
+            <a:r>
+              <a:rPr lang="en-GB" dirty="0" err="1"/>
               <a:t>dignissim</a:t>
             </a:r>
             <a:r>
-              <a:rPr lang="en-GB"/>
+              <a:rPr lang="en-GB" dirty="0"/>
               <a:t>, vitae </a:t>
             </a:r>
             <a:r>
-              <a:rPr lang="en-GB" err="1"/>
+              <a:rPr lang="en-GB" dirty="0" err="1"/>
               <a:t>consequat</a:t>
             </a:r>
             <a:r>
-              <a:rPr lang="en-GB"/>
-              <a:t> </a:t>
-            </a:r>
-            <a:r>
-              <a:rPr lang="en-GB" err="1"/>
+              <a:rPr lang="en-GB" dirty="0"/>
+              <a:t> </a:t>
+            </a:r>
+            <a:r>
+              <a:rPr lang="en-GB" dirty="0" err="1"/>
               <a:t>orci</a:t>
             </a:r>
             <a:r>
-              <a:rPr lang="en-GB"/>
-              <a:t> </a:t>
-            </a:r>
-            <a:r>
-              <a:rPr lang="en-GB" err="1"/>
+              <a:rPr lang="en-GB" dirty="0"/>
+              <a:t> </a:t>
+            </a:r>
+            <a:r>
+              <a:rPr lang="en-GB" dirty="0" err="1"/>
               <a:t>vulputate</a:t>
             </a:r>
             <a:r>
-              <a:rPr lang="en-GB"/>
+              <a:rPr lang="en-GB" dirty="0"/>
               <a:t>. </a:t>
             </a:r>
             <a:r>
-              <a:rPr lang="en-GB" err="1"/>
+              <a:rPr lang="en-GB" dirty="0" err="1"/>
               <a:t>Suspendisse</a:t>
             </a:r>
             <a:r>
-              <a:rPr lang="en-GB"/>
-              <a:t> </a:t>
-            </a:r>
-            <a:r>
-              <a:rPr lang="en-GB" err="1"/>
+              <a:rPr lang="en-GB" dirty="0"/>
+              <a:t> </a:t>
+            </a:r>
+            <a:r>
+              <a:rPr lang="en-GB" dirty="0" err="1"/>
               <a:t>bibendum</a:t>
             </a:r>
             <a:r>
-              <a:rPr lang="en-GB"/>
+              <a:rPr lang="en-GB" dirty="0"/>
               <a:t> et </a:t>
             </a:r>
             <a:r>
-              <a:rPr lang="en-GB" err="1"/>
+              <a:rPr lang="en-GB" dirty="0" err="1"/>
               <a:t>diam</a:t>
             </a:r>
             <a:r>
-              <a:rPr lang="en-GB"/>
+              <a:rPr lang="en-GB" dirty="0"/>
               <a:t> et </a:t>
             </a:r>
             <a:r>
-              <a:rPr lang="en-GB" err="1"/>
+              <a:rPr lang="en-GB" dirty="0" err="1"/>
               <a:t>lobortis</a:t>
             </a:r>
             <a:r>
-              <a:rPr lang="en-GB"/>
+              <a:rPr lang="en-GB" dirty="0"/>
               <a:t>. </a:t>
             </a:r>
             <a:r>
-              <a:rPr lang="en-GB" err="1"/>
+              <a:rPr lang="en-GB" dirty="0" err="1"/>
               <a:t>Orci</a:t>
             </a:r>
             <a:r>
-              <a:rPr lang="en-GB"/>
-              <a:t> </a:t>
-            </a:r>
-            <a:r>
-              <a:rPr lang="en-GB" err="1"/>
+              <a:rPr lang="en-GB" dirty="0"/>
+              <a:t> </a:t>
+            </a:r>
+            <a:r>
+              <a:rPr lang="en-GB" dirty="0" err="1"/>
               <a:t>varius</a:t>
             </a:r>
             <a:r>
-              <a:rPr lang="en-GB"/>
-              <a:t> </a:t>
-            </a:r>
-            <a:r>
-              <a:rPr lang="en-GB" err="1"/>
+              <a:rPr lang="en-GB" dirty="0"/>
+              <a:t> </a:t>
+            </a:r>
+            <a:r>
+              <a:rPr lang="en-GB" dirty="0" err="1"/>
               <a:t>natoque</a:t>
             </a:r>
             <a:r>
-              <a:rPr lang="en-GB"/>
-              <a:t> </a:t>
-            </a:r>
-            <a:r>
-              <a:rPr lang="en-GB" err="1"/>
+              <a:rPr lang="en-GB" dirty="0"/>
+              <a:t> </a:t>
+            </a:r>
+            <a:r>
+              <a:rPr lang="en-GB" dirty="0" err="1"/>
               <a:t>penatibus</a:t>
             </a:r>
             <a:r>
-              <a:rPr lang="en-GB"/>
+              <a:rPr lang="en-GB" dirty="0"/>
               <a:t> et </a:t>
             </a:r>
             <a:r>
-              <a:rPr lang="en-GB" err="1"/>
+              <a:rPr lang="en-GB" dirty="0" err="1"/>
               <a:t>magnis</a:t>
             </a:r>
             <a:r>
-              <a:rPr lang="en-GB"/>
+              <a:rPr lang="en-GB" dirty="0"/>
               <a:t> dis parturient </a:t>
             </a:r>
             <a:r>
-              <a:rPr lang="en-GB" err="1"/>
+              <a:rPr lang="en-GB" dirty="0" err="1"/>
               <a:t>montes</a:t>
             </a:r>
             <a:r>
-              <a:rPr lang="en-GB"/>
+              <a:rPr lang="en-GB" dirty="0"/>
               <a:t>, </a:t>
             </a:r>
             <a:r>
-              <a:rPr lang="en-GB" err="1"/>
+              <a:rPr lang="en-GB" dirty="0" err="1"/>
               <a:t>nascetur</a:t>
             </a:r>
             <a:r>
-              <a:rPr lang="en-GB"/>
-              <a:t> </a:t>
-            </a:r>
-            <a:r>
-              <a:rPr lang="en-GB" err="1"/>
+              <a:rPr lang="en-GB" dirty="0"/>
+              <a:t> </a:t>
+            </a:r>
+            <a:r>
+              <a:rPr lang="en-GB" dirty="0" err="1"/>
               <a:t>ridiculus</a:t>
             </a:r>
             <a:r>
-              <a:rPr lang="en-GB"/>
+              <a:rPr lang="en-GB" dirty="0"/>
               <a:t> mus. </a:t>
             </a:r>
           </a:p>
           <a:p>
             <a:r>
-              <a:rPr lang="en-GB" err="1"/>
+              <a:rPr lang="en-GB" dirty="0" err="1"/>
               <a:t>Mauris</a:t>
             </a:r>
             <a:r>
-              <a:rPr lang="en-GB"/>
+              <a:rPr lang="en-GB" dirty="0"/>
               <a:t> ipsum nisi, </a:t>
             </a:r>
             <a:r>
-              <a:rPr lang="en-GB" err="1"/>
+              <a:rPr lang="en-GB" dirty="0" err="1"/>
               <a:t>finibus</a:t>
             </a:r>
             <a:r>
-              <a:rPr lang="en-GB"/>
-              <a:t> </a:t>
-            </a:r>
-            <a:r>
-              <a:rPr lang="en-GB" err="1"/>
+              <a:rPr lang="en-GB" dirty="0"/>
+              <a:t> </a:t>
+            </a:r>
+            <a:r>
+              <a:rPr lang="en-GB" dirty="0" err="1"/>
               <a:t>faucibus</a:t>
             </a:r>
             <a:r>
-              <a:rPr lang="en-GB"/>
-              <a:t> </a:t>
-            </a:r>
-            <a:r>
-              <a:rPr lang="en-GB" err="1"/>
+              <a:rPr lang="en-GB" dirty="0"/>
+              <a:t> </a:t>
+            </a:r>
+            <a:r>
+              <a:rPr lang="en-GB" dirty="0" err="1"/>
               <a:t>mattis</a:t>
             </a:r>
             <a:r>
-              <a:rPr lang="en-GB"/>
-              <a:t> </a:t>
-            </a:r>
-            <a:r>
-              <a:rPr lang="en-GB" err="1"/>
+              <a:rPr lang="en-GB" dirty="0"/>
+              <a:t> </a:t>
+            </a:r>
+            <a:r>
+              <a:rPr lang="en-GB" dirty="0" err="1"/>
               <a:t>ut</a:t>
             </a:r>
             <a:r>
-              <a:rPr lang="en-GB"/>
+              <a:rPr lang="en-GB" dirty="0"/>
               <a:t>, </a:t>
             </a:r>
             <a:r>
-              <a:rPr lang="en-GB" err="1"/>
+              <a:rPr lang="en-GB" dirty="0" err="1"/>
               <a:t>vulputate</a:t>
             </a:r>
             <a:r>
-              <a:rPr lang="en-GB"/>
-              <a:t> </a:t>
-            </a:r>
-            <a:r>
-              <a:rPr lang="en-GB" err="1"/>
+              <a:rPr lang="en-GB" dirty="0"/>
+              <a:t> </a:t>
+            </a:r>
+            <a:r>
+              <a:rPr lang="en-GB" dirty="0" err="1"/>
               <a:t>vulputate</a:t>
             </a:r>
             <a:r>
-              <a:rPr lang="en-GB"/>
+              <a:rPr lang="en-GB" dirty="0"/>
               <a:t> ligula. Duis a </a:t>
             </a:r>
             <a:r>
-              <a:rPr lang="en-GB" err="1"/>
+              <a:rPr lang="en-GB" dirty="0" err="1"/>
               <a:t>pellentesque</a:t>
             </a:r>
             <a:r>
-              <a:rPr lang="en-GB"/>
-              <a:t> </a:t>
-            </a:r>
-            <a:r>
-              <a:rPr lang="en-GB" err="1"/>
+              <a:rPr lang="en-GB" dirty="0"/>
+              <a:t> </a:t>
+            </a:r>
+            <a:r>
+              <a:rPr lang="en-GB" dirty="0" err="1"/>
               <a:t>tortor</a:t>
             </a:r>
             <a:r>
-              <a:rPr lang="en-GB"/>
+              <a:rPr lang="en-GB" dirty="0"/>
               <a:t>. </a:t>
             </a:r>
             <a:r>
-              <a:rPr lang="en-GB" err="1"/>
+              <a:rPr lang="en-GB" dirty="0" err="1"/>
               <a:t>Vivamus</a:t>
             </a:r>
             <a:r>
-              <a:rPr lang="en-GB"/>
-              <a:t> </a:t>
-            </a:r>
-            <a:r>
-              <a:rPr lang="en-GB" err="1"/>
+              <a:rPr lang="en-GB" dirty="0"/>
+              <a:t> </a:t>
+            </a:r>
+            <a:r>
+              <a:rPr lang="en-GB" dirty="0" err="1"/>
               <a:t>urna</a:t>
             </a:r>
             <a:r>
-              <a:rPr lang="en-GB"/>
-              <a:t> </a:t>
-            </a:r>
-            <a:r>
-              <a:rPr lang="en-GB" err="1"/>
+              <a:rPr lang="en-GB" dirty="0"/>
+              <a:t> </a:t>
+            </a:r>
+            <a:r>
+              <a:rPr lang="en-GB" dirty="0" err="1"/>
               <a:t>lacus</a:t>
             </a:r>
             <a:r>
-              <a:rPr lang="en-GB"/>
+              <a:rPr lang="en-GB" dirty="0"/>
               <a:t>, </a:t>
             </a:r>
             <a:r>
-              <a:rPr lang="en-GB" err="1"/>
+              <a:rPr lang="en-GB" dirty="0" err="1"/>
               <a:t>ultrices</a:t>
             </a:r>
             <a:r>
-              <a:rPr lang="en-GB"/>
-              <a:t> </a:t>
-            </a:r>
-            <a:r>
-              <a:rPr lang="en-GB" err="1"/>
+              <a:rPr lang="en-GB" dirty="0"/>
+              <a:t> </a:t>
+            </a:r>
+            <a:r>
+              <a:rPr lang="en-GB" dirty="0" err="1"/>
               <a:t>quis</a:t>
             </a:r>
             <a:r>
-              <a:rPr lang="en-GB"/>
-              <a:t> </a:t>
-            </a:r>
-            <a:r>
-              <a:rPr lang="en-GB" err="1"/>
+              <a:rPr lang="en-GB" dirty="0"/>
+              <a:t> </a:t>
+            </a:r>
+            <a:r>
+              <a:rPr lang="en-GB" dirty="0" err="1"/>
               <a:t>felis</a:t>
             </a:r>
             <a:r>
-              <a:rPr lang="en-GB"/>
+              <a:rPr lang="en-GB" dirty="0"/>
               <a:t> at, </a:t>
             </a:r>
             <a:r>
-              <a:rPr lang="en-GB" err="1"/>
+              <a:rPr lang="en-GB" dirty="0" err="1"/>
               <a:t>tempor</a:t>
             </a:r>
             <a:r>
-              <a:rPr lang="en-GB"/>
-              <a:t> </a:t>
-            </a:r>
-            <a:r>
-              <a:rPr lang="en-GB" err="1"/>
+              <a:rPr lang="en-GB" dirty="0"/>
+              <a:t> </a:t>
+            </a:r>
+            <a:r>
+              <a:rPr lang="en-GB" dirty="0" err="1"/>
               <a:t>accumsan</a:t>
             </a:r>
             <a:r>
-              <a:rPr lang="en-GB"/>
-              <a:t> </a:t>
-            </a:r>
-            <a:r>
-              <a:rPr lang="en-GB" err="1"/>
+              <a:rPr lang="en-GB" dirty="0"/>
+              <a:t> </a:t>
+            </a:r>
+            <a:r>
+              <a:rPr lang="en-GB" dirty="0" err="1"/>
               <a:t>lectus</a:t>
             </a:r>
             <a:r>
-              <a:rPr lang="en-GB"/>
+              <a:rPr lang="en-GB" dirty="0"/>
               <a:t>. Vestibulum ante ipsum </a:t>
             </a:r>
             <a:r>
-              <a:rPr lang="en-GB" err="1"/>
+              <a:rPr lang="en-GB" dirty="0" err="1"/>
               <a:t>primis</a:t>
             </a:r>
             <a:r>
-              <a:rPr lang="en-GB"/>
+              <a:rPr lang="en-GB" dirty="0"/>
               <a:t> in </a:t>
             </a:r>
             <a:r>
-              <a:rPr lang="en-GB" err="1"/>
+              <a:rPr lang="en-GB" dirty="0" err="1"/>
               <a:t>faucibus</a:t>
             </a:r>
             <a:r>
-              <a:rPr lang="en-GB"/>
-              <a:t> </a:t>
-            </a:r>
-            <a:r>
-              <a:rPr lang="en-GB" err="1"/>
+              <a:rPr lang="en-GB" dirty="0"/>
+              <a:t> </a:t>
+            </a:r>
+            <a:r>
+              <a:rPr lang="en-GB" dirty="0" err="1"/>
               <a:t>orci</a:t>
             </a:r>
             <a:r>
-              <a:rPr lang="en-GB"/>
-              <a:t> </a:t>
-            </a:r>
-            <a:r>
-              <a:rPr lang="en-GB" err="1"/>
+              <a:rPr lang="en-GB" dirty="0"/>
+              <a:t> </a:t>
+            </a:r>
+            <a:r>
+              <a:rPr lang="en-GB" dirty="0" err="1"/>
               <a:t>luctus</a:t>
             </a:r>
             <a:r>
-              <a:rPr lang="en-GB"/>
+              <a:rPr lang="en-GB" dirty="0"/>
               <a:t> et </a:t>
             </a:r>
             <a:r>
-              <a:rPr lang="en-GB" err="1"/>
+              <a:rPr lang="en-GB" dirty="0" err="1"/>
               <a:t>ultrices</a:t>
             </a:r>
             <a:r>
-              <a:rPr lang="en-GB"/>
-              <a:t> </a:t>
-            </a:r>
-            <a:r>
-              <a:rPr lang="en-GB" err="1"/>
+              <a:rPr lang="en-GB" dirty="0"/>
+              <a:t> </a:t>
+            </a:r>
+            <a:r>
+              <a:rPr lang="en-GB" dirty="0" err="1"/>
               <a:t>posuere</a:t>
             </a:r>
             <a:r>
-              <a:rPr lang="en-GB"/>
-              <a:t> </a:t>
-            </a:r>
-            <a:r>
-              <a:rPr lang="en-GB" err="1"/>
+              <a:rPr lang="en-GB" dirty="0"/>
+              <a:t> </a:t>
+            </a:r>
+            <a:r>
+              <a:rPr lang="en-GB" dirty="0" err="1"/>
               <a:t>cubilia</a:t>
             </a:r>
             <a:r>
-              <a:rPr lang="en-GB"/>
-              <a:t> curae; Duis </a:t>
-            </a:r>
-            <a:r>
-              <a:rPr lang="en-GB" err="1"/>
+              <a:rPr lang="en-GB" dirty="0"/>
+              <a:t> </a:t>
+            </a:r>
+            <a:r>
+              <a:rPr lang="en-GB" dirty="0" err="1"/>
+              <a:t>curae</a:t>
+            </a:r>
+            <a:r>
+              <a:rPr lang="en-GB" dirty="0"/>
+              <a:t>; Duis </a:t>
+            </a:r>
+            <a:r>
+              <a:rPr lang="en-GB" dirty="0" err="1"/>
               <a:t>mauris</a:t>
             </a:r>
             <a:r>
-              <a:rPr lang="en-GB"/>
-              <a:t> </a:t>
-            </a:r>
-            <a:r>
-              <a:rPr lang="en-GB" err="1"/>
+              <a:rPr lang="en-GB" dirty="0"/>
+              <a:t> </a:t>
+            </a:r>
+            <a:r>
+              <a:rPr lang="en-GB" dirty="0" err="1"/>
               <a:t>justo</a:t>
             </a:r>
             <a:r>
-              <a:rPr lang="en-GB"/>
+              <a:rPr lang="en-GB" dirty="0"/>
               <a:t>, </a:t>
             </a:r>
             <a:r>
-              <a:rPr lang="en-GB" err="1"/>
+              <a:rPr lang="en-GB" dirty="0" err="1"/>
               <a:t>bibendum</a:t>
             </a:r>
             <a:r>
-              <a:rPr lang="en-GB"/>
-              <a:t> </a:t>
-            </a:r>
-            <a:r>
-              <a:rPr lang="en-GB" err="1"/>
+              <a:rPr lang="en-GB" dirty="0"/>
+              <a:t> </a:t>
+            </a:r>
+            <a:r>
+              <a:rPr lang="en-GB" dirty="0" err="1"/>
               <a:t>quis</a:t>
             </a:r>
             <a:r>
-              <a:rPr lang="en-GB"/>
-              <a:t> </a:t>
-            </a:r>
-            <a:r>
-              <a:rPr lang="en-GB" err="1"/>
+              <a:rPr lang="en-GB" dirty="0"/>
+              <a:t> </a:t>
+            </a:r>
+            <a:r>
+              <a:rPr lang="en-GB" dirty="0" err="1"/>
               <a:t>sollicitudin</a:t>
             </a:r>
             <a:r>
-              <a:rPr lang="en-GB"/>
-              <a:t> </a:t>
-            </a:r>
-            <a:r>
-              <a:rPr lang="en-GB" err="1"/>
+              <a:rPr lang="en-GB" dirty="0"/>
+              <a:t> </a:t>
+            </a:r>
+            <a:r>
+              <a:rPr lang="en-GB" dirty="0" err="1"/>
               <a:t>sed</a:t>
             </a:r>
             <a:r>
-              <a:rPr lang="en-GB"/>
+              <a:rPr lang="en-GB" dirty="0"/>
               <a:t>, </a:t>
             </a:r>
             <a:r>
-              <a:rPr lang="en-GB" err="1"/>
+              <a:rPr lang="en-GB" dirty="0" err="1"/>
               <a:t>porttitor</a:t>
             </a:r>
             <a:r>
-              <a:rPr lang="en-GB"/>
-              <a:t> </a:t>
-            </a:r>
-            <a:r>
-              <a:rPr lang="en-GB" err="1"/>
+              <a:rPr lang="en-GB" dirty="0"/>
+              <a:t> </a:t>
+            </a:r>
+            <a:r>
+              <a:rPr lang="en-GB" dirty="0" err="1"/>
               <a:t>congue</a:t>
             </a:r>
             <a:r>
-              <a:rPr lang="en-GB"/>
-              <a:t> </a:t>
-            </a:r>
-            <a:r>
-              <a:rPr lang="en-GB" err="1"/>
+              <a:rPr lang="en-GB" dirty="0"/>
+              <a:t> </a:t>
+            </a:r>
+            <a:r>
+              <a:rPr lang="en-GB" dirty="0" err="1"/>
               <a:t>metus</a:t>
             </a:r>
             <a:r>
-              <a:rPr lang="en-GB"/>
+              <a:rPr lang="en-GB" dirty="0"/>
               <a:t>. </a:t>
             </a:r>
           </a:p>
@@ -7351,38 +7178,49 @@
       </p:grpSpPr>
       <p:pic>
         <p:nvPicPr>
-          <p:cNvPr id="4" name="図 5" descr="海の上を飛んでいる&#10;&#10;低い精度で自動的に生成された説明">
+          <p:cNvPr id="8" name="Picture 2">
             <a:extLst>
               <a:ext uri="{FF2B5EF4-FFF2-40B4-BE49-F238E27FC236}">
-                <a16:creationId xmlns:a16="http://schemas.microsoft.com/office/drawing/2014/main" id="{48645274-5491-0B58-8EEE-E705E4DD917D}"/>
+                <a16:creationId xmlns:a16="http://schemas.microsoft.com/office/drawing/2014/main" id="{3C291B9E-12B3-0C27-AA41-30095E8A88B8}"/>
               </a:ext>
             </a:extLst>
           </p:cNvPr>
           <p:cNvPicPr>
-            <a:picLocks noChangeAspect="1"/>
+            <a:picLocks noChangeAspect="1" noChangeArrowheads="1"/>
           </p:cNvPicPr>
           <p:nvPr userDrawn="1"/>
         </p:nvPicPr>
         <p:blipFill>
-          <a:blip r:embed="rId2" cstate="email">
+          <a:blip r:embed="rId2">
             <a:extLst>
               <a:ext uri="{28A0092B-C50C-407E-A947-70E740481C1C}">
-                <a14:useLocalDpi xmlns:a14="http://schemas.microsoft.com/office/drawing/2010/main"/>
+                <a14:useLocalDpi xmlns:a14="http://schemas.microsoft.com/office/drawing/2010/main" val="0"/>
               </a:ext>
             </a:extLst>
           </a:blip>
+          <a:srcRect/>
           <a:stretch>
             <a:fillRect/>
           </a:stretch>
         </p:blipFill>
-        <p:spPr>
+        <p:spPr bwMode="auto">
           <a:xfrm>
             <a:off x="0" y="0"/>
-            <a:ext cx="12192000" cy="6858000"/>
+            <a:ext cx="8154649" cy="6858000"/>
           </a:xfrm>
           <a:prstGeom prst="rect">
             <a:avLst/>
           </a:prstGeom>
+          <a:noFill/>
+          <a:extLst>
+            <a:ext uri="{909E8E84-426E-40DD-AFC4-6F175D3DCCD1}">
+              <a14:hiddenFill xmlns:a14="http://schemas.microsoft.com/office/drawing/2010/main">
+                <a:solidFill>
+                  <a:srgbClr val="FFFFFF"/>
+                </a:solidFill>
+              </a14:hiddenFill>
+            </a:ext>
+          </a:extLst>
         </p:spPr>
       </p:pic>
       <p:sp>
@@ -7416,7 +7254,7 @@
           </a:bodyPr>
           <a:lstStyle>
             <a:lvl1pPr>
-              <a:defRPr lang="en-GB" dirty="0"/>
+              <a:defRPr lang="en-GB" sz="2000" dirty="0"/>
             </a:lvl1pPr>
           </a:lstStyle>
           <a:p>
@@ -7431,223 +7269,223 @@
               </a:tabLst>
             </a:pPr>
             <a:r>
-              <a:rPr lang="en-GB"/>
+              <a:rPr lang="en-GB" dirty="0"/>
               <a:t>Lorem ipsum </a:t>
             </a:r>
             <a:r>
-              <a:rPr lang="en-GB" err="1"/>
+              <a:rPr lang="en-GB" dirty="0" err="1"/>
               <a:t>dolor</a:t>
             </a:r>
             <a:r>
-              <a:rPr lang="en-GB"/>
+              <a:rPr lang="en-GB" dirty="0"/>
               <a:t> sit </a:t>
             </a:r>
             <a:r>
-              <a:rPr lang="en-GB" err="1"/>
+              <a:rPr lang="en-GB" dirty="0" err="1"/>
               <a:t>amet</a:t>
             </a:r>
             <a:r>
-              <a:rPr lang="en-GB"/>
+              <a:rPr lang="en-GB" dirty="0"/>
               <a:t>, </a:t>
             </a:r>
             <a:r>
-              <a:rPr lang="en-GB" err="1"/>
+              <a:rPr lang="en-GB" dirty="0" err="1"/>
               <a:t>consectetur</a:t>
             </a:r>
             <a:r>
-              <a:rPr lang="en-GB"/>
-              <a:t> </a:t>
-            </a:r>
-            <a:r>
-              <a:rPr lang="en-GB" err="1"/>
+              <a:rPr lang="en-GB" dirty="0"/>
+              <a:t> </a:t>
+            </a:r>
+            <a:r>
+              <a:rPr lang="en-GB" dirty="0" err="1"/>
               <a:t>adipiscing</a:t>
             </a:r>
             <a:r>
-              <a:rPr lang="en-GB"/>
-              <a:t> </a:t>
-            </a:r>
-            <a:r>
-              <a:rPr lang="en-GB" err="1"/>
+              <a:rPr lang="en-GB" dirty="0"/>
+              <a:t> </a:t>
+            </a:r>
+            <a:r>
+              <a:rPr lang="en-GB" dirty="0" err="1"/>
               <a:t>elit</a:t>
             </a:r>
             <a:r>
-              <a:rPr lang="en-GB"/>
+              <a:rPr lang="en-GB" dirty="0"/>
               <a:t>. </a:t>
             </a:r>
             <a:r>
-              <a:rPr lang="en-GB" err="1"/>
+              <a:rPr lang="en-GB" dirty="0" err="1"/>
               <a:t>Sed</a:t>
             </a:r>
             <a:r>
-              <a:rPr lang="en-GB"/>
-              <a:t> </a:t>
-            </a:r>
-            <a:r>
-              <a:rPr lang="en-GB" err="1"/>
+              <a:rPr lang="en-GB" dirty="0"/>
+              <a:t> </a:t>
+            </a:r>
+            <a:r>
+              <a:rPr lang="en-GB" dirty="0" err="1"/>
               <a:t>facilisis</a:t>
             </a:r>
             <a:r>
-              <a:rPr lang="en-GB"/>
-              <a:t> </a:t>
-            </a:r>
-            <a:r>
-              <a:rPr lang="en-GB" err="1"/>
+              <a:rPr lang="en-GB" dirty="0"/>
+              <a:t> </a:t>
+            </a:r>
+            <a:r>
+              <a:rPr lang="en-GB" dirty="0" err="1"/>
               <a:t>orci</a:t>
             </a:r>
             <a:r>
-              <a:rPr lang="en-GB"/>
+              <a:rPr lang="en-GB" dirty="0"/>
               <a:t> sit </a:t>
             </a:r>
             <a:r>
-              <a:rPr lang="en-GB" err="1"/>
+              <a:rPr lang="en-GB" dirty="0" err="1"/>
               <a:t>amet</a:t>
             </a:r>
             <a:r>
-              <a:rPr lang="en-GB"/>
-              <a:t> </a:t>
-            </a:r>
-            <a:r>
-              <a:rPr lang="en-GB" err="1"/>
+              <a:rPr lang="en-GB" dirty="0"/>
+              <a:t> </a:t>
+            </a:r>
+            <a:r>
+              <a:rPr lang="en-GB" dirty="0" err="1"/>
               <a:t>hendrerit</a:t>
             </a:r>
             <a:r>
-              <a:rPr lang="en-GB"/>
+              <a:rPr lang="en-GB" dirty="0"/>
               <a:t> cursus. Morbi </a:t>
             </a:r>
             <a:r>
-              <a:rPr lang="en-GB" err="1"/>
+              <a:rPr lang="en-GB" dirty="0" err="1"/>
               <a:t>nunc</a:t>
             </a:r>
             <a:r>
-              <a:rPr lang="en-GB"/>
-              <a:t> </a:t>
-            </a:r>
-            <a:r>
-              <a:rPr lang="en-GB" err="1"/>
+              <a:rPr lang="en-GB" dirty="0"/>
+              <a:t> </a:t>
+            </a:r>
+            <a:r>
+              <a:rPr lang="en-GB" dirty="0" err="1"/>
               <a:t>tellus</a:t>
             </a:r>
             <a:r>
-              <a:rPr lang="en-GB"/>
+              <a:rPr lang="en-GB" dirty="0"/>
               <a:t>, </a:t>
             </a:r>
             <a:r>
-              <a:rPr lang="en-GB" err="1"/>
+              <a:rPr lang="en-GB" dirty="0" err="1"/>
               <a:t>dapibus</a:t>
             </a:r>
             <a:r>
-              <a:rPr lang="en-GB"/>
+              <a:rPr lang="en-GB" dirty="0"/>
               <a:t> id </a:t>
             </a:r>
             <a:r>
-              <a:rPr lang="en-GB" err="1"/>
+              <a:rPr lang="en-GB" dirty="0" err="1"/>
               <a:t>lectus</a:t>
             </a:r>
             <a:r>
-              <a:rPr lang="en-GB"/>
+              <a:rPr lang="en-GB" dirty="0"/>
               <a:t> at, </a:t>
             </a:r>
             <a:r>
-              <a:rPr lang="en-GB" err="1"/>
+              <a:rPr lang="en-GB" dirty="0" err="1"/>
               <a:t>posuere</a:t>
             </a:r>
             <a:r>
-              <a:rPr lang="en-GB"/>
-              <a:t> </a:t>
-            </a:r>
-            <a:r>
-              <a:rPr lang="en-GB" err="1"/>
+              <a:rPr lang="en-GB" dirty="0"/>
+              <a:t> </a:t>
+            </a:r>
+            <a:r>
+              <a:rPr lang="en-GB" dirty="0" err="1"/>
               <a:t>mattis</a:t>
             </a:r>
             <a:r>
-              <a:rPr lang="en-GB"/>
-              <a:t> </a:t>
-            </a:r>
-            <a:r>
-              <a:rPr lang="en-GB" err="1"/>
+              <a:rPr lang="en-GB" dirty="0"/>
+              <a:t> </a:t>
+            </a:r>
+            <a:r>
+              <a:rPr lang="en-GB" dirty="0" err="1"/>
               <a:t>tortor</a:t>
             </a:r>
             <a:r>
-              <a:rPr lang="en-GB"/>
+              <a:rPr lang="en-GB" dirty="0"/>
               <a:t>. Duis </a:t>
             </a:r>
             <a:r>
-              <a:rPr lang="en-GB" err="1"/>
+              <a:rPr lang="en-GB" dirty="0" err="1"/>
               <a:t>vehicula</a:t>
             </a:r>
             <a:r>
-              <a:rPr lang="en-GB"/>
-              <a:t> </a:t>
-            </a:r>
-            <a:r>
-              <a:rPr lang="en-GB" err="1"/>
+              <a:rPr lang="en-GB" dirty="0"/>
+              <a:t> </a:t>
+            </a:r>
+            <a:r>
+              <a:rPr lang="en-GB" dirty="0" err="1"/>
               <a:t>elementum</a:t>
             </a:r>
             <a:r>
-              <a:rPr lang="en-GB"/>
+              <a:rPr lang="en-GB" dirty="0"/>
               <a:t> ipsum, at </a:t>
             </a:r>
             <a:r>
-              <a:rPr lang="en-GB" err="1"/>
+              <a:rPr lang="en-GB" dirty="0" err="1"/>
               <a:t>viverra</a:t>
             </a:r>
             <a:r>
-              <a:rPr lang="en-GB"/>
+              <a:rPr lang="en-GB" dirty="0"/>
               <a:t> mi pharetra non. Nunc porta auctor </a:t>
             </a:r>
             <a:r>
-              <a:rPr lang="en-GB" err="1"/>
+              <a:rPr lang="en-GB" dirty="0" err="1"/>
               <a:t>nibh</a:t>
             </a:r>
             <a:r>
-              <a:rPr lang="en-GB"/>
-              <a:t> </a:t>
-            </a:r>
-            <a:r>
-              <a:rPr lang="en-GB" err="1"/>
+              <a:rPr lang="en-GB" dirty="0"/>
+              <a:t> </a:t>
+            </a:r>
+            <a:r>
+              <a:rPr lang="en-GB" dirty="0" err="1"/>
               <a:t>ut</a:t>
             </a:r>
             <a:r>
-              <a:rPr lang="en-GB"/>
+              <a:rPr lang="en-GB" dirty="0"/>
               <a:t> dictum. Integer sit </a:t>
             </a:r>
             <a:r>
-              <a:rPr lang="en-GB" err="1"/>
+              <a:rPr lang="en-GB" dirty="0" err="1"/>
               <a:t>amet</a:t>
             </a:r>
             <a:r>
-              <a:rPr lang="en-GB"/>
+              <a:rPr lang="en-GB" dirty="0"/>
               <a:t> ipsum at </a:t>
             </a:r>
             <a:r>
-              <a:rPr lang="en-GB" err="1"/>
+              <a:rPr lang="en-GB" dirty="0" err="1"/>
               <a:t>justo</a:t>
             </a:r>
             <a:r>
-              <a:rPr lang="en-GB"/>
+              <a:rPr lang="en-GB" dirty="0"/>
               <a:t> porta </a:t>
             </a:r>
             <a:r>
-              <a:rPr lang="en-GB" err="1"/>
+              <a:rPr lang="en-GB" dirty="0" err="1"/>
               <a:t>viverra</a:t>
             </a:r>
             <a:r>
-              <a:rPr lang="en-GB"/>
-              <a:t> </a:t>
-            </a:r>
-            <a:r>
-              <a:rPr lang="en-GB" err="1"/>
+              <a:rPr lang="en-GB" dirty="0"/>
+              <a:t> </a:t>
+            </a:r>
+            <a:r>
+              <a:rPr lang="en-GB" dirty="0" err="1"/>
               <a:t>ut</a:t>
             </a:r>
             <a:r>
-              <a:rPr lang="en-GB"/>
+              <a:rPr lang="en-GB" dirty="0"/>
               <a:t> non </a:t>
             </a:r>
             <a:r>
-              <a:rPr lang="en-GB" err="1"/>
+              <a:rPr lang="en-GB" dirty="0" err="1"/>
               <a:t>arcu</a:t>
             </a:r>
             <a:r>
-              <a:rPr lang="en-GB"/>
+              <a:rPr lang="en-GB" dirty="0"/>
               <a:t>. </a:t>
             </a:r>
           </a:p>
@@ -7663,139 +7501,139 @@
               </a:tabLst>
             </a:pPr>
             <a:r>
-              <a:rPr lang="en-GB" err="1"/>
+              <a:rPr lang="en-GB" dirty="0" err="1"/>
               <a:t>Praesent</a:t>
             </a:r>
             <a:r>
-              <a:rPr lang="en-GB"/>
-              <a:t> </a:t>
-            </a:r>
-            <a:r>
-              <a:rPr lang="en-GB" err="1"/>
+              <a:rPr lang="en-GB" dirty="0"/>
+              <a:t> </a:t>
+            </a:r>
+            <a:r>
+              <a:rPr lang="en-GB" dirty="0" err="1"/>
               <a:t>suscipit</a:t>
             </a:r>
             <a:r>
-              <a:rPr lang="en-GB"/>
-              <a:t> </a:t>
-            </a:r>
-            <a:r>
-              <a:rPr lang="en-GB" err="1"/>
+              <a:rPr lang="en-GB" dirty="0"/>
+              <a:t> </a:t>
+            </a:r>
+            <a:r>
+              <a:rPr lang="en-GB" dirty="0" err="1"/>
               <a:t>nulla</a:t>
             </a:r>
             <a:r>
-              <a:rPr lang="en-GB"/>
+              <a:rPr lang="en-GB" dirty="0"/>
               <a:t> dui, </a:t>
             </a:r>
             <a:r>
-              <a:rPr lang="en-GB" err="1"/>
+              <a:rPr lang="en-GB" dirty="0" err="1"/>
               <a:t>tristique</a:t>
             </a:r>
             <a:r>
-              <a:rPr lang="en-GB"/>
-              <a:t> </a:t>
-            </a:r>
-            <a:r>
-              <a:rPr lang="en-GB" err="1"/>
+              <a:rPr lang="en-GB" dirty="0"/>
+              <a:t> </a:t>
+            </a:r>
+            <a:r>
+              <a:rPr lang="en-GB" dirty="0" err="1"/>
               <a:t>vehicula</a:t>
             </a:r>
             <a:r>
-              <a:rPr lang="en-GB"/>
+              <a:rPr lang="en-GB" dirty="0"/>
               <a:t> ex </a:t>
             </a:r>
             <a:r>
-              <a:rPr lang="en-GB" err="1"/>
+              <a:rPr lang="en-GB" dirty="0" err="1"/>
               <a:t>tincidunt</a:t>
             </a:r>
             <a:r>
-              <a:rPr lang="en-GB"/>
+              <a:rPr lang="en-GB" dirty="0"/>
               <a:t> id. </a:t>
             </a:r>
             <a:r>
-              <a:rPr lang="en-GB" err="1"/>
+              <a:rPr lang="en-GB" dirty="0" err="1"/>
               <a:t>Quisque</a:t>
             </a:r>
             <a:r>
-              <a:rPr lang="en-GB"/>
-              <a:t> </a:t>
-            </a:r>
-            <a:r>
-              <a:rPr lang="en-GB" err="1"/>
+              <a:rPr lang="en-GB" dirty="0"/>
+              <a:t> </a:t>
+            </a:r>
+            <a:r>
+              <a:rPr lang="en-GB" dirty="0" err="1"/>
               <a:t>posuere</a:t>
             </a:r>
             <a:r>
-              <a:rPr lang="en-GB"/>
-              <a:t> </a:t>
-            </a:r>
-            <a:r>
-              <a:rPr lang="en-GB" err="1"/>
+              <a:rPr lang="en-GB" dirty="0"/>
+              <a:t> </a:t>
+            </a:r>
+            <a:r>
+              <a:rPr lang="en-GB" dirty="0" err="1"/>
               <a:t>dignissim</a:t>
             </a:r>
             <a:r>
-              <a:rPr lang="en-GB"/>
-              <a:t> </a:t>
-            </a:r>
-            <a:r>
-              <a:rPr lang="en-GB" err="1"/>
+              <a:rPr lang="en-GB" dirty="0"/>
+              <a:t> </a:t>
+            </a:r>
+            <a:r>
+              <a:rPr lang="en-GB" dirty="0" err="1"/>
               <a:t>dolor</a:t>
             </a:r>
             <a:r>
-              <a:rPr lang="en-GB"/>
+              <a:rPr lang="en-GB" dirty="0"/>
               <a:t> id </a:t>
             </a:r>
             <a:r>
-              <a:rPr lang="en-GB" err="1"/>
+              <a:rPr lang="en-GB" dirty="0" err="1"/>
               <a:t>rutrum</a:t>
             </a:r>
             <a:r>
-              <a:rPr lang="en-GB"/>
+              <a:rPr lang="en-GB" dirty="0"/>
               <a:t>. </a:t>
             </a:r>
             <a:r>
-              <a:rPr lang="en-GB" err="1"/>
+              <a:rPr lang="en-GB" dirty="0" err="1"/>
               <a:t>Quisque</a:t>
             </a:r>
             <a:r>
-              <a:rPr lang="en-GB"/>
-              <a:t> </a:t>
-            </a:r>
-            <a:r>
-              <a:rPr lang="en-GB" err="1"/>
+              <a:rPr lang="en-GB" dirty="0"/>
+              <a:t> </a:t>
+            </a:r>
+            <a:r>
+              <a:rPr lang="en-GB" dirty="0" err="1"/>
               <a:t>suscipit</a:t>
             </a:r>
             <a:r>
-              <a:rPr lang="en-GB"/>
-              <a:t> </a:t>
-            </a:r>
-            <a:r>
-              <a:rPr lang="en-GB" err="1"/>
+              <a:rPr lang="en-GB" dirty="0"/>
+              <a:t> </a:t>
+            </a:r>
+            <a:r>
+              <a:rPr lang="en-GB" dirty="0" err="1"/>
               <a:t>tincidunt</a:t>
             </a:r>
             <a:r>
-              <a:rPr lang="en-GB"/>
-              <a:t> </a:t>
-            </a:r>
-            <a:r>
-              <a:rPr lang="en-GB" err="1"/>
+              <a:rPr lang="en-GB" dirty="0"/>
+              <a:t> </a:t>
+            </a:r>
+            <a:r>
+              <a:rPr lang="en-GB" dirty="0" err="1"/>
               <a:t>arcu</a:t>
             </a:r>
             <a:r>
-              <a:rPr lang="en-GB"/>
-              <a:t> </a:t>
-            </a:r>
-            <a:r>
-              <a:rPr lang="en-GB" err="1"/>
+              <a:rPr lang="en-GB" dirty="0"/>
+              <a:t> </a:t>
+            </a:r>
+            <a:r>
+              <a:rPr lang="en-GB" dirty="0" err="1"/>
               <a:t>eget</a:t>
             </a:r>
             <a:r>
-              <a:rPr lang="en-GB"/>
-              <a:t> </a:t>
-            </a:r>
-            <a:r>
-              <a:rPr lang="en-GB" err="1"/>
+              <a:rPr lang="en-GB" dirty="0"/>
+              <a:t> </a:t>
+            </a:r>
+            <a:r>
+              <a:rPr lang="en-GB" dirty="0" err="1"/>
               <a:t>tincidunt</a:t>
             </a:r>
             <a:r>
-              <a:rPr lang="en-GB"/>
+              <a:rPr lang="en-GB" dirty="0"/>
               <a:t>.</a:t>
             </a:r>
           </a:p>
@@ -7811,203 +7649,203 @@
               </a:tabLst>
             </a:pPr>
             <a:r>
-              <a:rPr lang="en-GB" err="1"/>
+              <a:rPr lang="en-GB" dirty="0" err="1"/>
               <a:t>Suspendisse</a:t>
             </a:r>
             <a:r>
-              <a:rPr lang="en-GB"/>
-              <a:t> </a:t>
-            </a:r>
-            <a:r>
-              <a:rPr lang="en-GB" err="1"/>
+              <a:rPr lang="en-GB" dirty="0"/>
+              <a:t> </a:t>
+            </a:r>
+            <a:r>
+              <a:rPr lang="en-GB" dirty="0" err="1"/>
               <a:t>consectetur</a:t>
             </a:r>
             <a:r>
-              <a:rPr lang="en-GB"/>
-              <a:t> </a:t>
-            </a:r>
-            <a:r>
-              <a:rPr lang="en-GB" err="1"/>
+              <a:rPr lang="en-GB" dirty="0"/>
+              <a:t> </a:t>
+            </a:r>
+            <a:r>
+              <a:rPr lang="en-GB" dirty="0" err="1"/>
               <a:t>sollicitudin</a:t>
             </a:r>
             <a:r>
-              <a:rPr lang="en-GB"/>
-              <a:t> </a:t>
-            </a:r>
-            <a:r>
-              <a:rPr lang="en-GB" err="1"/>
+              <a:rPr lang="en-GB" dirty="0"/>
+              <a:t> </a:t>
+            </a:r>
+            <a:r>
+              <a:rPr lang="en-GB" dirty="0" err="1"/>
               <a:t>sollicitudin</a:t>
             </a:r>
             <a:r>
-              <a:rPr lang="en-GB"/>
+              <a:rPr lang="en-GB" dirty="0"/>
               <a:t>. </a:t>
             </a:r>
             <a:r>
-              <a:rPr lang="en-GB" err="1"/>
+              <a:rPr lang="en-GB" dirty="0" err="1"/>
               <a:t>Aliquam</a:t>
             </a:r>
             <a:r>
-              <a:rPr lang="en-GB"/>
-              <a:t> </a:t>
-            </a:r>
-            <a:r>
-              <a:rPr lang="en-GB" err="1"/>
+              <a:rPr lang="en-GB" dirty="0"/>
+              <a:t> </a:t>
+            </a:r>
+            <a:r>
+              <a:rPr lang="en-GB" dirty="0" err="1"/>
               <a:t>aliquet</a:t>
             </a:r>
             <a:r>
-              <a:rPr lang="en-GB"/>
-              <a:t> </a:t>
-            </a:r>
-            <a:r>
-              <a:rPr lang="en-GB" err="1"/>
+              <a:rPr lang="en-GB" dirty="0"/>
+              <a:t> </a:t>
+            </a:r>
+            <a:r>
+              <a:rPr lang="en-GB" dirty="0" err="1"/>
               <a:t>nibh</a:t>
             </a:r>
             <a:r>
-              <a:rPr lang="en-GB"/>
+              <a:rPr lang="en-GB" dirty="0"/>
               <a:t> sit </a:t>
             </a:r>
             <a:r>
-              <a:rPr lang="en-GB" err="1"/>
+              <a:rPr lang="en-GB" dirty="0" err="1"/>
               <a:t>amet</a:t>
             </a:r>
             <a:r>
-              <a:rPr lang="en-GB"/>
-              <a:t> </a:t>
-            </a:r>
-            <a:r>
-              <a:rPr lang="en-GB" err="1"/>
+              <a:rPr lang="en-GB" dirty="0"/>
+              <a:t> </a:t>
+            </a:r>
+            <a:r>
+              <a:rPr lang="en-GB" dirty="0" err="1"/>
               <a:t>tortor</a:t>
             </a:r>
             <a:r>
-              <a:rPr lang="en-GB"/>
-              <a:t> </a:t>
-            </a:r>
-            <a:r>
-              <a:rPr lang="en-GB" err="1"/>
+              <a:rPr lang="en-GB" dirty="0"/>
+              <a:t> </a:t>
+            </a:r>
+            <a:r>
+              <a:rPr lang="en-GB" dirty="0" err="1"/>
               <a:t>dignissim</a:t>
             </a:r>
             <a:r>
-              <a:rPr lang="en-GB"/>
+              <a:rPr lang="en-GB" dirty="0"/>
               <a:t>, vitae </a:t>
             </a:r>
             <a:r>
-              <a:rPr lang="en-GB" err="1"/>
+              <a:rPr lang="en-GB" dirty="0" err="1"/>
               <a:t>consequat</a:t>
             </a:r>
             <a:r>
-              <a:rPr lang="en-GB"/>
-              <a:t> </a:t>
-            </a:r>
-            <a:r>
-              <a:rPr lang="en-GB" err="1"/>
+              <a:rPr lang="en-GB" dirty="0"/>
+              <a:t> </a:t>
+            </a:r>
+            <a:r>
+              <a:rPr lang="en-GB" dirty="0" err="1"/>
               <a:t>orci</a:t>
             </a:r>
             <a:r>
-              <a:rPr lang="en-GB"/>
-              <a:t> </a:t>
-            </a:r>
-            <a:r>
-              <a:rPr lang="en-GB" err="1"/>
+              <a:rPr lang="en-GB" dirty="0"/>
+              <a:t> </a:t>
+            </a:r>
+            <a:r>
+              <a:rPr lang="en-GB" dirty="0" err="1"/>
               <a:t>vulputate</a:t>
             </a:r>
             <a:r>
-              <a:rPr lang="en-GB"/>
+              <a:rPr lang="en-GB" dirty="0"/>
               <a:t>. </a:t>
             </a:r>
             <a:r>
-              <a:rPr lang="en-GB" err="1"/>
+              <a:rPr lang="en-GB" dirty="0" err="1"/>
               <a:t>Suspendisse</a:t>
             </a:r>
             <a:r>
-              <a:rPr lang="en-GB"/>
-              <a:t> </a:t>
-            </a:r>
-            <a:r>
-              <a:rPr lang="en-GB" err="1"/>
+              <a:rPr lang="en-GB" dirty="0"/>
+              <a:t> </a:t>
+            </a:r>
+            <a:r>
+              <a:rPr lang="en-GB" dirty="0" err="1"/>
               <a:t>bibendum</a:t>
             </a:r>
             <a:r>
-              <a:rPr lang="en-GB"/>
+              <a:rPr lang="en-GB" dirty="0"/>
               <a:t> et </a:t>
             </a:r>
             <a:r>
-              <a:rPr lang="en-GB" err="1"/>
+              <a:rPr lang="en-GB" dirty="0" err="1"/>
               <a:t>diam</a:t>
             </a:r>
             <a:r>
-              <a:rPr lang="en-GB"/>
+              <a:rPr lang="en-GB" dirty="0"/>
               <a:t> et </a:t>
             </a:r>
             <a:r>
-              <a:rPr lang="en-GB" err="1"/>
+              <a:rPr lang="en-GB" dirty="0" err="1"/>
               <a:t>lobortis</a:t>
             </a:r>
             <a:r>
-              <a:rPr lang="en-GB"/>
+              <a:rPr lang="en-GB" dirty="0"/>
               <a:t>. </a:t>
             </a:r>
             <a:r>
-              <a:rPr lang="en-GB" err="1"/>
+              <a:rPr lang="en-GB" dirty="0" err="1"/>
               <a:t>Orci</a:t>
             </a:r>
             <a:r>
-              <a:rPr lang="en-GB"/>
-              <a:t> </a:t>
-            </a:r>
-            <a:r>
-              <a:rPr lang="en-GB" err="1"/>
+              <a:rPr lang="en-GB" dirty="0"/>
+              <a:t> </a:t>
+            </a:r>
+            <a:r>
+              <a:rPr lang="en-GB" dirty="0" err="1"/>
               <a:t>varius</a:t>
             </a:r>
             <a:r>
-              <a:rPr lang="en-GB"/>
-              <a:t> </a:t>
-            </a:r>
-            <a:r>
-              <a:rPr lang="en-GB" err="1"/>
+              <a:rPr lang="en-GB" dirty="0"/>
+              <a:t> </a:t>
+            </a:r>
+            <a:r>
+              <a:rPr lang="en-GB" dirty="0" err="1"/>
               <a:t>natoque</a:t>
             </a:r>
             <a:r>
-              <a:rPr lang="en-GB"/>
-              <a:t> </a:t>
-            </a:r>
-            <a:r>
-              <a:rPr lang="en-GB" err="1"/>
+              <a:rPr lang="en-GB" dirty="0"/>
+              <a:t> </a:t>
+            </a:r>
+            <a:r>
+              <a:rPr lang="en-GB" dirty="0" err="1"/>
               <a:t>penatibus</a:t>
             </a:r>
             <a:r>
-              <a:rPr lang="en-GB"/>
+              <a:rPr lang="en-GB" dirty="0"/>
               <a:t> et </a:t>
             </a:r>
             <a:r>
-              <a:rPr lang="en-GB" err="1"/>
+              <a:rPr lang="en-GB" dirty="0" err="1"/>
               <a:t>magnis</a:t>
             </a:r>
             <a:r>
-              <a:rPr lang="en-GB"/>
+              <a:rPr lang="en-GB" dirty="0"/>
               <a:t> dis parturient </a:t>
             </a:r>
             <a:r>
-              <a:rPr lang="en-GB" err="1"/>
+              <a:rPr lang="en-GB" dirty="0" err="1"/>
               <a:t>montes</a:t>
             </a:r>
             <a:r>
-              <a:rPr lang="en-GB"/>
+              <a:rPr lang="en-GB" dirty="0"/>
               <a:t>, </a:t>
             </a:r>
             <a:r>
-              <a:rPr lang="en-GB" err="1"/>
+              <a:rPr lang="en-GB" dirty="0" err="1"/>
               <a:t>nascetur</a:t>
             </a:r>
             <a:r>
-              <a:rPr lang="en-GB"/>
-              <a:t> </a:t>
-            </a:r>
-            <a:r>
-              <a:rPr lang="en-GB" err="1"/>
+              <a:rPr lang="en-GB" dirty="0"/>
+              <a:t> </a:t>
+            </a:r>
+            <a:r>
+              <a:rPr lang="en-GB" dirty="0" err="1"/>
               <a:t>ridiculus</a:t>
             </a:r>
             <a:r>
-              <a:rPr lang="en-GB"/>
+              <a:rPr lang="en-GB" dirty="0"/>
               <a:t> mus. </a:t>
             </a:r>
           </a:p>
@@ -8023,275 +7861,283 @@
               </a:tabLst>
             </a:pPr>
             <a:r>
-              <a:rPr lang="en-GB" err="1"/>
+              <a:rPr lang="en-GB" dirty="0" err="1"/>
               <a:t>Mauris</a:t>
             </a:r>
             <a:r>
-              <a:rPr lang="en-GB"/>
+              <a:rPr lang="en-GB" dirty="0"/>
               <a:t> ipsum nisi, </a:t>
             </a:r>
             <a:r>
-              <a:rPr lang="en-GB" err="1"/>
+              <a:rPr lang="en-GB" dirty="0" err="1"/>
               <a:t>finibus</a:t>
             </a:r>
             <a:r>
-              <a:rPr lang="en-GB"/>
-              <a:t> </a:t>
-            </a:r>
-            <a:r>
-              <a:rPr lang="en-GB" err="1"/>
+              <a:rPr lang="en-GB" dirty="0"/>
+              <a:t> </a:t>
+            </a:r>
+            <a:r>
+              <a:rPr lang="en-GB" dirty="0" err="1"/>
               <a:t>faucibus</a:t>
             </a:r>
             <a:r>
-              <a:rPr lang="en-GB"/>
-              <a:t> </a:t>
-            </a:r>
-            <a:r>
-              <a:rPr lang="en-GB" err="1"/>
+              <a:rPr lang="en-GB" dirty="0"/>
+              <a:t> </a:t>
+            </a:r>
+            <a:r>
+              <a:rPr lang="en-GB" dirty="0" err="1"/>
               <a:t>mattis</a:t>
             </a:r>
             <a:r>
-              <a:rPr lang="en-GB"/>
-              <a:t> </a:t>
-            </a:r>
-            <a:r>
-              <a:rPr lang="en-GB" err="1"/>
+              <a:rPr lang="en-GB" dirty="0"/>
+              <a:t> </a:t>
+            </a:r>
+            <a:r>
+              <a:rPr lang="en-GB" dirty="0" err="1"/>
               <a:t>ut</a:t>
             </a:r>
             <a:r>
-              <a:rPr lang="en-GB"/>
+              <a:rPr lang="en-GB" dirty="0"/>
               <a:t>, </a:t>
             </a:r>
             <a:r>
-              <a:rPr lang="en-GB" err="1"/>
+              <a:rPr lang="en-GB" dirty="0" err="1"/>
               <a:t>vulputate</a:t>
             </a:r>
             <a:r>
-              <a:rPr lang="en-GB"/>
-              <a:t> </a:t>
-            </a:r>
-            <a:r>
-              <a:rPr lang="en-GB" err="1"/>
+              <a:rPr lang="en-GB" dirty="0"/>
+              <a:t> </a:t>
+            </a:r>
+            <a:r>
+              <a:rPr lang="en-GB" dirty="0" err="1"/>
               <a:t>vulputate</a:t>
             </a:r>
             <a:r>
-              <a:rPr lang="en-GB"/>
+              <a:rPr lang="en-GB" dirty="0"/>
               <a:t> ligula. Duis a </a:t>
             </a:r>
             <a:r>
-              <a:rPr lang="en-GB" err="1"/>
+              <a:rPr lang="en-GB" dirty="0" err="1"/>
               <a:t>pellentesque</a:t>
             </a:r>
             <a:r>
-              <a:rPr lang="en-GB"/>
-              <a:t> </a:t>
-            </a:r>
-            <a:r>
-              <a:rPr lang="en-GB" err="1"/>
+              <a:rPr lang="en-GB" dirty="0"/>
+              <a:t> </a:t>
+            </a:r>
+            <a:r>
+              <a:rPr lang="en-GB" dirty="0" err="1"/>
               <a:t>tortor</a:t>
             </a:r>
             <a:r>
-              <a:rPr lang="en-GB"/>
+              <a:rPr lang="en-GB" dirty="0"/>
               <a:t>. </a:t>
             </a:r>
             <a:r>
-              <a:rPr lang="en-GB" err="1"/>
+              <a:rPr lang="en-GB" dirty="0" err="1"/>
               <a:t>Vivamus</a:t>
             </a:r>
             <a:r>
-              <a:rPr lang="en-GB"/>
-              <a:t> </a:t>
-            </a:r>
-            <a:r>
-              <a:rPr lang="en-GB" err="1"/>
+              <a:rPr lang="en-GB" dirty="0"/>
+              <a:t> </a:t>
+            </a:r>
+            <a:r>
+              <a:rPr lang="en-GB" dirty="0" err="1"/>
               <a:t>urna</a:t>
             </a:r>
             <a:r>
-              <a:rPr lang="en-GB"/>
-              <a:t> </a:t>
-            </a:r>
-            <a:r>
-              <a:rPr lang="en-GB" err="1"/>
+              <a:rPr lang="en-GB" dirty="0"/>
+              <a:t> </a:t>
+            </a:r>
+            <a:r>
+              <a:rPr lang="en-GB" dirty="0" err="1"/>
               <a:t>lacus</a:t>
             </a:r>
             <a:r>
-              <a:rPr lang="en-GB"/>
+              <a:rPr lang="en-GB" dirty="0"/>
               <a:t>, </a:t>
             </a:r>
             <a:r>
-              <a:rPr lang="en-GB" err="1"/>
+              <a:rPr lang="en-GB" dirty="0" err="1"/>
               <a:t>ultrices</a:t>
             </a:r>
             <a:r>
-              <a:rPr lang="en-GB"/>
-              <a:t> </a:t>
-            </a:r>
-            <a:r>
-              <a:rPr lang="en-GB" err="1"/>
+              <a:rPr lang="en-GB" dirty="0"/>
+              <a:t> </a:t>
+            </a:r>
+            <a:r>
+              <a:rPr lang="en-GB" dirty="0" err="1"/>
               <a:t>quis</a:t>
             </a:r>
             <a:r>
-              <a:rPr lang="en-GB"/>
-              <a:t> </a:t>
-            </a:r>
-            <a:r>
-              <a:rPr lang="en-GB" err="1"/>
+              <a:rPr lang="en-GB" dirty="0"/>
+              <a:t> </a:t>
+            </a:r>
+            <a:r>
+              <a:rPr lang="en-GB" dirty="0" err="1"/>
               <a:t>felis</a:t>
             </a:r>
             <a:r>
-              <a:rPr lang="en-GB"/>
+              <a:rPr lang="en-GB" dirty="0"/>
               <a:t> at, </a:t>
             </a:r>
             <a:r>
-              <a:rPr lang="en-GB" err="1"/>
+              <a:rPr lang="en-GB" dirty="0" err="1"/>
               <a:t>tempor</a:t>
             </a:r>
             <a:r>
-              <a:rPr lang="en-GB"/>
-              <a:t> </a:t>
-            </a:r>
-            <a:r>
-              <a:rPr lang="en-GB" err="1"/>
+              <a:rPr lang="en-GB" dirty="0"/>
+              <a:t> </a:t>
+            </a:r>
+            <a:r>
+              <a:rPr lang="en-GB" dirty="0" err="1"/>
               <a:t>accumsan</a:t>
             </a:r>
             <a:r>
-              <a:rPr lang="en-GB"/>
-              <a:t> </a:t>
-            </a:r>
-            <a:r>
-              <a:rPr lang="en-GB" err="1"/>
+              <a:rPr lang="en-GB" dirty="0"/>
+              <a:t> </a:t>
+            </a:r>
+            <a:r>
+              <a:rPr lang="en-GB" dirty="0" err="1"/>
               <a:t>lectus</a:t>
             </a:r>
             <a:r>
-              <a:rPr lang="en-GB"/>
+              <a:rPr lang="en-GB" dirty="0"/>
               <a:t>. Vestibulum ante ipsum </a:t>
             </a:r>
             <a:r>
-              <a:rPr lang="en-GB" err="1"/>
+              <a:rPr lang="en-GB" dirty="0" err="1"/>
               <a:t>primis</a:t>
             </a:r>
             <a:r>
-              <a:rPr lang="en-GB"/>
+              <a:rPr lang="en-GB" dirty="0"/>
               <a:t> in </a:t>
             </a:r>
             <a:r>
-              <a:rPr lang="en-GB" err="1"/>
+              <a:rPr lang="en-GB" dirty="0" err="1"/>
               <a:t>faucibus</a:t>
             </a:r>
             <a:r>
-              <a:rPr lang="en-GB"/>
-              <a:t> </a:t>
-            </a:r>
-            <a:r>
-              <a:rPr lang="en-GB" err="1"/>
+              <a:rPr lang="en-GB" dirty="0"/>
+              <a:t> </a:t>
+            </a:r>
+            <a:r>
+              <a:rPr lang="en-GB" dirty="0" err="1"/>
               <a:t>orci</a:t>
             </a:r>
             <a:r>
-              <a:rPr lang="en-GB"/>
-              <a:t> </a:t>
-            </a:r>
-            <a:r>
-              <a:rPr lang="en-GB" err="1"/>
+              <a:rPr lang="en-GB" dirty="0"/>
+              <a:t> </a:t>
+            </a:r>
+            <a:r>
+              <a:rPr lang="en-GB" dirty="0" err="1"/>
               <a:t>luctus</a:t>
             </a:r>
             <a:r>
-              <a:rPr lang="en-GB"/>
+              <a:rPr lang="en-GB" dirty="0"/>
               <a:t> et </a:t>
             </a:r>
             <a:r>
-              <a:rPr lang="en-GB" err="1"/>
+              <a:rPr lang="en-GB" dirty="0" err="1"/>
               <a:t>ultrices</a:t>
             </a:r>
             <a:r>
-              <a:rPr lang="en-GB"/>
-              <a:t> </a:t>
-            </a:r>
-            <a:r>
-              <a:rPr lang="en-GB" err="1"/>
+              <a:rPr lang="en-GB" dirty="0"/>
+              <a:t> </a:t>
+            </a:r>
+            <a:r>
+              <a:rPr lang="en-GB" dirty="0" err="1"/>
               <a:t>posuere</a:t>
             </a:r>
             <a:r>
-              <a:rPr lang="en-GB"/>
-              <a:t> </a:t>
-            </a:r>
-            <a:r>
-              <a:rPr lang="en-GB" err="1"/>
+              <a:rPr lang="en-GB" dirty="0"/>
+              <a:t> </a:t>
+            </a:r>
+            <a:r>
+              <a:rPr lang="en-GB" dirty="0" err="1"/>
               <a:t>cubilia</a:t>
             </a:r>
             <a:r>
-              <a:rPr lang="en-GB"/>
-              <a:t> curae; Duis </a:t>
-            </a:r>
-            <a:r>
-              <a:rPr lang="en-GB" err="1"/>
+              <a:rPr lang="en-GB" dirty="0"/>
+              <a:t> </a:t>
+            </a:r>
+            <a:r>
+              <a:rPr lang="en-GB" dirty="0" err="1"/>
+              <a:t>curae</a:t>
+            </a:r>
+            <a:r>
+              <a:rPr lang="en-GB" dirty="0"/>
+              <a:t>; Duis </a:t>
+            </a:r>
+            <a:r>
+              <a:rPr lang="en-GB" dirty="0" err="1"/>
               <a:t>mauris</a:t>
             </a:r>
             <a:r>
-              <a:rPr lang="en-GB"/>
-              <a:t> </a:t>
-            </a:r>
-            <a:r>
-              <a:rPr lang="en-GB" err="1"/>
+              <a:rPr lang="en-GB" dirty="0"/>
+              <a:t> </a:t>
+            </a:r>
+            <a:r>
+              <a:rPr lang="en-GB" dirty="0" err="1"/>
               <a:t>justo</a:t>
             </a:r>
             <a:r>
-              <a:rPr lang="en-GB"/>
+              <a:rPr lang="en-GB" dirty="0"/>
               <a:t>, </a:t>
             </a:r>
             <a:r>
-              <a:rPr lang="en-GB" err="1"/>
+              <a:rPr lang="en-GB" dirty="0" err="1"/>
               <a:t>bibendum</a:t>
             </a:r>
             <a:r>
-              <a:rPr lang="en-GB"/>
-              <a:t> </a:t>
-            </a:r>
-            <a:r>
-              <a:rPr lang="en-GB" err="1"/>
+              <a:rPr lang="en-GB" dirty="0"/>
+              <a:t> </a:t>
+            </a:r>
+            <a:r>
+              <a:rPr lang="en-GB" dirty="0" err="1"/>
               <a:t>quis</a:t>
             </a:r>
             <a:r>
-              <a:rPr lang="en-GB"/>
-              <a:t> </a:t>
-            </a:r>
-            <a:r>
-              <a:rPr lang="en-GB" err="1"/>
+              <a:rPr lang="en-GB" dirty="0"/>
+              <a:t> </a:t>
+            </a:r>
+            <a:r>
+              <a:rPr lang="en-GB" dirty="0" err="1"/>
               <a:t>sollicitudin</a:t>
             </a:r>
             <a:r>
-              <a:rPr lang="en-GB"/>
-              <a:t> </a:t>
-            </a:r>
-            <a:r>
-              <a:rPr lang="en-GB" err="1"/>
+              <a:rPr lang="en-GB" dirty="0"/>
+              <a:t> </a:t>
+            </a:r>
+            <a:r>
+              <a:rPr lang="en-GB" dirty="0" err="1"/>
               <a:t>sed</a:t>
             </a:r>
             <a:r>
-              <a:rPr lang="en-GB"/>
+              <a:rPr lang="en-GB" dirty="0"/>
               <a:t>, </a:t>
             </a:r>
             <a:r>
-              <a:rPr lang="en-GB" err="1"/>
+              <a:rPr lang="en-GB" dirty="0" err="1"/>
               <a:t>porttitor</a:t>
             </a:r>
             <a:r>
-              <a:rPr lang="en-GB"/>
-              <a:t> </a:t>
-            </a:r>
-            <a:r>
-              <a:rPr lang="en-GB" err="1"/>
+              <a:rPr lang="en-GB" dirty="0"/>
+              <a:t> </a:t>
+            </a:r>
+            <a:r>
+              <a:rPr lang="en-GB" dirty="0" err="1"/>
               <a:t>congue</a:t>
             </a:r>
             <a:r>
-              <a:rPr lang="en-GB"/>
-              <a:t> </a:t>
-            </a:r>
-            <a:r>
-              <a:rPr lang="en-GB" err="1"/>
+              <a:rPr lang="en-GB" dirty="0"/>
+              <a:t> </a:t>
+            </a:r>
+            <a:r>
+              <a:rPr lang="en-GB" dirty="0" err="1"/>
               <a:t>metus</a:t>
             </a:r>
             <a:r>
-              <a:rPr lang="en-GB"/>
+              <a:rPr lang="en-GB" dirty="0"/>
               <a:t>. </a:t>
             </a:r>
           </a:p>
@@ -8450,41 +8296,6 @@
           </a:p>
         </p:txBody>
       </p:sp>
-      <p:pic>
-        <p:nvPicPr>
-          <p:cNvPr id="5" name="図 1">
-            <a:extLst>
-              <a:ext uri="{FF2B5EF4-FFF2-40B4-BE49-F238E27FC236}">
-                <a16:creationId xmlns:a16="http://schemas.microsoft.com/office/drawing/2014/main" id="{94212D4E-C916-EF5C-DAB4-C0A02E686D86}"/>
-              </a:ext>
-            </a:extLst>
-          </p:cNvPr>
-          <p:cNvPicPr>
-            <a:picLocks noChangeAspect="1"/>
-          </p:cNvPicPr>
-          <p:nvPr userDrawn="1"/>
-        </p:nvPicPr>
-        <p:blipFill rotWithShape="1">
-          <a:blip r:embed="rId3" cstate="email">
-            <a:extLst>
-              <a:ext uri="{28A0092B-C50C-407E-A947-70E740481C1C}">
-                <a14:useLocalDpi xmlns:a14="http://schemas.microsoft.com/office/drawing/2010/main"/>
-              </a:ext>
-            </a:extLst>
-          </a:blip>
-          <a:srcRect l="-2" t="-3972" r="35934" b="-7975"/>
-          <a:stretch/>
-        </p:blipFill>
-        <p:spPr>
-          <a:xfrm>
-            <a:off x="418743" y="6443925"/>
-            <a:ext cx="7107287" cy="197795"/>
-          </a:xfrm>
-          <a:prstGeom prst="rect">
-            <a:avLst/>
-          </a:prstGeom>
-        </p:spPr>
-      </p:pic>
       <p:sp>
         <p:nvSpPr>
           <p:cNvPr id="6" name="Picture Placeholder 11">
@@ -8779,42 +8590,6 @@
           </a:p>
         </p:txBody>
       </p:sp>
-      <p:pic>
-        <p:nvPicPr>
-          <p:cNvPr id="2" name="図 1">
-            <a:extLst>
-              <a:ext uri="{FF2B5EF4-FFF2-40B4-BE49-F238E27FC236}">
-                <a16:creationId xmlns:a16="http://schemas.microsoft.com/office/drawing/2014/main" id="{F70578E5-F640-4112-5A78-73FBAD3A8A21}"/>
-              </a:ext>
-            </a:extLst>
-          </p:cNvPr>
-          <p:cNvPicPr>
-            <a:picLocks noChangeAspect="1"/>
-          </p:cNvPicPr>
-          <p:nvPr userDrawn="1"/>
-        </p:nvPicPr>
-        <p:blipFill>
-          <a:blip r:embed="rId10" cstate="email">
-            <a:extLst>
-              <a:ext uri="{28A0092B-C50C-407E-A947-70E740481C1C}">
-                <a14:useLocalDpi xmlns:a14="http://schemas.microsoft.com/office/drawing/2010/main"/>
-              </a:ext>
-            </a:extLst>
-          </a:blip>
-          <a:stretch>
-            <a:fillRect/>
-          </a:stretch>
-        </p:blipFill>
-        <p:spPr>
-          <a:xfrm>
-            <a:off x="418742" y="6450941"/>
-            <a:ext cx="11093557" cy="176689"/>
-          </a:xfrm>
-          <a:prstGeom prst="rect">
-            <a:avLst/>
-          </a:prstGeom>
-        </p:spPr>
-      </p:pic>
       <p:sp>
         <p:nvSpPr>
           <p:cNvPr id="6" name="Title Placeholder 1">
@@ -10163,20 +9938,6 @@
 </file>
 
 <file path=customXml/item1.xml><?xml version="1.0" encoding="utf-8"?>
-<p:properties xmlns:p="http://schemas.microsoft.com/office/2006/metadata/properties" xmlns:xsi="http://www.w3.org/2001/XMLSchema-instance" xmlns:pc="http://schemas.microsoft.com/office/infopath/2007/PartnerControls">
-  <documentManagement>
-    <SharedWithUsers xmlns="cffdbd1f-be84-4f24-a942-36ae735825b2">
-      <UserInfo>
-        <DisplayName>BEM BP/CR/BTR メンバー</DisplayName>
-        <AccountId>7</AccountId>
-        <AccountType/>
-      </UserInfo>
-    </SharedWithUsers>
-  </documentManagement>
-</p:properties>
-</file>
-
-<file path=customXml/item2.xml><?xml version="1.0" encoding="utf-8"?>
 <ct:contentTypeSchema xmlns:ct="http://schemas.microsoft.com/office/2006/metadata/contentType" xmlns:ma="http://schemas.microsoft.com/office/2006/metadata/properties/metaAttributes" ct:_="" ma:_="" ma:contentTypeName="Document" ma:contentTypeID="0x0101002535196222513B4CAD6DF3A080520B34" ma:contentTypeVersion="10" ma:contentTypeDescription="Create a new document." ma:contentTypeScope="" ma:versionID="f207574623f6239b042f1f627bac3394">
   <xsd:schema xmlns:xsd="http://www.w3.org/2001/XMLSchema" xmlns:xs="http://www.w3.org/2001/XMLSchema" xmlns:p="http://schemas.microsoft.com/office/2006/metadata/properties" xmlns:ns2="ef8ac64b-b1ff-4e56-a213-66974c9c0eba" xmlns:ns3="cffdbd1f-be84-4f24-a942-36ae735825b2" targetNamespace="http://schemas.microsoft.com/office/2006/metadata/properties" ma:root="true" ma:fieldsID="294f3eec9e877b1f17ff7f81da1c965c" ns2:_="" ns3:_="">
     <xsd:import namespace="ef8ac64b-b1ff-4e56-a213-66974c9c0eba"/>
@@ -10377,6 +10138,20 @@
 </ct:contentTypeSchema>
 </file>
 
+<file path=customXml/item2.xml><?xml version="1.0" encoding="utf-8"?>
+<p:properties xmlns:p="http://schemas.microsoft.com/office/2006/metadata/properties" xmlns:xsi="http://www.w3.org/2001/XMLSchema-instance" xmlns:pc="http://schemas.microsoft.com/office/infopath/2007/PartnerControls">
+  <documentManagement>
+    <SharedWithUsers xmlns="cffdbd1f-be84-4f24-a942-36ae735825b2">
+      <UserInfo>
+        <DisplayName>BEM BP/CR/BTR メンバー</DisplayName>
+        <AccountId>7</AccountId>
+        <AccountType/>
+      </UserInfo>
+    </SharedWithUsers>
+  </documentManagement>
+</p:properties>
+</file>
+
 <file path=customXml/item3.xml><?xml version="1.0" encoding="utf-8"?>
 <?mso-contentType ?>
 <FormTemplates xmlns="http://schemas.microsoft.com/sharepoint/v3/contenttype/forms">
@@ -10387,23 +10162,6 @@
 </file>
 
 <file path=customXml/itemProps1.xml><?xml version="1.0" encoding="utf-8"?>
-<ds:datastoreItem xmlns:ds="http://schemas.openxmlformats.org/officeDocument/2006/customXml" ds:itemID="{BF8E6EAB-BB42-4220-968F-61B175BDC02F}">
-  <ds:schemaRefs>
-    <ds:schemaRef ds:uri="ef8ac64b-b1ff-4e56-a213-66974c9c0eba"/>
-    <ds:schemaRef ds:uri="http://schemas.microsoft.com/office/2006/documentManagement/types"/>
-    <ds:schemaRef ds:uri="http://schemas.openxmlformats.org/package/2006/metadata/core-properties"/>
-    <ds:schemaRef ds:uri="http://purl.org/dc/dcmitype/"/>
-    <ds:schemaRef ds:uri="http://www.w3.org/XML/1998/namespace"/>
-    <ds:schemaRef ds:uri="http://schemas.microsoft.com/office/2006/metadata/properties"/>
-    <ds:schemaRef ds:uri="http://purl.org/dc/elements/1.1/"/>
-    <ds:schemaRef ds:uri="http://purl.org/dc/terms/"/>
-    <ds:schemaRef ds:uri="http://schemas.microsoft.com/office/infopath/2007/PartnerControls"/>
-    <ds:schemaRef ds:uri="cffdbd1f-be84-4f24-a942-36ae735825b2"/>
-  </ds:schemaRefs>
-</ds:datastoreItem>
-</file>
-
-<file path=customXml/itemProps2.xml><?xml version="1.0" encoding="utf-8"?>
 <ds:datastoreItem xmlns:ds="http://schemas.openxmlformats.org/officeDocument/2006/customXml" ds:itemID="{A8EFB247-EB7A-4A5D-8B6D-197BF0F4C4DB}">
   <ds:schemaRefs>
     <ds:schemaRef ds:uri="cffdbd1f-be84-4f24-a942-36ae735825b2"/>
@@ -10423,6 +10181,23 @@
 </ds:datastoreItem>
 </file>
 
+<file path=customXml/itemProps2.xml><?xml version="1.0" encoding="utf-8"?>
+<ds:datastoreItem xmlns:ds="http://schemas.openxmlformats.org/officeDocument/2006/customXml" ds:itemID="{BF8E6EAB-BB42-4220-968F-61B175BDC02F}">
+  <ds:schemaRefs>
+    <ds:schemaRef ds:uri="ef8ac64b-b1ff-4e56-a213-66974c9c0eba"/>
+    <ds:schemaRef ds:uri="http://schemas.microsoft.com/office/2006/documentManagement/types"/>
+    <ds:schemaRef ds:uri="http://schemas.openxmlformats.org/package/2006/metadata/core-properties"/>
+    <ds:schemaRef ds:uri="http://purl.org/dc/dcmitype/"/>
+    <ds:schemaRef ds:uri="http://www.w3.org/XML/1998/namespace"/>
+    <ds:schemaRef ds:uri="http://schemas.microsoft.com/office/2006/metadata/properties"/>
+    <ds:schemaRef ds:uri="http://purl.org/dc/elements/1.1/"/>
+    <ds:schemaRef ds:uri="http://purl.org/dc/terms/"/>
+    <ds:schemaRef ds:uri="http://schemas.microsoft.com/office/infopath/2007/PartnerControls"/>
+    <ds:schemaRef ds:uri="cffdbd1f-be84-4f24-a942-36ae735825b2"/>
+  </ds:schemaRefs>
+</ds:datastoreItem>
+</file>
+
 <file path=customXml/itemProps3.xml><?xml version="1.0" encoding="utf-8"?>
 <ds:datastoreItem xmlns:ds="http://schemas.openxmlformats.org/officeDocument/2006/customXml" ds:itemID="{DC96AC00-AC2F-4E0E-A3A3-376110C20DAE}">
   <ds:schemaRefs>
